--- a/fall11/slidesF11/slides15m.pptx
+++ b/fall11/slidesF11/slides15m.pptx
@@ -2573,7 +2573,11 @@
             </a:r>
             <a:r>
               <a:rPr lang="en-US" dirty="0" smtClean="0"/>
-              <a:t> 13W.</a:t>
+              <a:t> </a:t>
+            </a:r>
+            <a:r>
+              <a:rPr lang="en-US" dirty="0" smtClean="0"/>
+              <a:t>15M.</a:t>
             </a:r>
             <a:fld id="{E0767230-41DD-416C-94DF-B14AD9991E2A}" type="slidenum">
               <a:rPr lang="en-US" smtClean="0"/>
@@ -2747,7 +2751,11 @@
             </a:r>
             <a:r>
               <a:rPr lang="en-US" dirty="0" smtClean="0"/>
-              <a:t> 13W.</a:t>
+              <a:t> </a:t>
+            </a:r>
+            <a:r>
+              <a:rPr lang="en-US" dirty="0" smtClean="0"/>
+              <a:t>15M.</a:t>
             </a:r>
             <a:fld id="{E78F4000-603A-43A9-9772-EA15786EFD2C}" type="slidenum">
               <a:rPr lang="en-US" smtClean="0"/>
@@ -2917,7 +2925,11 @@
             </a:r>
             <a:r>
               <a:rPr lang="en-US" dirty="0" smtClean="0"/>
-              <a:t> 13W.</a:t>
+              <a:t> </a:t>
+            </a:r>
+            <a:r>
+              <a:rPr lang="en-US" dirty="0" smtClean="0"/>
+              <a:t>15M.</a:t>
             </a:r>
             <a:fld id="{BA91E300-87A6-4188-BA11-76F82726AEC3}" type="slidenum">
               <a:rPr lang="en-US" smtClean="0"/>
@@ -3176,7 +3188,11 @@
             </a:r>
             <a:r>
               <a:rPr lang="en-US" dirty="0" smtClean="0"/>
-              <a:t> 13W.</a:t>
+              <a:t> </a:t>
+            </a:r>
+            <a:r>
+              <a:rPr lang="en-US" dirty="0" smtClean="0"/>
+              <a:t>15M.</a:t>
             </a:r>
             <a:fld id="{15742F82-D88E-406A-A73F-71903E81FC0B}" type="slidenum">
               <a:rPr lang="en-US" smtClean="0"/>
@@ -3270,7 +3286,11 @@
             </a:r>
             <a:r>
               <a:rPr lang="en-US" dirty="0" smtClean="0"/>
-              <a:t> 13W.</a:t>
+              <a:t> </a:t>
+            </a:r>
+            <a:r>
+              <a:rPr lang="en-US" dirty="0" smtClean="0"/>
+              <a:t>15M.</a:t>
             </a:r>
             <a:fld id="{D9E7CF9A-E10E-4B43-BCF9-6C96C6375151}" type="slidenum">
               <a:rPr lang="en-US" smtClean="0"/>
@@ -3336,7 +3356,11 @@
             </a:r>
             <a:r>
               <a:rPr lang="en-US" dirty="0" smtClean="0"/>
-              <a:t> 13W.</a:t>
+              <a:t> </a:t>
+            </a:r>
+            <a:r>
+              <a:rPr lang="en-US" dirty="0" smtClean="0"/>
+              <a:t>15M.</a:t>
             </a:r>
             <a:fld id="{8B2956E7-9AEE-4C6B-8C9B-08350367CE49}" type="slidenum">
               <a:rPr lang="en-US" smtClean="0"/>
@@ -3544,7 +3568,11 @@
             </a:r>
             <a:r>
               <a:rPr lang="en-US" dirty="0" smtClean="0"/>
-              <a:t> 13W.</a:t>
+              <a:t> </a:t>
+            </a:r>
+            <a:r>
+              <a:rPr lang="en-US" dirty="0" smtClean="0"/>
+              <a:t>15M.</a:t>
             </a:r>
             <a:fld id="{47F8C8D3-6BDF-4148-BF9D-D4BC3120C380}" type="slidenum">
               <a:rPr lang="en-US" smtClean="0"/>
@@ -3752,7 +3780,11 @@
             </a:r>
             <a:r>
               <a:rPr lang="en-US" dirty="0" smtClean="0"/>
-              <a:t> 13W.</a:t>
+              <a:t> </a:t>
+            </a:r>
+            <a:r>
+              <a:rPr lang="en-US" dirty="0" smtClean="0"/>
+              <a:t>15M.</a:t>
             </a:r>
             <a:fld id="{F77891F4-FB37-431E-8CE5-4ACAD66CCEF9}" type="slidenum">
               <a:rPr lang="en-US" smtClean="0"/>
@@ -3807,8 +3839,8 @@
         </p:nvSpPr>
         <p:spPr>
           <a:xfrm>
-            <a:off x="3085994" y="6553200"/>
-            <a:ext cx="2857606" cy="304800"/>
+            <a:off x="2819400" y="6629400"/>
+            <a:ext cx="3314806" cy="228600"/>
           </a:xfrm>
           <a:prstGeom prst="rect">
             <a:avLst/>
@@ -3848,7 +3880,37 @@
                 <a:uFillTx/>
                 <a:latin typeface="Comic Sans MS" pitchFamily="66" charset="0"/>
               </a:rPr>
-              <a:t>Albert R Meyer,            May 4, 2011</a:t>
+              <a:t>Albert R Meyer,            </a:t>
+            </a:r>
+            <a:r>
+              <a:rPr kumimoji="0" lang="en-US" sz="1200" b="0" i="0" u="none" strike="noStrike" kern="1200" cap="none" spc="0" normalizeH="0" baseline="0" noProof="0" dirty="0" smtClean="0">
+                <a:ln>
+                  <a:noFill/>
+                </a:ln>
+                <a:solidFill>
+                  <a:schemeClr val="tx1"/>
+                </a:solidFill>
+                <a:effectLst/>
+                <a:uLnTx/>
+                <a:uFillTx/>
+                <a:latin typeface="Comic Sans MS" pitchFamily="66" charset="0"/>
+              </a:rPr>
+              <a:t>December 12, </a:t>
+            </a:r>
+            <a:r>
+              <a:rPr kumimoji="0" lang="en-US" sz="1200" b="0" i="0" u="none" strike="noStrike" kern="1200" cap="none" spc="0" normalizeH="0" baseline="0" noProof="0" dirty="0" smtClean="0">
+                <a:ln>
+                  <a:noFill/>
+                </a:ln>
+                <a:solidFill>
+                  <a:schemeClr val="tx1"/>
+                </a:solidFill>
+                <a:effectLst/>
+                <a:uLnTx/>
+                <a:uFillTx/>
+                <a:latin typeface="Comic Sans MS" pitchFamily="66" charset="0"/>
+              </a:rPr>
+              <a:t>2011</a:t>
             </a:r>
             <a:endParaRPr kumimoji="0" lang="en-US" sz="1200" b="0" i="0" u="none" strike="noStrike" kern="1200" cap="none" spc="0" normalizeH="0" baseline="0" noProof="0" dirty="0">
               <a:ln>
@@ -4316,7 +4378,11 @@
             </a:r>
             <a:r>
               <a:rPr lang="en-US" dirty="0" smtClean="0"/>
-              <a:t> 13W.</a:t>
+              <a:t> </a:t>
+            </a:r>
+            <a:r>
+              <a:rPr lang="en-US" dirty="0" smtClean="0"/>
+              <a:t>15M.</a:t>
             </a:r>
             <a:fld id="{4D4FE4C5-9DCA-4C40-8A94-526407169002}" type="slidenum">
               <a:rPr lang="en-US" smtClean="0"/>
@@ -4531,7 +4597,11 @@
             </a:r>
             <a:r>
               <a:rPr lang="en-US" dirty="0" smtClean="0"/>
-              <a:t> 13W.</a:t>
+              <a:t> </a:t>
+            </a:r>
+            <a:r>
+              <a:rPr lang="en-US" dirty="0" smtClean="0"/>
+              <a:t>15M.</a:t>
             </a:r>
             <a:fld id="{8372F5CC-0D0C-42AC-A06F-FCD924AC2FB1}" type="slidenum">
               <a:rPr lang="en-US" smtClean="0"/>
@@ -4863,7 +4933,11 @@
             </a:r>
             <a:r>
               <a:rPr lang="en-US" dirty="0" smtClean="0"/>
-              <a:t> 13W.</a:t>
+              <a:t> </a:t>
+            </a:r>
+            <a:r>
+              <a:rPr lang="en-US" dirty="0" smtClean="0"/>
+              <a:t>15M.</a:t>
             </a:r>
             <a:fld id="{8372F5CC-0D0C-42AC-A06F-FCD924AC2FB1}" type="slidenum">
               <a:rPr lang="en-US" smtClean="0"/>
@@ -5177,7 +5251,11 @@
             </a:r>
             <a:r>
               <a:rPr lang="en-US" dirty="0" smtClean="0"/>
-              <a:t> 13W.</a:t>
+              <a:t> </a:t>
+            </a:r>
+            <a:r>
+              <a:rPr lang="en-US" dirty="0" smtClean="0"/>
+              <a:t>15M.</a:t>
             </a:r>
             <a:fld id="{96B5C7C7-3FC0-4B55-9934-A080551106BF}" type="slidenum">
               <a:rPr lang="en-US" smtClean="0"/>
@@ -6136,7 +6214,11 @@
             </a:r>
             <a:r>
               <a:rPr lang="en-US" dirty="0" smtClean="0"/>
-              <a:t> 13W.</a:t>
+              <a:t> </a:t>
+            </a:r>
+            <a:r>
+              <a:rPr lang="en-US" dirty="0" smtClean="0"/>
+              <a:t>15M.</a:t>
             </a:r>
             <a:fld id="{B6100CB1-975D-41F5-9A6C-8F34E133D00A}" type="slidenum">
               <a:rPr lang="en-US" smtClean="0"/>
@@ -6506,7 +6588,11 @@
             </a:r>
             <a:r>
               <a:rPr lang="en-US" dirty="0" smtClean="0"/>
-              <a:t> 13W.</a:t>
+              <a:t> </a:t>
+            </a:r>
+            <a:r>
+              <a:rPr lang="en-US" dirty="0" smtClean="0"/>
+              <a:t>15M.</a:t>
             </a:r>
             <a:fld id="{4A7F8015-3123-4EEE-BF99-E293B8DB1805}" type="slidenum">
               <a:rPr lang="en-US" smtClean="0"/>
@@ -7069,7 +7155,11 @@
             </a:r>
             <a:r>
               <a:rPr lang="en-US" dirty="0" smtClean="0"/>
-              <a:t> 13W.</a:t>
+              <a:t> </a:t>
+            </a:r>
+            <a:r>
+              <a:rPr lang="en-US" dirty="0" smtClean="0"/>
+              <a:t>15M.</a:t>
             </a:r>
             <a:fld id="{FE75FCEF-2C00-453D-8F19-57E1BCE16A7F}" type="slidenum">
               <a:rPr lang="en-US" smtClean="0"/>
@@ -7731,7 +7821,11 @@
             </a:r>
             <a:r>
               <a:rPr lang="en-US" dirty="0" smtClean="0"/>
-              <a:t> 13W.</a:t>
+              <a:t> </a:t>
+            </a:r>
+            <a:r>
+              <a:rPr lang="en-US" dirty="0" smtClean="0"/>
+              <a:t>15M.</a:t>
             </a:r>
             <a:fld id="{E78F4000-603A-43A9-9772-EA15786EFD2C}" type="slidenum">
               <a:rPr lang="en-US" smtClean="0"/>
@@ -8068,7 +8162,11 @@
             </a:r>
             <a:r>
               <a:rPr lang="en-US" dirty="0" smtClean="0"/>
-              <a:t> 13W.</a:t>
+              <a:t> </a:t>
+            </a:r>
+            <a:r>
+              <a:rPr lang="en-US" dirty="0" smtClean="0"/>
+              <a:t>15M.</a:t>
             </a:r>
             <a:fld id="{A714B8FE-0580-4ED6-8597-F3A3D6623F8A}" type="slidenum">
               <a:rPr lang="en-US" smtClean="0"/>
@@ -8140,7 +8238,11 @@
             </a:r>
             <a:r>
               <a:rPr lang="en-US" dirty="0" smtClean="0"/>
-              <a:t> 13W.</a:t>
+              <a:t> </a:t>
+            </a:r>
+            <a:r>
+              <a:rPr lang="en-US" dirty="0" smtClean="0"/>
+              <a:t>15M.</a:t>
             </a:r>
             <a:fld id="{C54485E2-983F-4808-AAAD-1595DDE4A774}" type="slidenum">
               <a:rPr lang="en-US" smtClean="0"/>
@@ -8879,7 +8981,11 @@
             </a:r>
             <a:r>
               <a:rPr lang="en-US" dirty="0" smtClean="0"/>
-              <a:t> 13W.</a:t>
+              <a:t> </a:t>
+            </a:r>
+            <a:r>
+              <a:rPr lang="en-US" dirty="0" smtClean="0"/>
+              <a:t>15M.</a:t>
             </a:r>
             <a:fld id="{46D21BB0-6D03-4034-A4DE-775A83495C78}" type="slidenum">
               <a:rPr lang="en-US" smtClean="0"/>
@@ -9066,7 +9172,11 @@
             </a:r>
             <a:r>
               <a:rPr lang="en-US" dirty="0" smtClean="0"/>
-              <a:t> 13W.</a:t>
+              <a:t> </a:t>
+            </a:r>
+            <a:r>
+              <a:rPr lang="en-US" dirty="0" smtClean="0"/>
+              <a:t>15M.</a:t>
             </a:r>
             <a:fld id="{46D21BB0-6D03-4034-A4DE-775A83495C78}" type="slidenum">
               <a:rPr lang="en-US" smtClean="0"/>
@@ -9352,7 +9462,11 @@
             </a:r>
             <a:r>
               <a:rPr lang="en-US" dirty="0" smtClean="0"/>
-              <a:t> 13W.</a:t>
+              <a:t> </a:t>
+            </a:r>
+            <a:r>
+              <a:rPr lang="en-US" dirty="0" smtClean="0"/>
+              <a:t>15M.</a:t>
             </a:r>
             <a:fld id="{46D21BB0-6D03-4034-A4DE-775A83495C78}" type="slidenum">
               <a:rPr lang="en-US" smtClean="0"/>
@@ -9633,7 +9747,11 @@
             </a:r>
             <a:r>
               <a:rPr lang="en-US" dirty="0" smtClean="0"/>
-              <a:t> 13W.</a:t>
+              <a:t> </a:t>
+            </a:r>
+            <a:r>
+              <a:rPr lang="en-US" dirty="0" smtClean="0"/>
+              <a:t>15M.</a:t>
             </a:r>
             <a:fld id="{23578D71-BE5D-4BBF-9B59-FB73E190AF0C}" type="slidenum">
               <a:rPr lang="en-US" smtClean="0"/>
@@ -9658,8 +9776,8 @@
         </p:nvSpPr>
         <p:spPr>
           <a:xfrm>
-            <a:off x="0" y="1371600"/>
-            <a:ext cx="9067800" cy="5029200"/>
+            <a:off x="76200" y="1371600"/>
+            <a:ext cx="8991600" cy="4343400"/>
           </a:xfrm>
         </p:spPr>
         <p:txBody>
@@ -9700,15 +9818,19 @@
             <a:pPr marL="0" indent="0" eaLnBrk="1" hangingPunct="1"/>
             <a:r>
               <a:rPr lang="en-US" sz="4400" dirty="0" smtClean="0"/>
-              <a:t>CMD sample</a:t>
+              <a:t>CMD </a:t>
+            </a:r>
+            <a:r>
+              <a:rPr lang="en-US" sz="4400" dirty="0" smtClean="0"/>
+              <a:t>sample </a:t>
             </a:r>
             <a:r>
               <a:rPr lang="en-US" sz="4400" b="1" dirty="0" smtClean="0">
                 <a:solidFill>
                   <a:srgbClr val="00B050"/>
                 </a:solidFill>
-                <a:latin typeface="Euclid Symbol" charset="2"/>
-                <a:cs typeface="Euclid Symbol" charset="2"/>
+                <a:latin typeface="Times New Roman"/>
+                <a:cs typeface="Times New Roman"/>
                 <a:sym typeface="Euclid Symbol" pitchFamily="18" charset="2"/>
               </a:rPr>
               <a:t>↔</a:t>
@@ -9749,15 +9871,11 @@
                   <a:schemeClr val="accent2"/>
                 </a:solidFill>
               </a:rPr>
-              <a:t> </a:t>
-            </a:r>
-            <a:r>
-              <a:rPr lang="en-US" sz="4400" dirty="0" err="1" smtClean="0">
-                <a:solidFill>
-                  <a:schemeClr val="accent2"/>
-                </a:solidFill>
-              </a:rPr>
-              <a:t>μ</a:t>
+              <a:t> μ </a:t>
+            </a:r>
+            <a:r>
+              <a:rPr lang="en-US" sz="4400" dirty="0" smtClean="0"/>
+              <a:t>=</a:t>
             </a:r>
             <a:r>
               <a:rPr lang="en-US" sz="4400" dirty="0" smtClean="0">
@@ -9768,60 +9886,39 @@
               <a:t> </a:t>
             </a:r>
             <a:r>
-              <a:rPr lang="en-US" sz="4400" dirty="0" smtClean="0"/>
-              <a:t>=</a:t>
-            </a:r>
+              <a:rPr lang="en-US" sz="4400" dirty="0" smtClean="0">
+                <a:solidFill>
+                  <a:srgbClr val="008000"/>
+                </a:solidFill>
+              </a:rPr>
+              <a:t>c</a:t>
+            </a:r>
+          </a:p>
+          <a:p>
+            <a:pPr marL="0" indent="0" eaLnBrk="1" hangingPunct="1"/>
             <a:r>
               <a:rPr lang="en-US" sz="4400" dirty="0" smtClean="0">
                 <a:solidFill>
                   <a:schemeClr val="accent2"/>
                 </a:solidFill>
               </a:rPr>
+              <a:t> n</a:t>
+            </a:r>
+            <a:r>
+              <a:rPr lang="en-US" sz="4400" dirty="0" smtClean="0"/>
               <a:t> </a:t>
             </a:r>
             <a:r>
-              <a:rPr lang="en-US" sz="4400" dirty="0" err="1" smtClean="0">
-                <a:solidFill>
-                  <a:srgbClr val="008000"/>
-                </a:solidFill>
-              </a:rPr>
-              <a:t>c</a:t>
-            </a:r>
-            <a:endParaRPr lang="en-US" sz="4400" dirty="0" smtClean="0">
-              <a:solidFill>
-                <a:srgbClr val="008000"/>
-              </a:solidFill>
-            </a:endParaRPr>
-          </a:p>
-          <a:p>
-            <a:pPr marL="0" indent="0" eaLnBrk="1" hangingPunct="1"/>
-            <a:r>
-              <a:rPr lang="en-US" sz="4400" dirty="0" smtClean="0">
-                <a:solidFill>
-                  <a:schemeClr val="accent2"/>
-                </a:solidFill>
-              </a:rPr>
-              <a:t> </a:t>
-            </a:r>
-            <a:r>
-              <a:rPr lang="en-US" sz="4400" dirty="0" err="1" smtClean="0">
-                <a:solidFill>
-                  <a:schemeClr val="accent2"/>
-                </a:solidFill>
-              </a:rPr>
-              <a:t>n</a:t>
-            </a:r>
-            <a:r>
               <a:rPr lang="en-US" sz="4400" dirty="0" smtClean="0"/>
-              <a:t> stations</a:t>
+              <a:t>stations </a:t>
             </a:r>
             <a:r>
               <a:rPr lang="en-US" sz="4400" b="1" dirty="0" smtClean="0">
                 <a:solidFill>
                   <a:srgbClr val="00B050"/>
                 </a:solidFill>
-                <a:latin typeface="Euclid Symbol" charset="2"/>
-                <a:cs typeface="Euclid Symbol" charset="2"/>
+                <a:latin typeface="Times New Roman"/>
+                <a:cs typeface="Times New Roman"/>
                 <a:sym typeface="Euclid Symbol" pitchFamily="18" charset="2"/>
               </a:rPr>
               <a:t>↔</a:t>
@@ -9831,7 +9928,7 @@
               <a:t> </a:t>
             </a:r>
             <a:r>
-              <a:rPr lang="en-US" sz="4400" dirty="0" err="1" smtClean="0">
+              <a:rPr lang="en-US" sz="4400" dirty="0" smtClean="0">
                 <a:solidFill>
                   <a:schemeClr val="accent2"/>
                 </a:solidFill>
@@ -9868,7 +9965,15 @@
             <a:pPr marL="0" indent="0" eaLnBrk="1" hangingPunct="1"/>
             <a:r>
               <a:rPr lang="en-US" sz="4400" dirty="0" smtClean="0"/>
-              <a:t>                    ran </a:t>
+              <a:t>                   </a:t>
+            </a:r>
+            <a:r>
+              <a:rPr lang="en-US" sz="4400" dirty="0" smtClean="0"/>
+              <a:t>   </a:t>
+            </a:r>
+            <a:r>
+              <a:rPr lang="en-US" sz="4400" dirty="0" smtClean="0"/>
+              <a:t>ran </a:t>
             </a:r>
             <a:r>
               <a:rPr lang="en-US" sz="4400" dirty="0" err="1" smtClean="0"/>
@@ -9892,15 +9997,11 @@
                   <a:schemeClr val="accent2"/>
                 </a:solidFill>
               </a:rPr>
-              <a:t>  </a:t>
-            </a:r>
-            <a:r>
-              <a:rPr lang="en-US" sz="4400" dirty="0" err="1" smtClean="0">
-                <a:solidFill>
-                  <a:schemeClr val="accent2"/>
-                </a:solidFill>
-              </a:rPr>
-              <a:t>μ</a:t>
+              <a:t>  μ </a:t>
+            </a:r>
+            <a:r>
+              <a:rPr lang="en-US" sz="4400" dirty="0" smtClean="0"/>
+              <a:t>=</a:t>
             </a:r>
             <a:r>
               <a:rPr lang="en-US" sz="4400" dirty="0" smtClean="0">
@@ -9911,19 +10012,7 @@
               <a:t> </a:t>
             </a:r>
             <a:r>
-              <a:rPr lang="en-US" sz="4400" dirty="0" smtClean="0"/>
-              <a:t>=</a:t>
-            </a:r>
-            <a:r>
               <a:rPr lang="en-US" sz="4400" dirty="0" smtClean="0">
-                <a:solidFill>
-                  <a:schemeClr val="accent2"/>
-                </a:solidFill>
-              </a:rPr>
-              <a:t> </a:t>
-            </a:r>
-            <a:r>
-              <a:rPr lang="en-US" sz="4400" dirty="0" err="1" smtClean="0">
                 <a:solidFill>
                   <a:srgbClr val="008000"/>
                 </a:solidFill>
@@ -10343,7 +10432,7 @@
           <a:graphicData uri="http://schemas.openxmlformats.org/presentationml/2006/ole">
             <mc:AlternateContent xmlns:mc="http://schemas.openxmlformats.org/markup-compatibility/2006">
               <mc:Choice xmlns:v="urn:schemas-microsoft-com:vml" Requires="v">
-                <p:oleObj spid="_x0000_s425992" name="Equation" r:id="rId4" imgW="1854200" imgH="596900" progId="Equation.DSMT4">
+                <p:oleObj spid="_x0000_s425996" name="Equation" r:id="rId4" imgW="1854200" imgH="596900" progId="Equation.DSMT4">
                   <p:embed/>
                 </p:oleObj>
               </mc:Choice>
@@ -10450,7 +10539,7 @@
           <a:graphicData uri="http://schemas.openxmlformats.org/presentationml/2006/ole">
             <mc:AlternateContent xmlns:mc="http://schemas.openxmlformats.org/markup-compatibility/2006">
               <mc:Choice xmlns:v="urn:schemas-microsoft-com:vml" Requires="v">
-                <p:oleObj spid="_x0000_s425993" name="Equation" r:id="rId6" imgW="1879600" imgH="215900" progId="Equation.DSMT4">
+                <p:oleObj spid="_x0000_s425997" name="Equation" r:id="rId6" imgW="1879600" imgH="215900" progId="Equation.DSMT4">
                   <p:embed/>
                 </p:oleObj>
               </mc:Choice>
@@ -10533,7 +10622,11 @@
             </a:r>
             <a:r>
               <a:rPr lang="en-US" dirty="0" smtClean="0"/>
-              <a:t> 13W.</a:t>
+              <a:t> </a:t>
+            </a:r>
+            <a:r>
+              <a:rPr lang="en-US" dirty="0" smtClean="0"/>
+              <a:t>15M.</a:t>
             </a:r>
             <a:fld id="{AB032E80-4924-4C32-A61E-EE294C645BF5}" type="slidenum">
               <a:rPr lang="en-US" smtClean="0"/>
@@ -10610,7 +10703,7 @@
           <a:graphicData uri="http://schemas.openxmlformats.org/presentationml/2006/ole">
             <mc:AlternateContent xmlns:mc="http://schemas.openxmlformats.org/markup-compatibility/2006">
               <mc:Choice xmlns:v="urn:schemas-microsoft-com:vml" Requires="v">
-                <p:oleObj spid="_x0000_s425994" name="Equation" r:id="rId8" imgW="2057400" imgH="596900" progId="Equation.DSMT4">
+                <p:oleObj spid="_x0000_s425998" name="Equation" r:id="rId8" imgW="2057400" imgH="596900" progId="Equation.DSMT4">
                   <p:embed/>
                 </p:oleObj>
               </mc:Choice>
@@ -11030,7 +11123,7 @@
           <a:graphicData uri="http://schemas.openxmlformats.org/presentationml/2006/ole">
             <mc:AlternateContent xmlns:mc="http://schemas.openxmlformats.org/markup-compatibility/2006">
               <mc:Choice xmlns:v="urn:schemas-microsoft-com:vml" Requires="v">
-                <p:oleObj spid="_x0000_s438284" name="Equation" r:id="rId4" imgW="2057400" imgH="596900" progId="Equation.DSMT4">
+                <p:oleObj spid="_x0000_s438289" name="Equation" r:id="rId4" imgW="2057400" imgH="596900" progId="Equation.DSMT4">
                   <p:embed/>
                 </p:oleObj>
               </mc:Choice>
@@ -11150,7 +11243,11 @@
             </a:r>
             <a:r>
               <a:rPr lang="en-US" dirty="0" smtClean="0"/>
-              <a:t> 13W.</a:t>
+              <a:t> </a:t>
+            </a:r>
+            <a:r>
+              <a:rPr lang="en-US" dirty="0" smtClean="0"/>
+              <a:t>15M.</a:t>
             </a:r>
             <a:fld id="{AB032E80-4924-4C32-A61E-EE294C645BF5}" type="slidenum">
               <a:rPr lang="en-US" smtClean="0"/>
@@ -11179,7 +11276,7 @@
           <a:graphicData uri="http://schemas.openxmlformats.org/presentationml/2006/ole">
             <mc:AlternateContent xmlns:mc="http://schemas.openxmlformats.org/markup-compatibility/2006">
               <mc:Choice xmlns:v="urn:schemas-microsoft-com:vml" Requires="v">
-                <p:oleObj spid="_x0000_s438285" name="Equation" r:id="rId6" imgW="889000" imgH="469900" progId="Equation.DSMT4">
+                <p:oleObj spid="_x0000_s438290" name="Equation" r:id="rId6" imgW="889000" imgH="469900" progId="Equation.DSMT4">
                   <p:embed/>
                 </p:oleObj>
               </mc:Choice>
@@ -11289,7 +11386,7 @@
           <a:graphicData uri="http://schemas.openxmlformats.org/presentationml/2006/ole">
             <mc:AlternateContent xmlns:mc="http://schemas.openxmlformats.org/markup-compatibility/2006">
               <mc:Choice xmlns:v="urn:schemas-microsoft-com:vml" Requires="v">
-                <p:oleObj spid="_x0000_s438286" name="Equation" r:id="rId8" imgW="457200" imgH="596900" progId="Equation.DSMT4">
+                <p:oleObj spid="_x0000_s438291" name="Equation" r:id="rId8" imgW="457200" imgH="596900" progId="Equation.DSMT4">
                   <p:embed/>
                 </p:oleObj>
               </mc:Choice>
@@ -11408,7 +11505,7 @@
           <a:graphicData uri="http://schemas.openxmlformats.org/presentationml/2006/ole">
             <mc:AlternateContent xmlns:mc="http://schemas.openxmlformats.org/markup-compatibility/2006">
               <mc:Choice xmlns:v="urn:schemas-microsoft-com:vml" Requires="v">
-                <p:oleObj spid="_x0000_s438287" name="Equation" r:id="rId10" imgW="1879600" imgH="215900" progId="Equation.DSMT4">
+                <p:oleObj spid="_x0000_s438292" name="Equation" r:id="rId10" imgW="1879600" imgH="215900" progId="Equation.DSMT4">
                   <p:embed/>
                 </p:oleObj>
               </mc:Choice>
@@ -11774,7 +11871,7 @@
           <a:graphicData uri="http://schemas.openxmlformats.org/presentationml/2006/ole">
             <mc:AlternateContent xmlns:mc="http://schemas.openxmlformats.org/markup-compatibility/2006">
               <mc:Choice xmlns:v="urn:schemas-microsoft-com:vml" Requires="v">
-                <p:oleObj spid="_x0000_s481289" name="Equation" r:id="rId4" imgW="2057400" imgH="596900" progId="Equation.DSMT4">
+                <p:oleObj spid="_x0000_s481293" name="Equation" r:id="rId4" imgW="2057400" imgH="596900" progId="Equation.DSMT4">
                   <p:embed/>
                 </p:oleObj>
               </mc:Choice>
@@ -11894,7 +11991,11 @@
             </a:r>
             <a:r>
               <a:rPr lang="en-US" dirty="0" smtClean="0"/>
-              <a:t> 13W.</a:t>
+              <a:t> </a:t>
+            </a:r>
+            <a:r>
+              <a:rPr lang="en-US" dirty="0" smtClean="0"/>
+              <a:t>15M.</a:t>
             </a:r>
             <a:fld id="{AB032E80-4924-4C32-A61E-EE294C645BF5}" type="slidenum">
               <a:rPr lang="en-US" smtClean="0"/>
@@ -11923,7 +12024,7 @@
           <a:graphicData uri="http://schemas.openxmlformats.org/presentationml/2006/ole">
             <mc:AlternateContent xmlns:mc="http://schemas.openxmlformats.org/markup-compatibility/2006">
               <mc:Choice xmlns:v="urn:schemas-microsoft-com:vml" Requires="v">
-                <p:oleObj spid="_x0000_s481290" name="Equation" r:id="rId6" imgW="1168400" imgH="596900" progId="Equation.DSMT4">
+                <p:oleObj spid="_x0000_s481294" name="Equation" r:id="rId6" imgW="1168400" imgH="596900" progId="Equation.DSMT4">
                   <p:embed/>
                 </p:oleObj>
               </mc:Choice>
@@ -11986,7 +12087,7 @@
           <a:graphicData uri="http://schemas.openxmlformats.org/presentationml/2006/ole">
             <mc:AlternateContent xmlns:mc="http://schemas.openxmlformats.org/markup-compatibility/2006">
               <mc:Choice xmlns:v="urn:schemas-microsoft-com:vml" Requires="v">
-                <p:oleObj spid="_x0000_s481291" name="Equation" r:id="rId8" imgW="1689100" imgH="368300" progId="Equation.DSMT4">
+                <p:oleObj spid="_x0000_s481295" name="Equation" r:id="rId8" imgW="1689100" imgH="368300" progId="Equation.DSMT4">
                   <p:embed/>
                 </p:oleObj>
               </mc:Choice>

--- a/fall11/slidesF11/slides15m.pptx
+++ b/fall11/slidesF11/slides15m.pptx
@@ -5926,7 +5926,7 @@
           <a:graphicData uri="http://schemas.openxmlformats.org/presentationml/2006/ole">
             <mc:AlternateContent xmlns:mc="http://schemas.openxmlformats.org/markup-compatibility/2006">
               <mc:Choice xmlns:v="urn:schemas-microsoft-com:vml" Requires="v">
-                <p:oleObj spid="_x0000_s485383" name="Equation" r:id="rId5" imgW="2273300" imgH="482600" progId="Equation.DSMT4">
+                <p:oleObj spid="_x0000_s485386" name="Equation" r:id="rId5" imgW="2273300" imgH="482600" progId="Equation.DSMT4">
                   <p:embed/>
                 </p:oleObj>
               </mc:Choice>
@@ -5983,7 +5983,7 @@
           <a:graphicData uri="http://schemas.openxmlformats.org/presentationml/2006/ole">
             <mc:AlternateContent xmlns:mc="http://schemas.openxmlformats.org/markup-compatibility/2006">
               <mc:Choice xmlns:v="urn:schemas-microsoft-com:vml" Requires="v">
-                <p:oleObj spid="_x0000_s485384" name="Equation" r:id="rId7" imgW="571500" imgH="241300" progId="Equation.DSMT4">
+                <p:oleObj spid="_x0000_s485387" name="Equation" r:id="rId7" imgW="571500" imgH="241300" progId="Equation.DSMT4">
                   <p:embed/>
                 </p:oleObj>
               </mc:Choice>
@@ -6065,7 +6065,7 @@
           <a:graphicData uri="http://schemas.openxmlformats.org/presentationml/2006/ole">
             <mc:AlternateContent xmlns:mc="http://schemas.openxmlformats.org/markup-compatibility/2006">
               <mc:Choice xmlns:v="urn:schemas-microsoft-com:vml" Requires="v">
-                <p:oleObj spid="_x0000_s485385" name="Equation" r:id="rId9" imgW="2476500" imgH="482600" progId="Equation.DSMT4">
+                <p:oleObj spid="_x0000_s485388" name="Equation" r:id="rId9" imgW="2476500" imgH="482600" progId="Equation.DSMT4">
                   <p:embed/>
                 </p:oleObj>
               </mc:Choice>
@@ -10081,7 +10081,7 @@
           <a:graphicData uri="http://schemas.openxmlformats.org/presentationml/2006/ole">
             <mc:AlternateContent xmlns:mc="http://schemas.openxmlformats.org/markup-compatibility/2006">
               <mc:Choice xmlns:v="urn:schemas-microsoft-com:vml" Requires="v">
-                <p:oleObj spid="_x0000_s426006" name="Equation" r:id="rId4" imgW="1854200" imgH="596900" progId="Equation.DSMT4">
+                <p:oleObj spid="_x0000_s426009" name="Equation" r:id="rId4" imgW="1854200" imgH="596900" progId="Equation.DSMT4">
                   <p:embed/>
                 </p:oleObj>
               </mc:Choice>
@@ -10188,7 +10188,7 @@
           <a:graphicData uri="http://schemas.openxmlformats.org/presentationml/2006/ole">
             <mc:AlternateContent xmlns:mc="http://schemas.openxmlformats.org/markup-compatibility/2006">
               <mc:Choice xmlns:v="urn:schemas-microsoft-com:vml" Requires="v">
-                <p:oleObj spid="_x0000_s426007" name="Equation" r:id="rId6" imgW="1879600" imgH="215900" progId="Equation.DSMT4">
+                <p:oleObj spid="_x0000_s426010" name="Equation" r:id="rId6" imgW="1879600" imgH="215900" progId="Equation.DSMT4">
                   <p:embed/>
                 </p:oleObj>
               </mc:Choice>
@@ -10348,7 +10348,7 @@
           <a:graphicData uri="http://schemas.openxmlformats.org/presentationml/2006/ole">
             <mc:AlternateContent xmlns:mc="http://schemas.openxmlformats.org/markup-compatibility/2006">
               <mc:Choice xmlns:v="urn:schemas-microsoft-com:vml" Requires="v">
-                <p:oleObj spid="_x0000_s426008" name="Equation" r:id="rId8" imgW="2057400" imgH="596900" progId="Equation.DSMT4">
+                <p:oleObj spid="_x0000_s426011" name="Equation" r:id="rId8" imgW="2057400" imgH="596900" progId="Equation.DSMT4">
                   <p:embed/>
                 </p:oleObj>
               </mc:Choice>
@@ -10768,7 +10768,7 @@
           <a:graphicData uri="http://schemas.openxmlformats.org/presentationml/2006/ole">
             <mc:AlternateContent xmlns:mc="http://schemas.openxmlformats.org/markup-compatibility/2006">
               <mc:Choice xmlns:v="urn:schemas-microsoft-com:vml" Requires="v">
-                <p:oleObj spid="_x0000_s438302" name="Equation" r:id="rId4" imgW="2057400" imgH="596900" progId="Equation.DSMT4">
+                <p:oleObj spid="_x0000_s438306" name="Equation" r:id="rId4" imgW="2057400" imgH="596900" progId="Equation.DSMT4">
                   <p:embed/>
                 </p:oleObj>
               </mc:Choice>
@@ -10917,7 +10917,7 @@
           <a:graphicData uri="http://schemas.openxmlformats.org/presentationml/2006/ole">
             <mc:AlternateContent xmlns:mc="http://schemas.openxmlformats.org/markup-compatibility/2006">
               <mc:Choice xmlns:v="urn:schemas-microsoft-com:vml" Requires="v">
-                <p:oleObj spid="_x0000_s438303" name="Equation" r:id="rId6" imgW="889000" imgH="469900" progId="Equation.DSMT4">
+                <p:oleObj spid="_x0000_s438307" name="Equation" r:id="rId6" imgW="889000" imgH="469900" progId="Equation.DSMT4">
                   <p:embed/>
                 </p:oleObj>
               </mc:Choice>
@@ -11027,7 +11027,7 @@
           <a:graphicData uri="http://schemas.openxmlformats.org/presentationml/2006/ole">
             <mc:AlternateContent xmlns:mc="http://schemas.openxmlformats.org/markup-compatibility/2006">
               <mc:Choice xmlns:v="urn:schemas-microsoft-com:vml" Requires="v">
-                <p:oleObj spid="_x0000_s438304" name="Equation" r:id="rId8" imgW="457200" imgH="596900" progId="Equation.DSMT4">
+                <p:oleObj spid="_x0000_s438308" name="Equation" r:id="rId8" imgW="457200" imgH="596900" progId="Equation.DSMT4">
                   <p:embed/>
                 </p:oleObj>
               </mc:Choice>
@@ -11146,7 +11146,7 @@
           <a:graphicData uri="http://schemas.openxmlformats.org/presentationml/2006/ole">
             <mc:AlternateContent xmlns:mc="http://schemas.openxmlformats.org/markup-compatibility/2006">
               <mc:Choice xmlns:v="urn:schemas-microsoft-com:vml" Requires="v">
-                <p:oleObj spid="_x0000_s438305" name="Equation" r:id="rId10" imgW="1879600" imgH="215900" progId="Equation.DSMT4">
+                <p:oleObj spid="_x0000_s438309" name="Equation" r:id="rId10" imgW="1879600" imgH="215900" progId="Equation.DSMT4">
                   <p:embed/>
                 </p:oleObj>
               </mc:Choice>
@@ -11811,7 +11811,7 @@
           <a:graphicData uri="http://schemas.openxmlformats.org/presentationml/2006/ole">
             <mc:AlternateContent xmlns:mc="http://schemas.openxmlformats.org/markup-compatibility/2006">
               <mc:Choice xmlns:v="urn:schemas-microsoft-com:vml" Requires="v">
-                <p:oleObj spid="_x0000_s1029" name="Equation" r:id="rId5" imgW="1816100" imgH="330200" progId="Equation.DSMT4">
+                <p:oleObj spid="_x0000_s1031" name="Equation" r:id="rId5" imgW="1816100" imgH="330200" progId="Equation.DSMT4">
                   <p:embed/>
                 </p:oleObj>
               </mc:Choice>
@@ -11875,7 +11875,7 @@
           <a:graphicData uri="http://schemas.openxmlformats.org/presentationml/2006/ole">
             <mc:AlternateContent xmlns:mc="http://schemas.openxmlformats.org/markup-compatibility/2006">
               <mc:Choice xmlns:v="urn:schemas-microsoft-com:vml" Requires="v">
-                <p:oleObj spid="_x0000_s1030" name="Equation" r:id="rId7" imgW="1714500" imgH="596900" progId="Equation.DSMT4">
+                <p:oleObj spid="_x0000_s1032" name="Equation" r:id="rId7" imgW="1714500" imgH="596900" progId="Equation.DSMT4">
                   <p:embed/>
                 </p:oleObj>
               </mc:Choice>
@@ -12479,7 +12479,7 @@
           <a:graphicData uri="http://schemas.openxmlformats.org/presentationml/2006/ole">
             <mc:AlternateContent xmlns:mc="http://schemas.openxmlformats.org/markup-compatibility/2006">
               <mc:Choice xmlns:v="urn:schemas-microsoft-com:vml" Requires="v">
-                <p:oleObj spid="_x0000_s481303" name="Equation" r:id="rId4" imgW="2057400" imgH="596900" progId="Equation.DSMT4">
+                <p:oleObj spid="_x0000_s481306" name="Equation" r:id="rId4" imgW="2057400" imgH="596900" progId="Equation.DSMT4">
                   <p:embed/>
                 </p:oleObj>
               </mc:Choice>
@@ -12628,7 +12628,7 @@
           <a:graphicData uri="http://schemas.openxmlformats.org/presentationml/2006/ole">
             <mc:AlternateContent xmlns:mc="http://schemas.openxmlformats.org/markup-compatibility/2006">
               <mc:Choice xmlns:v="urn:schemas-microsoft-com:vml" Requires="v">
-                <p:oleObj spid="_x0000_s481304" name="Equation" r:id="rId6" imgW="1168400" imgH="596900" progId="Equation.DSMT4">
+                <p:oleObj spid="_x0000_s481307" name="Equation" r:id="rId6" imgW="1168400" imgH="596900" progId="Equation.DSMT4">
                   <p:embed/>
                 </p:oleObj>
               </mc:Choice>
@@ -12691,7 +12691,7 @@
           <a:graphicData uri="http://schemas.openxmlformats.org/presentationml/2006/ole">
             <mc:AlternateContent xmlns:mc="http://schemas.openxmlformats.org/markup-compatibility/2006">
               <mc:Choice xmlns:v="urn:schemas-microsoft-com:vml" Requires="v">
-                <p:oleObj spid="_x0000_s481305" name="Equation" r:id="rId8" imgW="1689100" imgH="368300" progId="Equation.DSMT4">
+                <p:oleObj spid="_x0000_s481308" name="Equation" r:id="rId8" imgW="1689100" imgH="368300" progId="Equation.DSMT4">
                   <p:embed/>
                 </p:oleObj>
               </mc:Choice>
@@ -16676,7 +16676,7 @@
           <a:graphicData uri="http://schemas.openxmlformats.org/presentationml/2006/ole">
             <mc:AlternateContent xmlns:mc="http://schemas.openxmlformats.org/markup-compatibility/2006">
               <mc:Choice xmlns:v="urn:schemas-microsoft-com:vml" Requires="v">
-                <p:oleObj spid="_x0000_s482307" name="Equation" r:id="rId6" imgW="762000" imgH="381000" progId="Equation.DSMT4">
+                <p:oleObj spid="_x0000_s482308" name="Equation" r:id="rId6" imgW="762000" imgH="381000" progId="Equation.DSMT4">
                   <p:embed/>
                 </p:oleObj>
               </mc:Choice>
@@ -17257,7 +17257,7 @@
           <a:graphicData uri="http://schemas.openxmlformats.org/presentationml/2006/ole">
             <mc:AlternateContent xmlns:mc="http://schemas.openxmlformats.org/markup-compatibility/2006">
               <mc:Choice xmlns:v="urn:schemas-microsoft-com:vml" Requires="v">
-                <p:oleObj spid="_x0000_s483331" name="Equation" r:id="rId5" imgW="1790700" imgH="482600" progId="Equation.DSMT4">
+                <p:oleObj spid="_x0000_s483332" name="Equation" r:id="rId5" imgW="1790700" imgH="482600" progId="Equation.DSMT4">
                   <p:embed/>
                 </p:oleObj>
               </mc:Choice>
@@ -23392,7 +23392,7 @@
           <a:graphicData uri="http://schemas.openxmlformats.org/presentationml/2006/ole">
             <mc:AlternateContent xmlns:mc="http://schemas.openxmlformats.org/markup-compatibility/2006">
               <mc:Choice xmlns:v="urn:schemas-microsoft-com:vml" Requires="v">
-                <p:oleObj spid="_x0000_s484355" name="Equation" r:id="rId5" imgW="1816100" imgH="482600" progId="Equation.DSMT4">
+                <p:oleObj spid="_x0000_s484356" name="Equation" r:id="rId5" imgW="1816100" imgH="482600" progId="Equation.DSMT4">
                   <p:embed/>
                 </p:oleObj>
               </mc:Choice>

--- a/fall11/slidesF11/slides15m.pptx
+++ b/fall11/slidesF11/slides15m.pptx
@@ -5699,7 +5699,7 @@
           <a:graphicData uri="http://schemas.openxmlformats.org/presentationml/2006/ole">
             <mc:AlternateContent xmlns:mc="http://schemas.openxmlformats.org/markup-compatibility/2006">
               <mc:Choice xmlns:v="urn:schemas-microsoft-com:vml" Requires="v">
-                <p:oleObj spid="_x0000_s481336" name="Equation" r:id="rId4" imgW="2057400" imgH="596900" progId="Equation.DSMT4">
+                <p:oleObj spid="_x0000_s481340" name="Equation" r:id="rId4" imgW="2057400" imgH="596900" progId="Equation.DSMT4">
                   <p:embed/>
                 </p:oleObj>
               </mc:Choice>
@@ -5715,7 +5715,7 @@
                       <p:nvPr/>
                     </p:nvPicPr>
                     <p:blipFill>
-                      <a:blip r:embed="rId5">
+                      <a:blip>
                         <a:extLst>
                           <a:ext uri="{28A0092B-C50C-407E-A947-70E740481C1C}">
                             <a14:useLocalDpi xmlns:a14="http://schemas.microsoft.com/office/drawing/2010/main" val="0"/>
@@ -5848,12 +5848,12 @@
           <a:graphicData uri="http://schemas.openxmlformats.org/presentationml/2006/ole">
             <mc:AlternateContent xmlns:mc="http://schemas.openxmlformats.org/markup-compatibility/2006">
               <mc:Choice xmlns:v="urn:schemas-microsoft-com:vml" Requires="v">
-                <p:oleObj spid="_x0000_s481337" name="Equation" r:id="rId6" imgW="1168400" imgH="596900" progId="Equation.DSMT4">
+                <p:oleObj spid="_x0000_s481341" name="Equation" r:id="rId5" imgW="1168400" imgH="596900" progId="Equation.DSMT4">
                   <p:embed/>
                 </p:oleObj>
               </mc:Choice>
               <mc:Fallback>
-                <p:oleObj name="Equation" r:id="rId6" imgW="1168400" imgH="596900" progId="Equation.DSMT4">
+                <p:oleObj name="Equation" r:id="rId5" imgW="1168400" imgH="596900" progId="Equation.DSMT4">
                   <p:embed/>
                   <p:pic>
                     <p:nvPicPr>
@@ -5864,7 +5864,7 @@
                       <p:nvPr/>
                     </p:nvPicPr>
                     <p:blipFill>
-                      <a:blip r:embed="rId7">
+                      <a:blip>
                         <a:extLst>
                           <a:ext uri="{28A0092B-C50C-407E-A947-70E740481C1C}">
                             <a14:useLocalDpi xmlns:a14="http://schemas.microsoft.com/office/drawing/2010/main" val="0"/>
@@ -5911,12 +5911,12 @@
           <a:graphicData uri="http://schemas.openxmlformats.org/presentationml/2006/ole">
             <mc:AlternateContent xmlns:mc="http://schemas.openxmlformats.org/markup-compatibility/2006">
               <mc:Choice xmlns:v="urn:schemas-microsoft-com:vml" Requires="v">
-                <p:oleObj spid="_x0000_s481338" name="Equation" r:id="rId8" imgW="1689100" imgH="368300" progId="Equation.DSMT4">
+                <p:oleObj spid="_x0000_s481342" name="Equation" r:id="rId6" imgW="1689100" imgH="368300" progId="Equation.DSMT4">
                   <p:embed/>
                 </p:oleObj>
               </mc:Choice>
               <mc:Fallback>
-                <p:oleObj name="Equation" r:id="rId8" imgW="1689100" imgH="368300" progId="Equation.DSMT4">
+                <p:oleObj name="Equation" r:id="rId6" imgW="1689100" imgH="368300" progId="Equation.DSMT4">
                   <p:embed/>
                   <p:pic>
                     <p:nvPicPr>
@@ -5927,7 +5927,7 @@
                       <p:nvPr/>
                     </p:nvPicPr>
                     <p:blipFill>
-                      <a:blip r:embed="rId9">
+                      <a:blip>
                         <a:extLst>
                           <a:ext uri="{28A0092B-C50C-407E-A947-70E740481C1C}">
                             <a14:useLocalDpi xmlns:a14="http://schemas.microsoft.com/office/drawing/2010/main" val="0"/>
@@ -9814,7 +9814,7 @@
           <p:nvPr/>
         </p:nvPicPr>
         <p:blipFill>
-          <a:blip r:embed="rId5"/>
+          <a:blip/>
           <a:srcRect/>
           <a:stretch>
             <a:fillRect/>
@@ -9853,12 +9853,12 @@
           <a:graphicData uri="http://schemas.openxmlformats.org/presentationml/2006/ole">
             <mc:AlternateContent xmlns:mc="http://schemas.openxmlformats.org/markup-compatibility/2006">
               <mc:Choice xmlns:v="urn:schemas-microsoft-com:vml" Requires="v">
-                <p:oleObj spid="_x0000_s1028" name="Equation" r:id="rId6" imgW="762000" imgH="381000" progId="Equation.DSMT4">
+                <p:oleObj spid="_x0000_s1030" name="Equation" r:id="rId5" imgW="762000" imgH="381000" progId="Equation.DSMT4">
                   <p:embed/>
                 </p:oleObj>
               </mc:Choice>
               <mc:Fallback>
-                <p:oleObj name="Equation" r:id="rId6" imgW="762000" imgH="381000" progId="Equation.DSMT4">
+                <p:oleObj name="Equation" r:id="rId5" imgW="762000" imgH="381000" progId="Equation.DSMT4">
                   <p:embed/>
                   <p:pic>
                     <p:nvPicPr>
@@ -9869,7 +9869,7 @@
                       <p:nvPr/>
                     </p:nvPicPr>
                     <p:blipFill>
-                      <a:blip r:embed="rId7"/>
+                      <a:blip/>
                       <a:srcRect/>
                       <a:stretch>
                         <a:fillRect/>
@@ -10670,7 +10670,7 @@
           <a:graphicData uri="http://schemas.openxmlformats.org/presentationml/2006/ole">
             <mc:AlternateContent xmlns:mc="http://schemas.openxmlformats.org/markup-compatibility/2006">
               <mc:Choice xmlns:v="urn:schemas-microsoft-com:vml" Requires="v">
-                <p:oleObj spid="_x0000_s489491" name="Equation" r:id="rId5" imgW="1816100" imgH="330200" progId="Equation.DSMT4">
+                <p:oleObj spid="_x0000_s489494" name="Equation" r:id="rId5" imgW="1816100" imgH="330200" progId="Equation.DSMT4">
                   <p:embed/>
                 </p:oleObj>
               </mc:Choice>
@@ -10686,7 +10686,7 @@
                       <p:nvPr/>
                     </p:nvPicPr>
                     <p:blipFill>
-                      <a:blip r:embed="rId6"/>
+                      <a:blip/>
                       <a:srcRect/>
                       <a:stretch>
                         <a:fillRect/>
@@ -10734,12 +10734,12 @@
           <a:graphicData uri="http://schemas.openxmlformats.org/presentationml/2006/ole">
             <mc:AlternateContent xmlns:mc="http://schemas.openxmlformats.org/markup-compatibility/2006">
               <mc:Choice xmlns:v="urn:schemas-microsoft-com:vml" Requires="v">
-                <p:oleObj spid="_x0000_s489492" name="Equation" r:id="rId7" imgW="1714500" imgH="596900" progId="Equation.DSMT4">
+                <p:oleObj spid="_x0000_s489495" name="Equation" r:id="rId6" imgW="1714500" imgH="596900" progId="Equation.DSMT4">
                   <p:embed/>
                 </p:oleObj>
               </mc:Choice>
               <mc:Fallback>
-                <p:oleObj name="Equation" r:id="rId7" imgW="1714500" imgH="596900" progId="Equation.DSMT4">
+                <p:oleObj name="Equation" r:id="rId6" imgW="1714500" imgH="596900" progId="Equation.DSMT4">
                   <p:embed/>
                   <p:pic>
                     <p:nvPicPr>
@@ -10750,7 +10750,7 @@
                       <p:nvPr/>
                     </p:nvPicPr>
                     <p:blipFill>
-                      <a:blip r:embed="rId8">
+                      <a:blip>
                         <a:extLst>
                           <a:ext uri="{28A0092B-C50C-407E-A947-70E740481C1C}">
                             <a14:useLocalDpi xmlns:a14="http://schemas.microsoft.com/office/drawing/2010/main" val="0"/>
@@ -11401,7 +11401,7 @@
           <a:graphicData uri="http://schemas.openxmlformats.org/presentationml/2006/ole">
             <mc:AlternateContent xmlns:mc="http://schemas.openxmlformats.org/markup-compatibility/2006">
               <mc:Choice xmlns:v="urn:schemas-microsoft-com:vml" Requires="v">
-                <p:oleObj spid="_x0000_s490500" name="Equation" r:id="rId5" imgW="1790700" imgH="482600" progId="Equation.DSMT4">
+                <p:oleObj spid="_x0000_s490502" name="Equation" r:id="rId5" imgW="1790700" imgH="482600" progId="Equation.DSMT4">
                   <p:embed/>
                 </p:oleObj>
               </mc:Choice>
@@ -17536,7 +17536,7 @@
           <a:graphicData uri="http://schemas.openxmlformats.org/presentationml/2006/ole">
             <mc:AlternateContent xmlns:mc="http://schemas.openxmlformats.org/markup-compatibility/2006">
               <mc:Choice xmlns:v="urn:schemas-microsoft-com:vml" Requires="v">
-                <p:oleObj spid="_x0000_s491524" name="Equation" r:id="rId5" imgW="1816100" imgH="482600" progId="Equation.DSMT4">
+                <p:oleObj spid="_x0000_s491526" name="Equation" r:id="rId5" imgW="1816100" imgH="482600" progId="Equation.DSMT4">
                   <p:embed/>
                 </p:oleObj>
               </mc:Choice>
@@ -20027,7 +20027,7 @@
           <a:graphicData uri="http://schemas.openxmlformats.org/presentationml/2006/ole">
             <mc:AlternateContent xmlns:mc="http://schemas.openxmlformats.org/markup-compatibility/2006">
               <mc:Choice xmlns:v="urn:schemas-microsoft-com:vml" Requires="v">
-                <p:oleObj spid="_x0000_s492552" name="Equation" r:id="rId5" imgW="2273300" imgH="482600" progId="Equation.DSMT4">
+                <p:oleObj spid="_x0000_s492556" name="Equation" r:id="rId5" imgW="2273300" imgH="482600" progId="Equation.DSMT4">
                   <p:embed/>
                 </p:oleObj>
               </mc:Choice>
@@ -20084,7 +20084,7 @@
           <a:graphicData uri="http://schemas.openxmlformats.org/presentationml/2006/ole">
             <mc:AlternateContent xmlns:mc="http://schemas.openxmlformats.org/markup-compatibility/2006">
               <mc:Choice xmlns:v="urn:schemas-microsoft-com:vml" Requires="v">
-                <p:oleObj spid="_x0000_s492553" name="Equation" r:id="rId7" imgW="571500" imgH="241300" progId="Equation.DSMT4">
+                <p:oleObj spid="_x0000_s492557" name="Equation" r:id="rId7" imgW="571500" imgH="241300" progId="Equation.DSMT4">
                   <p:embed/>
                 </p:oleObj>
               </mc:Choice>
@@ -20166,7 +20166,7 @@
           <a:graphicData uri="http://schemas.openxmlformats.org/presentationml/2006/ole">
             <mc:AlternateContent xmlns:mc="http://schemas.openxmlformats.org/markup-compatibility/2006">
               <mc:Choice xmlns:v="urn:schemas-microsoft-com:vml" Requires="v">
-                <p:oleObj spid="_x0000_s492554" name="Equation" r:id="rId9" imgW="2476500" imgH="482600" progId="Equation.DSMT4">
+                <p:oleObj spid="_x0000_s492558" name="Equation" r:id="rId9" imgW="2476500" imgH="482600" progId="Equation.DSMT4">
                   <p:embed/>
                 </p:oleObj>
               </mc:Choice>
@@ -21648,9 +21648,10 @@
               </a:lnSpc>
             </a:pPr>
             <a:r>
-              <a:rPr lang="en-US" sz="10600" dirty="0" smtClean="0"/>
-              <a:t>3,4,2,1</a:t>
-            </a:r>
+              <a:rPr lang="en-US" sz="10600"/>
+              <a:t>2,3,4, 1</a:t>
+            </a:r>
+            <a:endParaRPr lang="en-US" sz="10600" dirty="0" smtClean="0"/>
           </a:p>
         </p:txBody>
       </p:sp>
@@ -24294,7 +24295,7 @@
           <a:graphicData uri="http://schemas.openxmlformats.org/presentationml/2006/ole">
             <mc:AlternateContent xmlns:mc="http://schemas.openxmlformats.org/markup-compatibility/2006">
               <mc:Choice xmlns:v="urn:schemas-microsoft-com:vml" Requires="v">
-                <p:oleObj spid="_x0000_s426039" name="Equation" r:id="rId4" imgW="1854200" imgH="596900" progId="Equation.DSMT4">
+                <p:oleObj spid="_x0000_s426043" name="Equation" r:id="rId4" imgW="1854200" imgH="596900" progId="Equation.DSMT4">
                   <p:embed/>
                 </p:oleObj>
               </mc:Choice>
@@ -24401,7 +24402,7 @@
           <a:graphicData uri="http://schemas.openxmlformats.org/presentationml/2006/ole">
             <mc:AlternateContent xmlns:mc="http://schemas.openxmlformats.org/markup-compatibility/2006">
               <mc:Choice xmlns:v="urn:schemas-microsoft-com:vml" Requires="v">
-                <p:oleObj spid="_x0000_s426040" name="Equation" r:id="rId6" imgW="1879600" imgH="215900" progId="Equation.DSMT4">
+                <p:oleObj spid="_x0000_s426044" name="Equation" r:id="rId6" imgW="1879600" imgH="215900" progId="Equation.DSMT4">
                   <p:embed/>
                 </p:oleObj>
               </mc:Choice>
@@ -24561,7 +24562,7 @@
           <a:graphicData uri="http://schemas.openxmlformats.org/presentationml/2006/ole">
             <mc:AlternateContent xmlns:mc="http://schemas.openxmlformats.org/markup-compatibility/2006">
               <mc:Choice xmlns:v="urn:schemas-microsoft-com:vml" Requires="v">
-                <p:oleObj spid="_x0000_s426041" name="Equation" r:id="rId8" imgW="2057400" imgH="596900" progId="Equation.DSMT4">
+                <p:oleObj spid="_x0000_s426045" name="Equation" r:id="rId8" imgW="2057400" imgH="596900" progId="Equation.DSMT4">
                   <p:embed/>
                 </p:oleObj>
               </mc:Choice>
@@ -24981,7 +24982,7 @@
           <a:graphicData uri="http://schemas.openxmlformats.org/presentationml/2006/ole">
             <mc:AlternateContent xmlns:mc="http://schemas.openxmlformats.org/markup-compatibility/2006">
               <mc:Choice xmlns:v="urn:schemas-microsoft-com:vml" Requires="v">
-                <p:oleObj spid="_x0000_s438345" name="Equation" r:id="rId4" imgW="2057400" imgH="596900" progId="Equation.DSMT4">
+                <p:oleObj spid="_x0000_s438350" name="Equation" r:id="rId4" imgW="2057400" imgH="596900" progId="Equation.DSMT4">
                   <p:embed/>
                 </p:oleObj>
               </mc:Choice>
@@ -24997,7 +24998,7 @@
                       <p:nvPr/>
                     </p:nvPicPr>
                     <p:blipFill>
-                      <a:blip r:embed="rId5">
+                      <a:blip>
                         <a:extLst>
                           <a:ext uri="{28A0092B-C50C-407E-A947-70E740481C1C}">
                             <a14:useLocalDpi xmlns:a14="http://schemas.microsoft.com/office/drawing/2010/main" val="0"/>
@@ -25130,12 +25131,12 @@
           <a:graphicData uri="http://schemas.openxmlformats.org/presentationml/2006/ole">
             <mc:AlternateContent xmlns:mc="http://schemas.openxmlformats.org/markup-compatibility/2006">
               <mc:Choice xmlns:v="urn:schemas-microsoft-com:vml" Requires="v">
-                <p:oleObj spid="_x0000_s438346" name="Equation" r:id="rId6" imgW="889000" imgH="469900" progId="Equation.DSMT4">
+                <p:oleObj spid="_x0000_s438351" name="Equation" r:id="rId5" imgW="889000" imgH="469900" progId="Equation.DSMT4">
                   <p:embed/>
                 </p:oleObj>
               </mc:Choice>
               <mc:Fallback>
-                <p:oleObj name="Equation" r:id="rId6" imgW="889000" imgH="469900" progId="Equation.DSMT4">
+                <p:oleObj name="Equation" r:id="rId5" imgW="889000" imgH="469900" progId="Equation.DSMT4">
                   <p:embed/>
                   <p:pic>
                     <p:nvPicPr>
@@ -25146,7 +25147,7 @@
                       <p:nvPr/>
                     </p:nvPicPr>
                     <p:blipFill>
-                      <a:blip r:embed="rId7">
+                      <a:blip>
                         <a:extLst>
                           <a:ext uri="{28A0092B-C50C-407E-A947-70E740481C1C}">
                             <a14:useLocalDpi xmlns:a14="http://schemas.microsoft.com/office/drawing/2010/main" val="0"/>
@@ -25240,12 +25241,12 @@
           <a:graphicData uri="http://schemas.openxmlformats.org/presentationml/2006/ole">
             <mc:AlternateContent xmlns:mc="http://schemas.openxmlformats.org/markup-compatibility/2006">
               <mc:Choice xmlns:v="urn:schemas-microsoft-com:vml" Requires="v">
-                <p:oleObj spid="_x0000_s438347" name="Equation" r:id="rId8" imgW="457200" imgH="596900" progId="Equation.DSMT4">
+                <p:oleObj spid="_x0000_s438352" name="Equation" r:id="rId6" imgW="457200" imgH="596900" progId="Equation.DSMT4">
                   <p:embed/>
                 </p:oleObj>
               </mc:Choice>
               <mc:Fallback>
-                <p:oleObj name="Equation" r:id="rId8" imgW="457200" imgH="596900" progId="Equation.DSMT4">
+                <p:oleObj name="Equation" r:id="rId6" imgW="457200" imgH="596900" progId="Equation.DSMT4">
                   <p:embed/>
                   <p:pic>
                     <p:nvPicPr>
@@ -25256,7 +25257,7 @@
                       <p:nvPr/>
                     </p:nvPicPr>
                     <p:blipFill>
-                      <a:blip r:embed="rId9">
+                      <a:blip>
                         <a:extLst>
                           <a:ext uri="{28A0092B-C50C-407E-A947-70E740481C1C}">
                             <a14:useLocalDpi xmlns:a14="http://schemas.microsoft.com/office/drawing/2010/main" val="0"/>
@@ -25359,12 +25360,12 @@
           <a:graphicData uri="http://schemas.openxmlformats.org/presentationml/2006/ole">
             <mc:AlternateContent xmlns:mc="http://schemas.openxmlformats.org/markup-compatibility/2006">
               <mc:Choice xmlns:v="urn:schemas-microsoft-com:vml" Requires="v">
-                <p:oleObj spid="_x0000_s438348" name="Equation" r:id="rId10" imgW="1879600" imgH="215900" progId="Equation.DSMT4">
+                <p:oleObj spid="_x0000_s438353" name="Equation" r:id="rId7" imgW="1879600" imgH="215900" progId="Equation.DSMT4">
                   <p:embed/>
                 </p:oleObj>
               </mc:Choice>
               <mc:Fallback>
-                <p:oleObj name="Equation" r:id="rId10" imgW="1879600" imgH="215900" progId="Equation.DSMT4">
+                <p:oleObj name="Equation" r:id="rId7" imgW="1879600" imgH="215900" progId="Equation.DSMT4">
                   <p:embed/>
                   <p:pic>
                     <p:nvPicPr>
@@ -25375,7 +25376,7 @@
                       <p:nvPr/>
                     </p:nvPicPr>
                     <p:blipFill>
-                      <a:blip r:embed="rId11">
+                      <a:blip>
                         <a:extLst>
                           <a:ext uri="{28A0092B-C50C-407E-A947-70E740481C1C}">
                             <a14:useLocalDpi xmlns:a14="http://schemas.microsoft.com/office/drawing/2010/main" val="0"/>

--- a/fall11/slidesF11/slides15m.pptx
+++ b/fall11/slidesF11/slides15m.pptx
@@ -20,7 +20,7 @@
     <p:sldId id="398" r:id="rId8"/>
     <p:sldId id="508" r:id="rId9"/>
     <p:sldId id="512" r:id="rId10"/>
-    <p:sldId id="517" r:id="rId11"/>
+    <p:sldId id="549" r:id="rId11"/>
     <p:sldId id="488" r:id="rId12"/>
     <p:sldId id="522" r:id="rId13"/>
     <p:sldId id="506" r:id="rId14"/>
@@ -5689,39 +5689,39 @@
           <p:cNvGraphicFramePr>
             <a:graphicFrameLocks noChangeAspect="1"/>
           </p:cNvGraphicFramePr>
-          <p:nvPr/>
+          <p:nvPr>
+            <p:extLst>
+              <p:ext uri="{D42A27DB-BD31-4B8C-83A1-F6EECF244321}">
+                <p14:modId xmlns:p14="http://schemas.microsoft.com/office/powerpoint/2010/main" val="2439078473"/>
+              </p:ext>
+            </p:extLst>
+          </p:nvPr>
         </p:nvGraphicFramePr>
         <p:xfrm>
-          <a:off x="1144588" y="1177925"/>
-          <a:ext cx="6715125" cy="1946275"/>
+          <a:off x="1185863" y="1177925"/>
+          <a:ext cx="6632575" cy="1946275"/>
         </p:xfrm>
         <a:graphic>
           <a:graphicData uri="http://schemas.openxmlformats.org/presentationml/2006/ole">
             <mc:AlternateContent xmlns:mc="http://schemas.openxmlformats.org/markup-compatibility/2006">
               <mc:Choice xmlns:v="urn:schemas-microsoft-com:vml" Requires="v">
-                <p:oleObj spid="_x0000_s481340" name="Equation" r:id="rId4" imgW="2057400" imgH="596900" progId="Equation.DSMT4">
+                <p:oleObj spid="_x0000_s493587" name="Equation" r:id="rId4" imgW="2032000" imgH="596900" progId="Equation.DSMT4">
                   <p:embed/>
                 </p:oleObj>
               </mc:Choice>
               <mc:Fallback>
-                <p:oleObj name="Equation" r:id="rId4" imgW="2057400" imgH="596900" progId="Equation.DSMT4">
+                <p:oleObj name="Equation" r:id="rId4" imgW="2032000" imgH="596900" progId="Equation.DSMT4">
                   <p:embed/>
                   <p:pic>
                     <p:nvPicPr>
-                      <p:cNvPr id="0" name="Picture 4"/>
+                      <p:cNvPr id="0" name=""/>
                       <p:cNvPicPr>
                         <a:picLocks noChangeAspect="1" noChangeArrowheads="1"/>
                       </p:cNvPicPr>
                       <p:nvPr/>
                     </p:nvPicPr>
                     <p:blipFill>
-                      <a:blip>
-                        <a:extLst>
-                          <a:ext uri="{28A0092B-C50C-407E-A947-70E740481C1C}">
-                            <a14:useLocalDpi xmlns:a14="http://schemas.microsoft.com/office/drawing/2010/main" val="0"/>
-                          </a:ext>
-                        </a:extLst>
-                      </a:blip>
+                      <a:blip r:embed="rId5"/>
                       <a:srcRect/>
                       <a:stretch>
                         <a:fillRect/>
@@ -5729,8 +5729,8 @@
                     </p:blipFill>
                     <p:spPr bwMode="auto">
                       <a:xfrm>
-                        <a:off x="1144588" y="1177925"/>
-                        <a:ext cx="6715125" cy="1946275"/>
+                        <a:off x="1185863" y="1177925"/>
+                        <a:ext cx="6632575" cy="1946275"/>
                       </a:xfrm>
                       <a:prstGeom prst="rect">
                         <a:avLst/>
@@ -5848,23 +5848,23 @@
           <a:graphicData uri="http://schemas.openxmlformats.org/presentationml/2006/ole">
             <mc:AlternateContent xmlns:mc="http://schemas.openxmlformats.org/markup-compatibility/2006">
               <mc:Choice xmlns:v="urn:schemas-microsoft-com:vml" Requires="v">
-                <p:oleObj spid="_x0000_s481341" name="Equation" r:id="rId5" imgW="1168400" imgH="596900" progId="Equation.DSMT4">
+                <p:oleObj spid="_x0000_s493588" name="Equation" r:id="rId6" imgW="1168400" imgH="596900" progId="Equation.DSMT4">
                   <p:embed/>
                 </p:oleObj>
               </mc:Choice>
               <mc:Fallback>
-                <p:oleObj name="Equation" r:id="rId5" imgW="1168400" imgH="596900" progId="Equation.DSMT4">
+                <p:oleObj name="Equation" r:id="rId6" imgW="1168400" imgH="596900" progId="Equation.DSMT4">
                   <p:embed/>
                   <p:pic>
                     <p:nvPicPr>
-                      <p:cNvPr id="0" name="Picture 3"/>
+                      <p:cNvPr id="0" name=""/>
                       <p:cNvPicPr>
                         <a:picLocks noChangeAspect="1" noChangeArrowheads="1"/>
                       </p:cNvPicPr>
                       <p:nvPr/>
                     </p:nvPicPr>
                     <p:blipFill>
-                      <a:blip>
+                      <a:blip r:embed="rId7">
                         <a:extLst>
                           <a:ext uri="{28A0092B-C50C-407E-A947-70E740481C1C}">
                             <a14:useLocalDpi xmlns:a14="http://schemas.microsoft.com/office/drawing/2010/main" val="0"/>
@@ -5901,39 +5901,39 @@
           <p:cNvGraphicFramePr>
             <a:graphicFrameLocks noChangeAspect="1"/>
           </p:cNvGraphicFramePr>
-          <p:nvPr/>
+          <p:nvPr>
+            <p:extLst>
+              <p:ext uri="{D42A27DB-BD31-4B8C-83A1-F6EECF244321}">
+                <p14:modId xmlns:p14="http://schemas.microsoft.com/office/powerpoint/2010/main" val="519043879"/>
+              </p:ext>
+            </p:extLst>
+          </p:nvPr>
         </p:nvGraphicFramePr>
         <p:xfrm>
-          <a:off x="1066800" y="3268663"/>
-          <a:ext cx="7037590" cy="1531937"/>
+          <a:off x="1119188" y="3294063"/>
+          <a:ext cx="6931025" cy="1479550"/>
         </p:xfrm>
         <a:graphic>
           <a:graphicData uri="http://schemas.openxmlformats.org/presentationml/2006/ole">
             <mc:AlternateContent xmlns:mc="http://schemas.openxmlformats.org/markup-compatibility/2006">
               <mc:Choice xmlns:v="urn:schemas-microsoft-com:vml" Requires="v">
-                <p:oleObj spid="_x0000_s481342" name="Equation" r:id="rId6" imgW="1689100" imgH="368300" progId="Equation.DSMT4">
+                <p:oleObj spid="_x0000_s493589" name="Equation" r:id="rId8" imgW="1663700" imgH="355600" progId="Equation.DSMT4">
                   <p:embed/>
                 </p:oleObj>
               </mc:Choice>
               <mc:Fallback>
-                <p:oleObj name="Equation" r:id="rId6" imgW="1689100" imgH="368300" progId="Equation.DSMT4">
+                <p:oleObj name="Equation" r:id="rId8" imgW="1663700" imgH="355600" progId="Equation.DSMT4">
                   <p:embed/>
                   <p:pic>
                     <p:nvPicPr>
-                      <p:cNvPr id="0" name="Picture 7"/>
+                      <p:cNvPr id="0" name=""/>
                       <p:cNvPicPr>
                         <a:picLocks noChangeAspect="1" noChangeArrowheads="1"/>
                       </p:cNvPicPr>
                       <p:nvPr/>
                     </p:nvPicPr>
                     <p:blipFill>
-                      <a:blip>
-                        <a:extLst>
-                          <a:ext uri="{28A0092B-C50C-407E-A947-70E740481C1C}">
-                            <a14:useLocalDpi xmlns:a14="http://schemas.microsoft.com/office/drawing/2010/main" val="0"/>
-                          </a:ext>
-                        </a:extLst>
-                      </a:blip>
+                      <a:blip r:embed="rId9"/>
                       <a:srcRect/>
                       <a:stretch>
                         <a:fillRect/>
@@ -5941,8 +5941,8 @@
                     </p:blipFill>
                     <p:spPr bwMode="auto">
                       <a:xfrm>
-                        <a:off x="1066800" y="3268663"/>
-                        <a:ext cx="7037590" cy="1531937"/>
+                        <a:off x="1119188" y="3294063"/>
+                        <a:ext cx="6931025" cy="1479550"/>
                       </a:xfrm>
                       <a:prstGeom prst="rect">
                         <a:avLst/>
@@ -5966,6 +5966,11 @@
         </a:graphic>
       </p:graphicFrame>
     </p:spTree>
+    <p:extLst>
+      <p:ext uri="{BB962C8B-B14F-4D97-AF65-F5344CB8AC3E}">
+        <p14:creationId xmlns:p14="http://schemas.microsoft.com/office/powerpoint/2010/main" val="2002448857"/>
+      </p:ext>
+    </p:extLst>
   </p:cSld>
   <p:clrMapOvr>
     <a:masterClrMapping/>
@@ -6228,7 +6233,7 @@
             <a:r>
               <a:rPr lang="en-US" sz="5400" dirty="0" err="1" smtClean="0">
                 <a:solidFill>
-                  <a:srgbClr val="006600"/>
+                  <a:srgbClr val="FF6600"/>
                 </a:solidFill>
                 <a:latin typeface="Comic Sans MS" pitchFamily="66" charset="0"/>
               </a:rPr>
@@ -7098,9 +7103,9 @@
               </a:spcBef>
             </a:pPr>
             <a:r>
-              <a:rPr lang="en-US" sz="5400" dirty="0" err="1" smtClean="0">
+              <a:rPr lang="en-US" sz="5400" dirty="0" smtClean="0">
                 <a:solidFill>
-                  <a:srgbClr val="006600"/>
+                  <a:srgbClr val="FF4519"/>
                 </a:solidFill>
               </a:rPr>
               <a:t>c</a:t>
@@ -7135,15 +7140,20 @@
             </a:r>
             <a:r>
               <a:rPr lang="en-US" sz="5400" dirty="0" smtClean="0"/>
-              <a:t>average over all test stations.</a:t>
-            </a:r>
+              <a:t>average </a:t>
+            </a:r>
+            <a:r>
+              <a:rPr lang="en-US" sz="5400" dirty="0" smtClean="0"/>
+              <a:t>in the river.</a:t>
+            </a:r>
+            <a:endParaRPr lang="en-US" sz="5400" dirty="0" smtClean="0"/>
           </a:p>
           <a:p>
             <a:pPr eaLnBrk="1" hangingPunct="1"/>
             <a:r>
               <a:rPr lang="en-US" sz="6000" dirty="0" err="1" smtClean="0">
                 <a:solidFill>
-                  <a:srgbClr val="006600"/>
+                  <a:srgbClr val="FF4519"/>
                 </a:solidFill>
               </a:rPr>
               <a:t>c</a:t>
@@ -8090,13 +8100,13 @@
                 </a:solidFill>
                 <a:latin typeface="Comic Sans MS" pitchFamily="66" charset="0"/>
               </a:rPr>
-              <a:t> </a:t>
+              <a:t> our estimate method </a:t>
             </a:r>
             <a:r>
               <a:rPr lang="en-US" sz="4800" dirty="0" smtClean="0">
                 <a:latin typeface="Comic Sans MS" pitchFamily="66" charset="0"/>
               </a:rPr>
-              <a:t>our estimate method for </a:t>
+              <a:t>for </a:t>
             </a:r>
             <a:r>
               <a:rPr lang="en-US" sz="4800" dirty="0" err="1" smtClean="0">
@@ -8150,9 +8160,9 @@
               <a:t>, </a:t>
             </a:r>
             <a:r>
-              <a:rPr lang="en-US" sz="4800" dirty="0" err="1" smtClean="0">
+              <a:rPr lang="en-US" sz="4800" dirty="0" smtClean="0">
                 <a:solidFill>
-                  <a:srgbClr val="008000"/>
+                  <a:srgbClr val="FF4519"/>
                 </a:solidFill>
                 <a:latin typeface="Comic Sans MS" pitchFamily="66" charset="0"/>
               </a:rPr>
@@ -8162,7 +8172,13 @@
               <a:rPr lang="en-US" sz="4800" dirty="0" smtClean="0">
                 <a:latin typeface="Comic Sans MS" pitchFamily="66" charset="0"/>
               </a:rPr>
-              <a:t>, CMD over all test stations.</a:t>
+              <a:t>, </a:t>
+            </a:r>
+            <a:r>
+              <a:rPr lang="en-US" sz="4800" dirty="0" smtClean="0">
+                <a:latin typeface="Comic Sans MS" pitchFamily="66" charset="0"/>
+              </a:rPr>
+              <a:t>in the river.</a:t>
             </a:r>
             <a:endParaRPr lang="en-US" sz="4800" dirty="0">
               <a:latin typeface="Comic Sans MS" pitchFamily="66" charset="0"/>
@@ -8172,7 +8188,7 @@
       </p:sp>
       <p:sp>
         <p:nvSpPr>
-          <p:cNvPr id="32772" name="Rectangle 3"/>
+          <p:cNvPr id="6" name="Rectangle 3"/>
           <p:cNvSpPr>
             <a:spLocks noGrp="1" noChangeArrowheads="1"/>
           </p:cNvSpPr>
@@ -8182,8 +8198,8 @@
         </p:nvSpPr>
         <p:spPr>
           <a:xfrm>
-            <a:off x="1295400" y="381000"/>
-            <a:ext cx="7391400" cy="838200"/>
+            <a:off x="1143000" y="381000"/>
+            <a:ext cx="7848600" cy="914400"/>
           </a:xfrm>
           <a:noFill/>
         </p:spPr>
@@ -8193,18 +8209,13 @@
           <a:p>
             <a:pPr eaLnBrk="1" hangingPunct="1"/>
             <a:r>
-              <a:rPr lang="en-US" sz="4000" smtClean="0">
+              <a:rPr lang="en-US" sz="4800" dirty="0" smtClean="0">
                 <a:solidFill>
-                  <a:schemeClr val="tx1"/>
+                  <a:srgbClr val="0006FE"/>
                 </a:solidFill>
               </a:rPr>
-              <a:t>Confidence in our estimate</a:t>
-            </a:r>
-            <a:endParaRPr lang="en-US" smtClean="0">
-              <a:solidFill>
-                <a:schemeClr val="tx1"/>
-              </a:solidFill>
-            </a:endParaRPr>
+              <a:t>Confidence</a:t>
+            </a:r>
           </a:p>
         </p:txBody>
       </p:sp>
@@ -8219,94 +8230,15 @@
   <p:timing>
     <p:tnLst>
       <p:par>
-        <p:cTn xmlns:p14="http://schemas.microsoft.com/office/powerpoint/2010/main" id="1" dur="indefinite" restart="never" nodeType="tmRoot">
-          <p:childTnLst>
-            <p:seq concurrent="1" nextAc="seek">
-              <p:cTn id="2" dur="indefinite" nodeType="mainSeq">
-                <p:childTnLst>
-                  <p:par>
-                    <p:cTn id="3" fill="hold">
-                      <p:stCondLst>
-                        <p:cond delay="indefinite"/>
-                      </p:stCondLst>
-                      <p:childTnLst>
-                        <p:par>
-                          <p:cTn id="4" fill="hold">
-                            <p:stCondLst>
-                              <p:cond delay="0"/>
-                            </p:stCondLst>
-                            <p:childTnLst>
-                              <p:par>
-                                <p:cTn id="5" presetID="9" presetClass="entr" presetSubtype="0" fill="hold" grpId="0" nodeType="clickEffect">
-                                  <p:stCondLst>
-                                    <p:cond delay="0"/>
-                                  </p:stCondLst>
-                                  <p:childTnLst>
-                                    <p:set>
-                                      <p:cBhvr>
-                                        <p:cTn id="6" dur="1" fill="hold">
-                                          <p:stCondLst>
-                                            <p:cond delay="0"/>
-                                          </p:stCondLst>
-                                        </p:cTn>
-                                        <p:tgtEl>
-                                          <p:spTgt spid="32771"/>
-                                        </p:tgtEl>
-                                        <p:attrNameLst>
-                                          <p:attrName>style.visibility</p:attrName>
-                                        </p:attrNameLst>
-                                      </p:cBhvr>
-                                      <p:to>
-                                        <p:strVal val="visible"/>
-                                      </p:to>
-                                    </p:set>
-                                    <p:animEffect transition="in" filter="dissolve">
-                                      <p:cBhvr>
-                                        <p:cTn id="7" dur="500"/>
-                                        <p:tgtEl>
-                                          <p:spTgt spid="32771"/>
-                                        </p:tgtEl>
-                                      </p:cBhvr>
-                                    </p:animEffect>
-                                  </p:childTnLst>
-                                </p:cTn>
-                              </p:par>
-                            </p:childTnLst>
-                          </p:cTn>
-                        </p:par>
-                      </p:childTnLst>
-                    </p:cTn>
-                  </p:par>
-                </p:childTnLst>
-              </p:cTn>
-              <p:prevCondLst>
-                <p:cond evt="onPrev" delay="0">
-                  <p:tgtEl>
-                    <p:sldTgt/>
-                  </p:tgtEl>
-                </p:cond>
-              </p:prevCondLst>
-              <p:nextCondLst>
-                <p:cond evt="onNext" delay="0">
-                  <p:tgtEl>
-                    <p:sldTgt/>
-                  </p:tgtEl>
-                </p:cond>
-              </p:nextCondLst>
-            </p:seq>
-          </p:childTnLst>
-        </p:cTn>
+        <p:cTn xmlns:p14="http://schemas.microsoft.com/office/powerpoint/2010/main" id="1" dur="indefinite" restart="never" nodeType="tmRoot"/>
       </p:par>
     </p:tnLst>
-    <p:bldLst>
-      <p:bldP spid="32771" grpId="0"/>
-    </p:bldLst>
   </p:timing>
 </p:sld>
 </file>
 
 <file path=ppt/slides/slide15.xml><?xml version="1.0" encoding="utf-8"?>
-<p:sld xmlns:a="http://schemas.openxmlformats.org/drawingml/2006/main" xmlns:r="http://schemas.openxmlformats.org/officeDocument/2006/relationships" xmlns:p="http://schemas.openxmlformats.org/presentationml/2006/main">
+<p:sld xmlns:a="http://schemas.openxmlformats.org/drawingml/2006/main" xmlns:r="http://schemas.openxmlformats.org/officeDocument/2006/relationships" xmlns:p="http://schemas.openxmlformats.org/presentationml/2006/main" show="0">
   <p:cSld>
     <p:spTree>
       <p:nvGrpSpPr>
@@ -8450,51 +8382,15 @@
             </a:r>
             <a:r>
               <a:rPr lang="en-US" sz="4800" dirty="0" smtClean="0">
-                <a:solidFill>
-                  <a:schemeClr val="accent4"/>
-                </a:solidFill>
                 <a:latin typeface="Comic Sans MS" pitchFamily="66" charset="0"/>
               </a:rPr>
-              <a:t>that</a:t>
-            </a:r>
-            <a:r>
-              <a:rPr lang="en-US" sz="4800" dirty="0" smtClean="0">
-                <a:solidFill>
-                  <a:srgbClr val="7030A0"/>
-                </a:solidFill>
-                <a:latin typeface="Comic Sans MS" pitchFamily="66" charset="0"/>
-              </a:rPr>
-              <a:t> </a:t>
-            </a:r>
-            <a:r>
-              <a:rPr lang="en-US" sz="4800" dirty="0" err="1" smtClean="0">
-                <a:solidFill>
-                  <a:srgbClr val="008000"/>
-                </a:solidFill>
-                <a:latin typeface="Comic Sans MS" pitchFamily="66" charset="0"/>
-              </a:rPr>
-              <a:t>c</a:t>
+              <a:t>the </a:t>
             </a:r>
             <a:r>
               <a:rPr lang="en-US" sz="4800" dirty="0" smtClean="0">
                 <a:latin typeface="Comic Sans MS" pitchFamily="66" charset="0"/>
               </a:rPr>
-              <a:t>,</a:t>
-            </a:r>
-            <a:r>
-              <a:rPr lang="en-US" sz="4800" dirty="0" smtClean="0">
-                <a:solidFill>
-                  <a:srgbClr val="7030A0"/>
-                </a:solidFill>
-                <a:latin typeface="Comic Sans MS" pitchFamily="66" charset="0"/>
-              </a:rPr>
-              <a:t> </a:t>
-            </a:r>
-            <a:r>
-              <a:rPr lang="en-US" sz="4800" dirty="0" smtClean="0">
-                <a:latin typeface="Comic Sans MS" pitchFamily="66" charset="0"/>
-              </a:rPr>
-              <a:t>the actual </a:t>
+              <a:t>actual </a:t>
             </a:r>
             <a:r>
               <a:rPr lang="en-US" sz="5400" kern="0" dirty="0" err="1" smtClean="0">
@@ -8512,16 +8408,7 @@
                 </a:solidFill>
                 <a:latin typeface="Comic Sans MS"/>
               </a:rPr>
-              <a:t> CMD, over </a:t>
-            </a:r>
-            <a:r>
-              <a:rPr lang="en-US" sz="5400" kern="0" dirty="0" smtClean="0">
-                <a:solidFill>
-                  <a:srgbClr val="800F6F"/>
-                </a:solidFill>
-                <a:latin typeface="Comic Sans MS"/>
-              </a:rPr>
-              <a:t>all</a:t>
+              <a:t> </a:t>
             </a:r>
             <a:r>
               <a:rPr lang="en-US" sz="5400" kern="0" dirty="0" smtClean="0">
@@ -8530,7 +8417,28 @@
                 </a:solidFill>
                 <a:latin typeface="Comic Sans MS"/>
               </a:rPr>
-              <a:t> stations is </a:t>
+              <a:t>CMD</a:t>
+            </a:r>
+          </a:p>
+          <a:p>
+            <a:pPr algn="l"/>
+            <a:r>
+              <a:rPr lang="en-US" sz="5400" kern="0" dirty="0" smtClean="0">
+                <a:solidFill>
+                  <a:srgbClr val="FF4519"/>
+                </a:solidFill>
+                <a:latin typeface="Comic Sans MS"/>
+              </a:rPr>
+              <a:t>c</a:t>
+            </a:r>
+            <a:r>
+              <a:rPr lang="en-US" sz="5400" kern="0" dirty="0" smtClean="0">
+                <a:solidFill>
+                  <a:srgbClr val="000000"/>
+                </a:solidFill>
+                <a:latin typeface="Comic Sans MS"/>
+              </a:rPr>
+              <a:t> </a:t>
             </a:r>
             <a:r>
               <a:rPr lang="en-US" sz="5400" b="1" kern="0" dirty="0" smtClean="0">
@@ -8549,13 +8457,16 @@
                 </a:solidFill>
                 <a:latin typeface="Comic Sans MS"/>
               </a:rPr>
-              <a:t> 200</a:t>
+              <a:t> </a:t>
             </a:r>
             <a:r>
               <a:rPr lang="en-US" sz="5400" kern="0" dirty="0" smtClean="0">
+                <a:solidFill>
+                  <a:srgbClr val="006600"/>
+                </a:solidFill>
                 <a:latin typeface="Comic Sans MS"/>
               </a:rPr>
-              <a:t>.</a:t>
+              <a:t>200</a:t>
             </a:r>
             <a:endParaRPr lang="en-US" sz="4800" dirty="0">
               <a:latin typeface="Comic Sans MS" pitchFamily="66" charset="0"/>
@@ -8565,7 +8476,7 @@
       </p:sp>
       <p:sp>
         <p:nvSpPr>
-          <p:cNvPr id="32772" name="Rectangle 3"/>
+          <p:cNvPr id="6" name="Rectangle 3"/>
           <p:cNvSpPr>
             <a:spLocks noGrp="1" noChangeArrowheads="1"/>
           </p:cNvSpPr>
@@ -8575,8 +8486,8 @@
         </p:nvSpPr>
         <p:spPr>
           <a:xfrm>
-            <a:off x="1295400" y="381000"/>
-            <a:ext cx="7391400" cy="838200"/>
+            <a:off x="1143000" y="381000"/>
+            <a:ext cx="7848600" cy="914400"/>
           </a:xfrm>
           <a:noFill/>
         </p:spPr>
@@ -8586,18 +8497,13 @@
           <a:p>
             <a:pPr eaLnBrk="1" hangingPunct="1"/>
             <a:r>
-              <a:rPr lang="en-US" sz="4000" smtClean="0">
+              <a:rPr lang="en-US" sz="4800" dirty="0" smtClean="0">
                 <a:solidFill>
-                  <a:schemeClr val="tx1"/>
+                  <a:srgbClr val="0006FE"/>
                 </a:solidFill>
               </a:rPr>
-              <a:t>Confidence in our estimate</a:t>
-            </a:r>
-            <a:endParaRPr lang="en-US" smtClean="0">
-              <a:solidFill>
-                <a:schemeClr val="tx1"/>
-              </a:solidFill>
-            </a:endParaRPr>
+              <a:t>Confidence</a:t>
+            </a:r>
           </a:p>
         </p:txBody>
       </p:sp>
@@ -8747,9 +8653,7 @@
             <a:r>
               <a:rPr lang="en-US" sz="6000" dirty="0" err="1" smtClean="0">
                 <a:solidFill>
-                  <a:schemeClr val="accent1">
-                    <a:lumMod val="50000"/>
-                  </a:schemeClr>
+                  <a:srgbClr val="FF6600"/>
                 </a:solidFill>
                 <a:latin typeface="Comic Sans MS" pitchFamily="66" charset="0"/>
               </a:rPr>
@@ -9655,6 +9559,13 @@
   <p:clrMapOvr>
     <a:masterClrMapping/>
   </p:clrMapOvr>
+  <p:timing>
+    <p:tnLst>
+      <p:par>
+        <p:cTn xmlns:p14="http://schemas.microsoft.com/office/powerpoint/2010/main" id="1" dur="indefinite" restart="never" nodeType="tmRoot"/>
+      </p:par>
+    </p:tnLst>
+  </p:timing>
 </p:sld>
 </file>
 
@@ -9805,102 +9716,6 @@
           </a:p>
         </p:txBody>
       </p:sp>
-      <p:pic>
-        <p:nvPicPr>
-          <p:cNvPr id="229381" name="Picture 5" descr="j0264248[1]"/>
-          <p:cNvPicPr>
-            <a:picLocks noChangeAspect="1" noChangeArrowheads="1"/>
-          </p:cNvPicPr>
-          <p:nvPr/>
-        </p:nvPicPr>
-        <p:blipFill>
-          <a:blip/>
-          <a:srcRect/>
-          <a:stretch>
-            <a:fillRect/>
-          </a:stretch>
-        </p:blipFill>
-        <p:spPr bwMode="auto">
-          <a:xfrm>
-            <a:off x="6934200" y="0"/>
-            <a:ext cx="1752600" cy="1612900"/>
-          </a:xfrm>
-          <a:prstGeom prst="rect">
-            <a:avLst/>
-          </a:prstGeom>
-          <a:noFill/>
-        </p:spPr>
-      </p:pic>
-      <p:graphicFrame>
-        <p:nvGraphicFramePr>
-          <p:cNvPr id="229383" name="Object 7"/>
-          <p:cNvGraphicFramePr>
-            <a:graphicFrameLocks noChangeAspect="1"/>
-          </p:cNvGraphicFramePr>
-          <p:nvPr>
-            <p:extLst>
-              <p:ext uri="{D42A27DB-BD31-4B8C-83A1-F6EECF244321}">
-                <p14:modId xmlns:p14="http://schemas.microsoft.com/office/powerpoint/2010/main" val="3142086955"/>
-              </p:ext>
-            </p:extLst>
-          </p:nvPr>
-        </p:nvGraphicFramePr>
-        <p:xfrm>
-          <a:off x="858838" y="3224213"/>
-          <a:ext cx="4170362" cy="2084387"/>
-        </p:xfrm>
-        <a:graphic>
-          <a:graphicData uri="http://schemas.openxmlformats.org/presentationml/2006/ole">
-            <mc:AlternateContent xmlns:mc="http://schemas.openxmlformats.org/markup-compatibility/2006">
-              <mc:Choice xmlns:v="urn:schemas-microsoft-com:vml" Requires="v">
-                <p:oleObj spid="_x0000_s1030" name="Equation" r:id="rId5" imgW="762000" imgH="381000" progId="Equation.DSMT4">
-                  <p:embed/>
-                </p:oleObj>
-              </mc:Choice>
-              <mc:Fallback>
-                <p:oleObj name="Equation" r:id="rId5" imgW="762000" imgH="381000" progId="Equation.DSMT4">
-                  <p:embed/>
-                  <p:pic>
-                    <p:nvPicPr>
-                      <p:cNvPr id="0" name=""/>
-                      <p:cNvPicPr>
-                        <a:picLocks noChangeAspect="1" noChangeArrowheads="1"/>
-                      </p:cNvPicPr>
-                      <p:nvPr/>
-                    </p:nvPicPr>
-                    <p:blipFill>
-                      <a:blip/>
-                      <a:srcRect/>
-                      <a:stretch>
-                        <a:fillRect/>
-                      </a:stretch>
-                    </p:blipFill>
-                    <p:spPr bwMode="auto">
-                      <a:xfrm>
-                        <a:off x="858838" y="3224213"/>
-                        <a:ext cx="4170362" cy="2084387"/>
-                      </a:xfrm>
-                      <a:prstGeom prst="rect">
-                        <a:avLst/>
-                      </a:prstGeom>
-                      <a:noFill/>
-                      <a:extLst>
-                        <a:ext uri="{909E8E84-426E-40dd-AFC4-6F175D3DCCD1}">
-                          <a14:hiddenFill xmlns:a14="http://schemas.microsoft.com/office/drawing/2010/main">
-                            <a:solidFill>
-                              <a:srgbClr val="FFFFFF"/>
-                            </a:solidFill>
-                          </a14:hiddenFill>
-                        </a:ext>
-                      </a:extLst>
-                    </p:spPr>
-                  </p:pic>
-                </p:oleObj>
-              </mc:Fallback>
-            </mc:AlternateContent>
-          </a:graphicData>
-        </a:graphic>
-      </p:graphicFrame>
       <p:sp>
         <p:nvSpPr>
           <p:cNvPr id="229384" name="Text Box 8"/>
@@ -10032,6 +9847,76 @@
           </a:p>
         </p:txBody>
       </p:sp>
+      <p:graphicFrame>
+        <p:nvGraphicFramePr>
+          <p:cNvPr id="7" name="Object 7"/>
+          <p:cNvGraphicFramePr>
+            <a:graphicFrameLocks noChangeAspect="1"/>
+          </p:cNvGraphicFramePr>
+          <p:nvPr>
+            <p:extLst>
+              <p:ext uri="{D42A27DB-BD31-4B8C-83A1-F6EECF244321}">
+                <p14:modId xmlns:p14="http://schemas.microsoft.com/office/powerpoint/2010/main" val="2297435939"/>
+              </p:ext>
+            </p:extLst>
+          </p:nvPr>
+        </p:nvGraphicFramePr>
+        <p:xfrm>
+          <a:off x="858838" y="3224213"/>
+          <a:ext cx="4170362" cy="2084387"/>
+        </p:xfrm>
+        <a:graphic>
+          <a:graphicData uri="http://schemas.openxmlformats.org/presentationml/2006/ole">
+            <mc:AlternateContent xmlns:mc="http://schemas.openxmlformats.org/markup-compatibility/2006">
+              <mc:Choice xmlns:v="urn:schemas-microsoft-com:vml" Requires="v">
+                <p:oleObj spid="_x0000_s1040" name="Equation" r:id="rId5" imgW="762000" imgH="381000" progId="Equation.DSMT4">
+                  <p:embed/>
+                </p:oleObj>
+              </mc:Choice>
+              <mc:Fallback>
+                <p:oleObj name="Equation" r:id="rId5" imgW="762000" imgH="381000" progId="Equation.DSMT4">
+                  <p:embed/>
+                  <p:pic>
+                    <p:nvPicPr>
+                      <p:cNvPr id="0" name=""/>
+                      <p:cNvPicPr>
+                        <a:picLocks noChangeAspect="1" noChangeArrowheads="1"/>
+                      </p:cNvPicPr>
+                      <p:nvPr/>
+                    </p:nvPicPr>
+                    <p:blipFill>
+                      <a:blip r:embed="rId6"/>
+                      <a:srcRect/>
+                      <a:stretch>
+                        <a:fillRect/>
+                      </a:stretch>
+                    </p:blipFill>
+                    <p:spPr bwMode="auto">
+                      <a:xfrm>
+                        <a:off x="858838" y="3224213"/>
+                        <a:ext cx="4170362" cy="2084387"/>
+                      </a:xfrm>
+                      <a:prstGeom prst="rect">
+                        <a:avLst/>
+                      </a:prstGeom>
+                      <a:noFill/>
+                      <a:extLst>
+                        <a:ext uri="{909E8E84-426E-40dd-AFC4-6F175D3DCCD1}">
+                          <a14:hiddenFill xmlns:a14="http://schemas.microsoft.com/office/drawing/2010/main">
+                            <a:solidFill>
+                              <a:srgbClr val="FFFFFF"/>
+                            </a:solidFill>
+                          </a14:hiddenFill>
+                        </a:ext>
+                      </a:extLst>
+                    </p:spPr>
+                  </p:pic>
+                </p:oleObj>
+              </mc:Fallback>
+            </mc:AlternateContent>
+          </a:graphicData>
+        </a:graphic>
+      </p:graphicFrame>
     </p:spTree>
     <p:custDataLst>
       <p:tags r:id="rId2"/>
@@ -10216,7 +10101,7 @@
                             </p:stCondLst>
                             <p:childTnLst>
                               <p:par>
-                                <p:cTn id="16" presetID="22" presetClass="entr" presetSubtype="8" fill="hold" nodeType="clickEffect">
+                                <p:cTn id="16" presetID="9" presetClass="entr" presetSubtype="0" fill="hold" grpId="0" nodeType="clickEffect">
                                   <p:stCondLst>
                                     <p:cond delay="0"/>
                                   </p:stCondLst>
@@ -10229,7 +10114,7 @@
                                           </p:stCondLst>
                                         </p:cTn>
                                         <p:tgtEl>
-                                          <p:spTgt spid="229383"/>
+                                          <p:spTgt spid="229384"/>
                                         </p:tgtEl>
                                         <p:attrNameLst>
                                           <p:attrName>style.visibility</p:attrName>
@@ -10239,11 +10124,11 @@
                                         <p:strVal val="visible"/>
                                       </p:to>
                                     </p:set>
-                                    <p:animEffect transition="in" filter="wipe(left)">
+                                    <p:animEffect transition="in" filter="dissolve">
                                       <p:cBhvr>
                                         <p:cTn id="18" dur="500"/>
                                         <p:tgtEl>
-                                          <p:spTgt spid="229383"/>
+                                          <p:spTgt spid="229384"/>
                                         </p:tgtEl>
                                       </p:cBhvr>
                                     </p:animEffect>
@@ -10269,7 +10154,7 @@
                             </p:stCondLst>
                             <p:childTnLst>
                               <p:par>
-                                <p:cTn id="21" presetID="9" presetClass="entr" presetSubtype="0" fill="hold" grpId="0" nodeType="clickEffect">
+                                <p:cTn id="21" presetID="22" presetClass="entr" presetSubtype="8" fill="hold" nodeType="clickEffect">
                                   <p:stCondLst>
                                     <p:cond delay="0"/>
                                   </p:stCondLst>
@@ -10282,7 +10167,7 @@
                                           </p:stCondLst>
                                         </p:cTn>
                                         <p:tgtEl>
-                                          <p:spTgt spid="229384"/>
+                                          <p:spTgt spid="7"/>
                                         </p:tgtEl>
                                         <p:attrNameLst>
                                           <p:attrName>style.visibility</p:attrName>
@@ -10292,11 +10177,11 @@
                                         <p:strVal val="visible"/>
                                       </p:to>
                                     </p:set>
-                                    <p:animEffect transition="in" filter="dissolve">
+                                    <p:animEffect transition="in" filter="wipe(left)">
                                       <p:cBhvr>
                                         <p:cTn id="23" dur="500"/>
                                         <p:tgtEl>
-                                          <p:spTgt spid="229384"/>
+                                          <p:spTgt spid="7"/>
                                         </p:tgtEl>
                                       </p:cBhvr>
                                     </p:animEffect>
@@ -10648,146 +10533,6 @@
           </a:p>
         </p:txBody>
       </p:sp>
-      <p:graphicFrame>
-        <p:nvGraphicFramePr>
-          <p:cNvPr id="6" name="Object 5"/>
-          <p:cNvGraphicFramePr>
-            <a:graphicFrameLocks noChangeAspect="1"/>
-          </p:cNvGraphicFramePr>
-          <p:nvPr>
-            <p:extLst>
-              <p:ext uri="{D42A27DB-BD31-4B8C-83A1-F6EECF244321}">
-                <p14:modId xmlns:p14="http://schemas.microsoft.com/office/powerpoint/2010/main" val="1721249212"/>
-              </p:ext>
-            </p:extLst>
-          </p:nvPr>
-        </p:nvGraphicFramePr>
-        <p:xfrm>
-          <a:off x="554038" y="3136900"/>
-          <a:ext cx="6084887" cy="1106488"/>
-        </p:xfrm>
-        <a:graphic>
-          <a:graphicData uri="http://schemas.openxmlformats.org/presentationml/2006/ole">
-            <mc:AlternateContent xmlns:mc="http://schemas.openxmlformats.org/markup-compatibility/2006">
-              <mc:Choice xmlns:v="urn:schemas-microsoft-com:vml" Requires="v">
-                <p:oleObj spid="_x0000_s489494" name="Equation" r:id="rId5" imgW="1816100" imgH="330200" progId="Equation.DSMT4">
-                  <p:embed/>
-                </p:oleObj>
-              </mc:Choice>
-              <mc:Fallback>
-                <p:oleObj name="Equation" r:id="rId5" imgW="1816100" imgH="330200" progId="Equation.DSMT4">
-                  <p:embed/>
-                  <p:pic>
-                    <p:nvPicPr>
-                      <p:cNvPr id="0" name=""/>
-                      <p:cNvPicPr>
-                        <a:picLocks noChangeAspect="1" noChangeArrowheads="1"/>
-                      </p:cNvPicPr>
-                      <p:nvPr/>
-                    </p:nvPicPr>
-                    <p:blipFill>
-                      <a:blip/>
-                      <a:srcRect/>
-                      <a:stretch>
-                        <a:fillRect/>
-                      </a:stretch>
-                    </p:blipFill>
-                    <p:spPr bwMode="auto">
-                      <a:xfrm>
-                        <a:off x="554038" y="3136900"/>
-                        <a:ext cx="6084887" cy="1106488"/>
-                      </a:xfrm>
-                      <a:prstGeom prst="rect">
-                        <a:avLst/>
-                      </a:prstGeom>
-                      <a:noFill/>
-                      <a:extLst>
-                        <a:ext uri="{909E8E84-426E-40dd-AFC4-6F175D3DCCD1}">
-                          <a14:hiddenFill xmlns:a14="http://schemas.microsoft.com/office/drawing/2010/main">
-                            <a:solidFill>
-                              <a:srgbClr val="FFFFFF"/>
-                            </a:solidFill>
-                          </a14:hiddenFill>
-                        </a:ext>
-                      </a:extLst>
-                    </p:spPr>
-                  </p:pic>
-                </p:oleObj>
-              </mc:Fallback>
-            </mc:AlternateContent>
-          </a:graphicData>
-        </a:graphic>
-      </p:graphicFrame>
-      <p:graphicFrame>
-        <p:nvGraphicFramePr>
-          <p:cNvPr id="128002" name="Object 3"/>
-          <p:cNvGraphicFramePr>
-            <a:graphicFrameLocks noChangeAspect="1"/>
-          </p:cNvGraphicFramePr>
-          <p:nvPr/>
-        </p:nvGraphicFramePr>
-        <p:xfrm>
-          <a:off x="987425" y="3879850"/>
-          <a:ext cx="7169150" cy="2493963"/>
-        </p:xfrm>
-        <a:graphic>
-          <a:graphicData uri="http://schemas.openxmlformats.org/presentationml/2006/ole">
-            <mc:AlternateContent xmlns:mc="http://schemas.openxmlformats.org/markup-compatibility/2006">
-              <mc:Choice xmlns:v="urn:schemas-microsoft-com:vml" Requires="v">
-                <p:oleObj spid="_x0000_s489495" name="Equation" r:id="rId6" imgW="1714500" imgH="596900" progId="Equation.DSMT4">
-                  <p:embed/>
-                </p:oleObj>
-              </mc:Choice>
-              <mc:Fallback>
-                <p:oleObj name="Equation" r:id="rId6" imgW="1714500" imgH="596900" progId="Equation.DSMT4">
-                  <p:embed/>
-                  <p:pic>
-                    <p:nvPicPr>
-                      <p:cNvPr id="0" name=""/>
-                      <p:cNvPicPr>
-                        <a:picLocks noChangeAspect="1" noChangeArrowheads="1"/>
-                      </p:cNvPicPr>
-                      <p:nvPr/>
-                    </p:nvPicPr>
-                    <p:blipFill>
-                      <a:blip>
-                        <a:extLst>
-                          <a:ext uri="{28A0092B-C50C-407E-A947-70E740481C1C}">
-                            <a14:useLocalDpi xmlns:a14="http://schemas.microsoft.com/office/drawing/2010/main" val="0"/>
-                          </a:ext>
-                        </a:extLst>
-                      </a:blip>
-                      <a:srcRect/>
-                      <a:stretch>
-                        <a:fillRect/>
-                      </a:stretch>
-                    </p:blipFill>
-                    <p:spPr bwMode="auto">
-                      <a:xfrm>
-                        <a:off x="987425" y="3879850"/>
-                        <a:ext cx="7169150" cy="2493963"/>
-                      </a:xfrm>
-                      <a:prstGeom prst="rect">
-                        <a:avLst/>
-                      </a:prstGeom>
-                      <a:noFill/>
-                      <a:extLst>
-                        <a:ext uri="{909E8E84-426E-40dd-AFC4-6F175D3DCCD1}">
-                          <a14:hiddenFill xmlns:a14="http://schemas.microsoft.com/office/drawing/2010/main">
-                            <a:solidFill>
-                              <a:srgbClr val="FFFFFF"/>
-                            </a:solidFill>
-                          </a14:hiddenFill>
-                        </a:ext>
-                      </a:extLst>
-                    </p:spPr>
-                  </p:pic>
-                </p:oleObj>
-              </mc:Fallback>
-            </mc:AlternateContent>
-          </a:graphicData>
-        </a:graphic>
-      </p:graphicFrame>
       <p:sp>
         <p:nvSpPr>
           <p:cNvPr id="8" name="Rectangle 7"/>
@@ -10796,7 +10541,7 @@
         </p:nvSpPr>
         <p:spPr bwMode="auto">
           <a:xfrm>
-            <a:off x="730019" y="4096721"/>
+            <a:off x="730019" y="4172921"/>
             <a:ext cx="7631805" cy="2304079"/>
           </a:xfrm>
           <a:prstGeom prst="rect">
@@ -10894,6 +10639,152 @@
           </a:p>
         </p:txBody>
       </p:sp>
+      <p:graphicFrame>
+        <p:nvGraphicFramePr>
+          <p:cNvPr id="10" name="Object 9"/>
+          <p:cNvGraphicFramePr>
+            <a:graphicFrameLocks noChangeAspect="1"/>
+          </p:cNvGraphicFramePr>
+          <p:nvPr>
+            <p:extLst>
+              <p:ext uri="{D42A27DB-BD31-4B8C-83A1-F6EECF244321}">
+                <p14:modId xmlns:p14="http://schemas.microsoft.com/office/powerpoint/2010/main" val="1518245852"/>
+              </p:ext>
+            </p:extLst>
+          </p:nvPr>
+        </p:nvGraphicFramePr>
+        <p:xfrm>
+          <a:off x="554038" y="3236912"/>
+          <a:ext cx="6084887" cy="1106488"/>
+        </p:xfrm>
+        <a:graphic>
+          <a:graphicData uri="http://schemas.openxmlformats.org/presentationml/2006/ole">
+            <mc:AlternateContent xmlns:mc="http://schemas.openxmlformats.org/markup-compatibility/2006">
+              <mc:Choice xmlns:v="urn:schemas-microsoft-com:vml" Requires="v">
+                <p:oleObj spid="_x0000_s489515" name="Equation" r:id="rId5" imgW="1816100" imgH="330200" progId="Equation.DSMT4">
+                  <p:embed/>
+                </p:oleObj>
+              </mc:Choice>
+              <mc:Fallback>
+                <p:oleObj name="Equation" r:id="rId5" imgW="1816100" imgH="330200" progId="Equation.DSMT4">
+                  <p:embed/>
+                  <p:pic>
+                    <p:nvPicPr>
+                      <p:cNvPr id="0" name=""/>
+                      <p:cNvPicPr>
+                        <a:picLocks noChangeAspect="1" noChangeArrowheads="1"/>
+                      </p:cNvPicPr>
+                      <p:nvPr/>
+                    </p:nvPicPr>
+                    <p:blipFill>
+                      <a:blip r:embed="rId6"/>
+                      <a:srcRect/>
+                      <a:stretch>
+                        <a:fillRect/>
+                      </a:stretch>
+                    </p:blipFill>
+                    <p:spPr bwMode="auto">
+                      <a:xfrm>
+                        <a:off x="554038" y="3236912"/>
+                        <a:ext cx="6084887" cy="1106488"/>
+                      </a:xfrm>
+                      <a:prstGeom prst="rect">
+                        <a:avLst/>
+                      </a:prstGeom>
+                      <a:noFill/>
+                      <a:extLst>
+                        <a:ext uri="{909E8E84-426E-40dd-AFC4-6F175D3DCCD1}">
+                          <a14:hiddenFill xmlns:a14="http://schemas.microsoft.com/office/drawing/2010/main">
+                            <a:solidFill>
+                              <a:srgbClr val="FFFFFF"/>
+                            </a:solidFill>
+                          </a14:hiddenFill>
+                        </a:ext>
+                      </a:extLst>
+                    </p:spPr>
+                  </p:pic>
+                </p:oleObj>
+              </mc:Fallback>
+            </mc:AlternateContent>
+          </a:graphicData>
+        </a:graphic>
+      </p:graphicFrame>
+      <p:graphicFrame>
+        <p:nvGraphicFramePr>
+          <p:cNvPr id="11" name="Object 3"/>
+          <p:cNvGraphicFramePr>
+            <a:graphicFrameLocks noChangeAspect="1"/>
+          </p:cNvGraphicFramePr>
+          <p:nvPr>
+            <p:extLst>
+              <p:ext uri="{D42A27DB-BD31-4B8C-83A1-F6EECF244321}">
+                <p14:modId xmlns:p14="http://schemas.microsoft.com/office/powerpoint/2010/main" val="4211189898"/>
+              </p:ext>
+            </p:extLst>
+          </p:nvPr>
+        </p:nvGraphicFramePr>
+        <p:xfrm>
+          <a:off x="987425" y="3983037"/>
+          <a:ext cx="7169150" cy="2493963"/>
+        </p:xfrm>
+        <a:graphic>
+          <a:graphicData uri="http://schemas.openxmlformats.org/presentationml/2006/ole">
+            <mc:AlternateContent xmlns:mc="http://schemas.openxmlformats.org/markup-compatibility/2006">
+              <mc:Choice xmlns:v="urn:schemas-microsoft-com:vml" Requires="v">
+                <p:oleObj spid="_x0000_s489516" name="Equation" r:id="rId7" imgW="1714500" imgH="596900" progId="Equation.DSMT4">
+                  <p:embed/>
+                </p:oleObj>
+              </mc:Choice>
+              <mc:Fallback>
+                <p:oleObj name="Equation" r:id="rId7" imgW="1714500" imgH="596900" progId="Equation.DSMT4">
+                  <p:embed/>
+                  <p:pic>
+                    <p:nvPicPr>
+                      <p:cNvPr id="0" name=""/>
+                      <p:cNvPicPr>
+                        <a:picLocks noChangeAspect="1" noChangeArrowheads="1"/>
+                      </p:cNvPicPr>
+                      <p:nvPr/>
+                    </p:nvPicPr>
+                    <p:blipFill>
+                      <a:blip r:embed="rId8">
+                        <a:extLst>
+                          <a:ext uri="{28A0092B-C50C-407E-A947-70E740481C1C}">
+                            <a14:useLocalDpi xmlns:a14="http://schemas.microsoft.com/office/drawing/2010/main" val="0"/>
+                          </a:ext>
+                        </a:extLst>
+                      </a:blip>
+                      <a:srcRect/>
+                      <a:stretch>
+                        <a:fillRect/>
+                      </a:stretch>
+                    </p:blipFill>
+                    <p:spPr bwMode="auto">
+                      <a:xfrm>
+                        <a:off x="987425" y="3983037"/>
+                        <a:ext cx="7169150" cy="2493963"/>
+                      </a:xfrm>
+                      <a:prstGeom prst="rect">
+                        <a:avLst/>
+                      </a:prstGeom>
+                      <a:noFill/>
+                      <a:extLst>
+                        <a:ext uri="{909E8E84-426E-40dd-AFC4-6F175D3DCCD1}">
+                          <a14:hiddenFill xmlns:a14="http://schemas.microsoft.com/office/drawing/2010/main">
+                            <a:solidFill>
+                              <a:srgbClr val="FFFFFF"/>
+                            </a:solidFill>
+                          </a14:hiddenFill>
+                        </a:ext>
+                      </a:extLst>
+                    </p:spPr>
+                  </p:pic>
+                </p:oleObj>
+              </mc:Fallback>
+            </mc:AlternateContent>
+          </a:graphicData>
+        </a:graphic>
+      </p:graphicFrame>
     </p:spTree>
     <p:custDataLst>
       <p:tags r:id="rId2"/>
@@ -11078,7 +10969,7 @@
                             </p:stCondLst>
                             <p:childTnLst>
                               <p:par>
-                                <p:cTn id="16" presetID="9" presetClass="entr" presetSubtype="0" fill="hold" nodeType="clickEffect">
+                                <p:cTn id="16" presetID="22" presetClass="entr" presetSubtype="8" fill="hold" nodeType="clickEffect">
                                   <p:stCondLst>
                                     <p:cond delay="0"/>
                                   </p:stCondLst>
@@ -11091,7 +10982,7 @@
                                           </p:stCondLst>
                                         </p:cTn>
                                         <p:tgtEl>
-                                          <p:spTgt spid="6"/>
+                                          <p:spTgt spid="10"/>
                                         </p:tgtEl>
                                         <p:attrNameLst>
                                           <p:attrName>style.visibility</p:attrName>
@@ -11101,11 +10992,11 @@
                                         <p:strVal val="visible"/>
                                       </p:to>
                                     </p:set>
-                                    <p:animEffect transition="in" filter="dissolve">
+                                    <p:animEffect transition="in" filter="wipe(left)">
                                       <p:cBhvr>
                                         <p:cTn id="18" dur="500"/>
                                         <p:tgtEl>
-                                          <p:spTgt spid="6"/>
+                                          <p:spTgt spid="10"/>
                                         </p:tgtEl>
                                       </p:cBhvr>
                                     </p:animEffect>
@@ -11176,36 +11067,27 @@
                             </p:childTnLst>
                           </p:cTn>
                         </p:par>
-                      </p:childTnLst>
-                    </p:cTn>
-                  </p:par>
-                  <p:par>
-                    <p:cTn id="24" fill="hold">
-                      <p:stCondLst>
-                        <p:cond delay="indefinite"/>
-                      </p:stCondLst>
-                      <p:childTnLst>
                         <p:par>
-                          <p:cTn id="25" fill="hold">
+                          <p:cTn id="24" fill="hold">
                             <p:stCondLst>
-                              <p:cond delay="0"/>
+                              <p:cond delay="500"/>
                             </p:stCondLst>
                             <p:childTnLst>
                               <p:par>
-                                <p:cTn id="26" presetID="22" presetClass="entr" presetSubtype="8" fill="hold" nodeType="clickEffect">
+                                <p:cTn id="25" presetID="22" presetClass="entr" presetSubtype="8" fill="hold" nodeType="afterEffect">
                                   <p:stCondLst>
                                     <p:cond delay="0"/>
                                   </p:stCondLst>
                                   <p:childTnLst>
                                     <p:set>
                                       <p:cBhvr>
-                                        <p:cTn id="27" dur="1" fill="hold">
+                                        <p:cTn id="26" dur="1" fill="hold">
                                           <p:stCondLst>
                                             <p:cond delay="0"/>
                                           </p:stCondLst>
                                         </p:cTn>
                                         <p:tgtEl>
-                                          <p:spTgt spid="128002"/>
+                                          <p:spTgt spid="11"/>
                                         </p:tgtEl>
                                         <p:attrNameLst>
                                           <p:attrName>style.visibility</p:attrName>
@@ -11217,9 +11099,9 @@
                                     </p:set>
                                     <p:animEffect transition="in" filter="wipe(left)">
                                       <p:cBhvr>
-                                        <p:cTn id="28" dur="500"/>
+                                        <p:cTn id="27" dur="500"/>
                                         <p:tgtEl>
-                                          <p:spTgt spid="128002"/>
+                                          <p:spTgt spid="11"/>
                                         </p:tgtEl>
                                       </p:cBhvr>
                                     </p:animEffect>
@@ -11230,20 +11112,20 @@
                           </p:cTn>
                         </p:par>
                         <p:par>
-                          <p:cTn id="29" fill="hold">
+                          <p:cTn id="28" fill="hold">
                             <p:stCondLst>
-                              <p:cond delay="500"/>
+                              <p:cond delay="1000"/>
                             </p:stCondLst>
                             <p:childTnLst>
                               <p:par>
-                                <p:cTn id="30" presetID="9" presetClass="entr" presetSubtype="0" fill="hold" grpId="0" nodeType="afterEffect">
+                                <p:cTn id="29" presetID="9" presetClass="entr" presetSubtype="0" fill="hold" grpId="0" nodeType="afterEffect">
                                   <p:stCondLst>
                                     <p:cond delay="0"/>
                                   </p:stCondLst>
                                   <p:childTnLst>
                                     <p:set>
                                       <p:cBhvr>
-                                        <p:cTn id="31" dur="1" fill="hold">
+                                        <p:cTn id="30" dur="1" fill="hold">
                                           <p:stCondLst>
                                             <p:cond delay="0"/>
                                           </p:stCondLst>
@@ -11261,7 +11143,7 @@
                                     </p:set>
                                     <p:animEffect transition="in" filter="dissolve">
                                       <p:cBhvr>
-                                        <p:cTn id="32" dur="1000"/>
+                                        <p:cTn id="31" dur="1000"/>
                                         <p:tgtEl>
                                           <p:spTgt spid="8"/>
                                         </p:tgtEl>
@@ -11401,7 +11283,7 @@
           <a:graphicData uri="http://schemas.openxmlformats.org/presentationml/2006/ole">
             <mc:AlternateContent xmlns:mc="http://schemas.openxmlformats.org/markup-compatibility/2006">
               <mc:Choice xmlns:v="urn:schemas-microsoft-com:vml" Requires="v">
-                <p:oleObj spid="_x0000_s490502" name="Equation" r:id="rId5" imgW="1790700" imgH="482600" progId="Equation.DSMT4">
+                <p:oleObj spid="_x0000_s490513" name="Equation" r:id="rId5" imgW="1790700" imgH="482600" progId="Equation.DSMT4">
                   <p:embed/>
                 </p:oleObj>
               </mc:Choice>
@@ -17536,7 +17418,7 @@
           <a:graphicData uri="http://schemas.openxmlformats.org/presentationml/2006/ole">
             <mc:AlternateContent xmlns:mc="http://schemas.openxmlformats.org/markup-compatibility/2006">
               <mc:Choice xmlns:v="urn:schemas-microsoft-com:vml" Requires="v">
-                <p:oleObj spid="_x0000_s491526" name="Equation" r:id="rId5" imgW="1816100" imgH="482600" progId="Equation.DSMT4">
+                <p:oleObj spid="_x0000_s491537" name="Equation" r:id="rId5" imgW="1816100" imgH="482600" progId="Equation.DSMT4">
                   <p:embed/>
                 </p:oleObj>
               </mc:Choice>
@@ -20027,7 +19909,7 @@
           <a:graphicData uri="http://schemas.openxmlformats.org/presentationml/2006/ole">
             <mc:AlternateContent xmlns:mc="http://schemas.openxmlformats.org/markup-compatibility/2006">
               <mc:Choice xmlns:v="urn:schemas-microsoft-com:vml" Requires="v">
-                <p:oleObj spid="_x0000_s492556" name="Equation" r:id="rId5" imgW="2273300" imgH="482600" progId="Equation.DSMT4">
+                <p:oleObj spid="_x0000_s492587" name="Equation" r:id="rId5" imgW="2273300" imgH="482600" progId="Equation.DSMT4">
                   <p:embed/>
                 </p:oleObj>
               </mc:Choice>
@@ -20084,7 +19966,7 @@
           <a:graphicData uri="http://schemas.openxmlformats.org/presentationml/2006/ole">
             <mc:AlternateContent xmlns:mc="http://schemas.openxmlformats.org/markup-compatibility/2006">
               <mc:Choice xmlns:v="urn:schemas-microsoft-com:vml" Requires="v">
-                <p:oleObj spid="_x0000_s492557" name="Equation" r:id="rId7" imgW="571500" imgH="241300" progId="Equation.DSMT4">
+                <p:oleObj spid="_x0000_s492588" name="Equation" r:id="rId7" imgW="571500" imgH="241300" progId="Equation.DSMT4">
                   <p:embed/>
                 </p:oleObj>
               </mc:Choice>
@@ -20166,7 +20048,7 @@
           <a:graphicData uri="http://schemas.openxmlformats.org/presentationml/2006/ole">
             <mc:AlternateContent xmlns:mc="http://schemas.openxmlformats.org/markup-compatibility/2006">
               <mc:Choice xmlns:v="urn:schemas-microsoft-com:vml" Requires="v">
-                <p:oleObj spid="_x0000_s492558" name="Equation" r:id="rId9" imgW="2476500" imgH="482600" progId="Equation.DSMT4">
+                <p:oleObj spid="_x0000_s492589" name="Equation" r:id="rId9" imgW="2476500" imgH="482600" progId="Equation.DSMT4">
                   <p:embed/>
                 </p:oleObj>
               </mc:Choice>
@@ -21776,8 +21658,8 @@
         </p:nvSpPr>
         <p:spPr>
           <a:xfrm>
-            <a:off x="152400" y="1219200"/>
-            <a:ext cx="8991600" cy="5334000"/>
+            <a:off x="76200" y="1600200"/>
+            <a:ext cx="9067800" cy="4495800"/>
           </a:xfrm>
         </p:spPr>
         <p:txBody>
@@ -21786,55 +21668,44 @@
           <a:p>
             <a:pPr eaLnBrk="1" hangingPunct="1"/>
             <a:r>
-              <a:rPr lang="en-US" sz="4800" dirty="0" smtClean="0"/>
-              <a:t>Estimate </a:t>
-            </a:r>
-            <a:r>
-              <a:rPr lang="en-US" sz="4800" dirty="0" err="1" smtClean="0">
+              <a:rPr lang="en-US" sz="4800" dirty="0">
                 <a:solidFill>
                   <a:srgbClr val="DA0000"/>
                 </a:solidFill>
               </a:rPr>
-              <a:t>coliform</a:t>
-            </a:r>
-            <a:r>
-              <a:rPr lang="en-US" sz="4800" dirty="0" smtClean="0">
-                <a:solidFill>
-                  <a:srgbClr val="DA0000"/>
-                </a:solidFill>
-              </a:rPr>
-              <a:t> count</a:t>
+              <a:t>coliform count </a:t>
+            </a:r>
+            <a:r>
+              <a:rPr lang="en-US" sz="4800" dirty="0"/>
+              <a:t>in Charles River</a:t>
             </a:r>
           </a:p>
           <a:p>
             <a:pPr eaLnBrk="1" hangingPunct="1"/>
             <a:r>
               <a:rPr lang="en-US" sz="4800" dirty="0" smtClean="0"/>
-              <a:t>in Charles River.  </a:t>
+              <a:t>for swimming</a:t>
             </a:r>
           </a:p>
           <a:p>
             <a:pPr eaLnBrk="1" hangingPunct="1"/>
             <a:r>
               <a:rPr lang="en-US" sz="4800" dirty="0" smtClean="0"/>
-              <a:t>Many test stations on river.  </a:t>
-            </a:r>
-          </a:p>
-          <a:p>
-            <a:pPr eaLnBrk="1" hangingPunct="1"/>
+              <a:t>EPA requires</a:t>
+            </a:r>
+          </a:p>
+          <a:p>
+            <a:pPr algn="ctr" eaLnBrk="1" hangingPunct="1"/>
             <a:r>
               <a:rPr lang="en-US" sz="4800" dirty="0" smtClean="0"/>
-              <a:t>EPA requires their average</a:t>
-            </a:r>
-          </a:p>
-          <a:p>
-            <a:pPr eaLnBrk="1" hangingPunct="1"/>
-            <a:r>
-              <a:rPr lang="en-US" sz="4800" dirty="0" smtClean="0"/>
-              <a:t>         CMD </a:t>
-            </a:r>
-            <a:r>
-              <a:rPr lang="en-US" sz="4800" b="1" dirty="0" smtClean="0">
+              <a:t>average </a:t>
+            </a:r>
+            <a:r>
+              <a:rPr lang="en-US" sz="4800" dirty="0"/>
+              <a:t>CMD </a:t>
+            </a:r>
+            <a:r>
+              <a:rPr lang="en-US" sz="4800" b="1" dirty="0">
                 <a:solidFill>
                   <a:srgbClr val="006600"/>
                 </a:solidFill>
@@ -21844,32 +21715,37 @@
               <a:t>&lt;</a:t>
             </a:r>
             <a:r>
+              <a:rPr lang="en-US" sz="4800" dirty="0">
+                <a:solidFill>
+                  <a:srgbClr val="006600"/>
+                </a:solidFill>
+              </a:rPr>
+              <a:t> </a:t>
+            </a:r>
+            <a:r>
               <a:rPr lang="en-US" sz="4800" dirty="0" smtClean="0">
                 <a:solidFill>
                   <a:srgbClr val="006600"/>
                 </a:solidFill>
               </a:rPr>
-              <a:t> 200</a:t>
-            </a:r>
+              <a:t>200</a:t>
+            </a:r>
+          </a:p>
+          <a:p>
+            <a:pPr algn="ctr" eaLnBrk="1" hangingPunct="1"/>
             <a:r>
               <a:rPr lang="en-US" sz="4800" dirty="0" smtClean="0"/>
-              <a:t>:</a:t>
-            </a:r>
-          </a:p>
-          <a:p>
-            <a:pPr eaLnBrk="1" hangingPunct="1"/>
-            <a:r>
-              <a:rPr lang="en-US" dirty="0" smtClean="0"/>
               <a:t>(</a:t>
             </a:r>
             <a:r>
-              <a:rPr lang="en-US" dirty="0" err="1" smtClean="0"/>
-              <a:t>Coliform</a:t>
-            </a:r>
-            <a:r>
-              <a:rPr lang="en-US" dirty="0" smtClean="0"/>
-              <a:t> Microbial Density)</a:t>
-            </a:r>
+              <a:rPr lang="en-US" sz="4800" dirty="0"/>
+              <a:t>Coliform Microbial Density</a:t>
+            </a:r>
+            <a:r>
+              <a:rPr lang="en-US" sz="4800" dirty="0" smtClean="0"/>
+              <a:t>)</a:t>
+            </a:r>
+            <a:endParaRPr lang="en-US" sz="4800" dirty="0"/>
           </a:p>
         </p:txBody>
       </p:sp>
@@ -21917,7 +21793,7 @@
         </p:blipFill>
         <p:spPr>
           <a:xfrm>
-            <a:off x="7162800" y="762000"/>
+            <a:off x="7162800" y="152400"/>
             <a:ext cx="1587500" cy="1193800"/>
           </a:xfrm>
           <a:prstGeom prst="rect">
@@ -21941,7 +21817,7 @@
         </p:blipFill>
         <p:spPr>
           <a:xfrm>
-            <a:off x="6400800" y="4648200"/>
+            <a:off x="4572000" y="2438400"/>
             <a:ext cx="1193800" cy="1193800"/>
           </a:xfrm>
           <a:prstGeom prst="rect">
@@ -21978,6 +21854,9 @@
                     <p:cTn id="3" fill="hold">
                       <p:stCondLst>
                         <p:cond delay="indefinite"/>
+                        <p:cond evt="onBegin" delay="0">
+                          <p:tn val="2"/>
+                        </p:cond>
                       </p:stCondLst>
                       <p:childTnLst>
                         <p:par>
@@ -21987,7 +21866,7 @@
                             </p:stCondLst>
                             <p:childTnLst>
                               <p:par>
-                                <p:cTn id="5" presetID="10" presetClass="entr" presetSubtype="0" fill="hold" grpId="0" nodeType="clickEffect">
+                                <p:cTn id="5" presetID="2" presetClass="entr" presetSubtype="2" accel="50000" decel="50000" fill="hold" nodeType="afterEffect">
                                   <p:stCondLst>
                                     <p:cond delay="0"/>
                                   </p:stCondLst>
@@ -21995,101 +21874,6 @@
                                     <p:set>
                                       <p:cBhvr>
                                         <p:cTn id="6" dur="1" fill="hold">
-                                          <p:stCondLst>
-                                            <p:cond delay="0"/>
-                                          </p:stCondLst>
-                                        </p:cTn>
-                                        <p:tgtEl>
-                                          <p:spTgt spid="177154">
-                                            <p:txEl>
-                                              <p:pRg st="0" end="0"/>
-                                            </p:txEl>
-                                          </p:spTgt>
-                                        </p:tgtEl>
-                                        <p:attrNameLst>
-                                          <p:attrName>style.visibility</p:attrName>
-                                        </p:attrNameLst>
-                                      </p:cBhvr>
-                                      <p:to>
-                                        <p:strVal val="visible"/>
-                                      </p:to>
-                                    </p:set>
-                                    <p:animEffect transition="in" filter="fade">
-                                      <p:cBhvr>
-                                        <p:cTn id="7" dur="500"/>
-                                        <p:tgtEl>
-                                          <p:spTgt spid="177154">
-                                            <p:txEl>
-                                              <p:pRg st="0" end="0"/>
-                                            </p:txEl>
-                                          </p:spTgt>
-                                        </p:tgtEl>
-                                      </p:cBhvr>
-                                    </p:animEffect>
-                                  </p:childTnLst>
-                                </p:cTn>
-                              </p:par>
-                              <p:par>
-                                <p:cTn id="8" presetID="10" presetClass="entr" presetSubtype="0" fill="hold" grpId="0" nodeType="withEffect">
-                                  <p:stCondLst>
-                                    <p:cond delay="0"/>
-                                  </p:stCondLst>
-                                  <p:childTnLst>
-                                    <p:set>
-                                      <p:cBhvr>
-                                        <p:cTn id="9" dur="1" fill="hold">
-                                          <p:stCondLst>
-                                            <p:cond delay="0"/>
-                                          </p:stCondLst>
-                                        </p:cTn>
-                                        <p:tgtEl>
-                                          <p:spTgt spid="177154">
-                                            <p:txEl>
-                                              <p:pRg st="1" end="1"/>
-                                            </p:txEl>
-                                          </p:spTgt>
-                                        </p:tgtEl>
-                                        <p:attrNameLst>
-                                          <p:attrName>style.visibility</p:attrName>
-                                        </p:attrNameLst>
-                                      </p:cBhvr>
-                                      <p:to>
-                                        <p:strVal val="visible"/>
-                                      </p:to>
-                                    </p:set>
-                                    <p:animEffect transition="in" filter="fade">
-                                      <p:cBhvr>
-                                        <p:cTn id="10" dur="500"/>
-                                        <p:tgtEl>
-                                          <p:spTgt spid="177154">
-                                            <p:txEl>
-                                              <p:pRg st="1" end="1"/>
-                                            </p:txEl>
-                                          </p:spTgt>
-                                        </p:tgtEl>
-                                      </p:cBhvr>
-                                    </p:animEffect>
-                                  </p:childTnLst>
-                                </p:cTn>
-                              </p:par>
-                            </p:childTnLst>
-                          </p:cTn>
-                        </p:par>
-                        <p:par>
-                          <p:cTn id="11" fill="hold">
-                            <p:stCondLst>
-                              <p:cond delay="500"/>
-                            </p:stCondLst>
-                            <p:childTnLst>
-                              <p:par>
-                                <p:cTn id="12" presetID="2" presetClass="entr" presetSubtype="2" accel="50000" decel="50000" fill="hold" nodeType="afterEffect">
-                                  <p:stCondLst>
-                                    <p:cond delay="0"/>
-                                  </p:stCondLst>
-                                  <p:childTnLst>
-                                    <p:set>
-                                      <p:cBhvr>
-                                        <p:cTn id="13" dur="1" fill="hold">
                                           <p:stCondLst>
                                             <p:cond delay="0"/>
                                           </p:stCondLst>
@@ -22107,7 +21891,7 @@
                                     </p:set>
                                     <p:anim calcmode="lin" valueType="num">
                                       <p:cBhvr additive="base">
-                                        <p:cTn id="14" dur="1000" fill="hold"/>
+                                        <p:cTn id="7" dur="500" fill="hold"/>
                                         <p:tgtEl>
                                           <p:spTgt spid="6"/>
                                         </p:tgtEl>
@@ -22130,7 +21914,7 @@
                                     </p:anim>
                                     <p:anim calcmode="lin" valueType="num">
                                       <p:cBhvr additive="base">
-                                        <p:cTn id="15" dur="1000" fill="hold"/>
+                                        <p:cTn id="8" dur="500" fill="hold"/>
                                         <p:tgtEl>
                                           <p:spTgt spid="6"/>
                                         </p:tgtEl>
@@ -22157,30 +21941,74 @@
                             </p:childTnLst>
                           </p:cTn>
                         </p:par>
-                      </p:childTnLst>
-                    </p:cTn>
-                  </p:par>
-                  <p:par>
-                    <p:cTn id="16" fill="hold">
-                      <p:stCondLst>
-                        <p:cond delay="indefinite"/>
-                      </p:stCondLst>
-                      <p:childTnLst>
                         <p:par>
-                          <p:cTn id="17" fill="hold">
+                          <p:cTn id="9" fill="hold">
                             <p:stCondLst>
-                              <p:cond delay="0"/>
+                              <p:cond delay="500"/>
                             </p:stCondLst>
                             <p:childTnLst>
                               <p:par>
-                                <p:cTn id="18" presetID="10" presetClass="entr" presetSubtype="0" fill="hold" grpId="0" nodeType="clickEffect">
+                                <p:cTn id="10" presetID="10" presetClass="entr" presetSubtype="0" fill="hold" nodeType="afterEffect">
                                   <p:stCondLst>
                                     <p:cond delay="0"/>
                                   </p:stCondLst>
                                   <p:childTnLst>
                                     <p:set>
                                       <p:cBhvr>
-                                        <p:cTn id="19" dur="1" fill="hold">
+                                        <p:cTn id="11" dur="1" fill="hold">
+                                          <p:stCondLst>
+                                            <p:cond delay="0"/>
+                                          </p:stCondLst>
+                                        </p:cTn>
+                                        <p:tgtEl>
+                                          <p:spTgt spid="7"/>
+                                        </p:tgtEl>
+                                        <p:attrNameLst>
+                                          <p:attrName>style.visibility</p:attrName>
+                                        </p:attrNameLst>
+                                      </p:cBhvr>
+                                      <p:to>
+                                        <p:strVal val="visible"/>
+                                      </p:to>
+                                    </p:set>
+                                    <p:animEffect transition="in" filter="fade">
+                                      <p:cBhvr>
+                                        <p:cTn id="12" dur="500"/>
+                                        <p:tgtEl>
+                                          <p:spTgt spid="7"/>
+                                        </p:tgtEl>
+                                      </p:cBhvr>
+                                    </p:animEffect>
+                                  </p:childTnLst>
+                                </p:cTn>
+                              </p:par>
+                            </p:childTnLst>
+                          </p:cTn>
+                        </p:par>
+                      </p:childTnLst>
+                    </p:cTn>
+                  </p:par>
+                  <p:par>
+                    <p:cTn id="13" fill="hold">
+                      <p:stCondLst>
+                        <p:cond delay="indefinite"/>
+                      </p:stCondLst>
+                      <p:childTnLst>
+                        <p:par>
+                          <p:cTn id="14" fill="hold">
+                            <p:stCondLst>
+                              <p:cond delay="0"/>
+                            </p:stCondLst>
+                            <p:childTnLst>
+                              <p:par>
+                                <p:cTn id="15" presetID="10" presetClass="entr" presetSubtype="0" fill="hold" grpId="0" nodeType="clickEffect">
+                                  <p:stCondLst>
+                                    <p:cond delay="0"/>
+                                  </p:stCondLst>
+                                  <p:childTnLst>
+                                    <p:set>
+                                      <p:cBhvr>
+                                        <p:cTn id="16" dur="1" fill="hold">
                                           <p:stCondLst>
                                             <p:cond delay="0"/>
                                           </p:stCondLst>
@@ -22202,7 +22030,7 @@
                                     </p:set>
                                     <p:animEffect transition="in" filter="fade">
                                       <p:cBhvr>
-                                        <p:cTn id="20" dur="500"/>
+                                        <p:cTn id="17" dur="500"/>
                                         <p:tgtEl>
                                           <p:spTgt spid="177154">
                                             <p:txEl>
@@ -22218,30 +22046,21 @@
                             </p:childTnLst>
                           </p:cTn>
                         </p:par>
-                      </p:childTnLst>
-                    </p:cTn>
-                  </p:par>
-                  <p:par>
-                    <p:cTn id="21" fill="hold">
-                      <p:stCondLst>
-                        <p:cond delay="indefinite"/>
-                      </p:stCondLst>
-                      <p:childTnLst>
                         <p:par>
-                          <p:cTn id="22" fill="hold">
+                          <p:cTn id="18" fill="hold">
                             <p:stCondLst>
-                              <p:cond delay="0"/>
+                              <p:cond delay="500"/>
                             </p:stCondLst>
                             <p:childTnLst>
                               <p:par>
-                                <p:cTn id="23" presetID="10" presetClass="entr" presetSubtype="0" fill="hold" grpId="0" nodeType="clickEffect">
+                                <p:cTn id="19" presetID="10" presetClass="entr" presetSubtype="0" fill="hold" grpId="0" nodeType="afterEffect">
                                   <p:stCondLst>
                                     <p:cond delay="0"/>
                                   </p:stCondLst>
                                   <p:childTnLst>
                                     <p:set>
                                       <p:cBhvr>
-                                        <p:cTn id="24" dur="1" fill="hold">
+                                        <p:cTn id="20" dur="1" fill="hold">
                                           <p:stCondLst>
                                             <p:cond delay="0"/>
                                           </p:stCondLst>
@@ -22263,7 +22082,7 @@
                                     </p:set>
                                     <p:animEffect transition="in" filter="fade">
                                       <p:cBhvr>
-                                        <p:cTn id="25" dur="500"/>
+                                        <p:cTn id="21" dur="500"/>
                                         <p:tgtEl>
                                           <p:spTgt spid="177154">
                                             <p:txEl>
@@ -22276,15 +22095,33 @@
                                   </p:childTnLst>
                                 </p:cTn>
                               </p:par>
+                            </p:childTnLst>
+                          </p:cTn>
+                        </p:par>
+                      </p:childTnLst>
+                    </p:cTn>
+                  </p:par>
+                  <p:par>
+                    <p:cTn id="22" fill="hold">
+                      <p:stCondLst>
+                        <p:cond delay="indefinite"/>
+                      </p:stCondLst>
+                      <p:childTnLst>
+                        <p:par>
+                          <p:cTn id="23" fill="hold">
+                            <p:stCondLst>
+                              <p:cond delay="0"/>
+                            </p:stCondLst>
+                            <p:childTnLst>
                               <p:par>
-                                <p:cTn id="26" presetID="10" presetClass="entr" presetSubtype="0" fill="hold" grpId="0" nodeType="withEffect">
+                                <p:cTn id="24" presetID="10" presetClass="entr" presetSubtype="0" fill="hold" grpId="0" nodeType="clickEffect">
                                   <p:stCondLst>
                                     <p:cond delay="0"/>
                                   </p:stCondLst>
                                   <p:childTnLst>
                                     <p:set>
                                       <p:cBhvr>
-                                        <p:cTn id="27" dur="1" fill="hold">
+                                        <p:cTn id="25" dur="1" fill="hold">
                                           <p:stCondLst>
                                             <p:cond delay="0"/>
                                           </p:stCondLst>
@@ -22306,118 +22143,13 @@
                                     </p:set>
                                     <p:animEffect transition="in" filter="fade">
                                       <p:cBhvr>
-                                        <p:cTn id="28" dur="500"/>
+                                        <p:cTn id="26" dur="500"/>
                                         <p:tgtEl>
                                           <p:spTgt spid="177154">
                                             <p:txEl>
                                               <p:pRg st="4" end="4"/>
                                             </p:txEl>
                                           </p:spTgt>
-                                        </p:tgtEl>
-                                      </p:cBhvr>
-                                    </p:animEffect>
-                                  </p:childTnLst>
-                                </p:cTn>
-                              </p:par>
-                            </p:childTnLst>
-                          </p:cTn>
-                        </p:par>
-                      </p:childTnLst>
-                    </p:cTn>
-                  </p:par>
-                  <p:par>
-                    <p:cTn id="29" fill="hold">
-                      <p:stCondLst>
-                        <p:cond delay="indefinite"/>
-                      </p:stCondLst>
-                      <p:childTnLst>
-                        <p:par>
-                          <p:cTn id="30" fill="hold">
-                            <p:stCondLst>
-                              <p:cond delay="0"/>
-                            </p:stCondLst>
-                            <p:childTnLst>
-                              <p:par>
-                                <p:cTn id="31" presetID="10" presetClass="entr" presetSubtype="0" fill="hold" grpId="0" nodeType="clickEffect">
-                                  <p:stCondLst>
-                                    <p:cond delay="0"/>
-                                  </p:stCondLst>
-                                  <p:childTnLst>
-                                    <p:set>
-                                      <p:cBhvr>
-                                        <p:cTn id="32" dur="1" fill="hold">
-                                          <p:stCondLst>
-                                            <p:cond delay="0"/>
-                                          </p:stCondLst>
-                                        </p:cTn>
-                                        <p:tgtEl>
-                                          <p:spTgt spid="177154">
-                                            <p:txEl>
-                                              <p:pRg st="5" end="5"/>
-                                            </p:txEl>
-                                          </p:spTgt>
-                                        </p:tgtEl>
-                                        <p:attrNameLst>
-                                          <p:attrName>style.visibility</p:attrName>
-                                        </p:attrNameLst>
-                                      </p:cBhvr>
-                                      <p:to>
-                                        <p:strVal val="visible"/>
-                                      </p:to>
-                                    </p:set>
-                                    <p:animEffect transition="in" filter="fade">
-                                      <p:cBhvr>
-                                        <p:cTn id="33" dur="500"/>
-                                        <p:tgtEl>
-                                          <p:spTgt spid="177154">
-                                            <p:txEl>
-                                              <p:pRg st="5" end="5"/>
-                                            </p:txEl>
-                                          </p:spTgt>
-                                        </p:tgtEl>
-                                      </p:cBhvr>
-                                    </p:animEffect>
-                                  </p:childTnLst>
-                                </p:cTn>
-                              </p:par>
-                            </p:childTnLst>
-                          </p:cTn>
-                        </p:par>
-                        <p:par>
-                          <p:cTn id="34" fill="hold">
-                            <p:stCondLst>
-                              <p:cond delay="500"/>
-                            </p:stCondLst>
-                            <p:childTnLst>
-                              <p:par>
-                                <p:cTn id="35" presetID="10" presetClass="entr" presetSubtype="0" fill="hold" nodeType="afterEffect">
-                                  <p:stCondLst>
-                                    <p:cond delay="0"/>
-                                  </p:stCondLst>
-                                  <p:childTnLst>
-                                    <p:set>
-                                      <p:cBhvr>
-                                        <p:cTn id="36" dur="1" fill="hold">
-                                          <p:stCondLst>
-                                            <p:cond delay="0"/>
-                                          </p:stCondLst>
-                                        </p:cTn>
-                                        <p:tgtEl>
-                                          <p:spTgt spid="7"/>
-                                        </p:tgtEl>
-                                        <p:attrNameLst>
-                                          <p:attrName>style.visibility</p:attrName>
-                                        </p:attrNameLst>
-                                      </p:cBhvr>
-                                      <p:to>
-                                        <p:strVal val="visible"/>
-                                      </p:to>
-                                    </p:set>
-                                    <p:animEffect transition="in" filter="fade">
-                                      <p:cBhvr>
-                                        <p:cTn id="37" dur="500"/>
-                                        <p:tgtEl>
-                                          <p:spTgt spid="7"/>
                                         </p:tgtEl>
                                       </p:cBhvr>
                                     </p:animEffect>
@@ -22740,7 +22472,7 @@
         <p:spPr>
           <a:xfrm>
             <a:off x="152400" y="1143000"/>
-            <a:ext cx="8686800" cy="5029200"/>
+            <a:ext cx="8839200" cy="5029200"/>
           </a:xfrm>
         </p:spPr>
         <p:txBody>
@@ -22867,18 +22599,10 @@
             <a:r>
               <a:rPr lang="en-US" sz="5400" dirty="0" smtClean="0">
                 <a:solidFill>
-                  <a:srgbClr val="000000"/>
+                  <a:srgbClr val="FF4519"/>
                 </a:solidFill>
               </a:rPr>
-              <a:t>over </a:t>
-            </a:r>
-            <a:r>
-              <a:rPr lang="en-US" sz="5400" dirty="0" smtClean="0">
-                <a:solidFill>
-                  <a:srgbClr val="800F6F"/>
-                </a:solidFill>
-              </a:rPr>
-              <a:t>all</a:t>
+              <a:t>in whole river</a:t>
             </a:r>
             <a:r>
               <a:rPr lang="en-US" sz="5400" dirty="0" smtClean="0">
@@ -22886,7 +22610,15 @@
                   <a:srgbClr val="000000"/>
                 </a:solidFill>
               </a:rPr>
-              <a:t> stations is </a:t>
+              <a:t> </a:t>
+            </a:r>
+            <a:r>
+              <a:rPr lang="en-US" sz="5400" dirty="0" smtClean="0">
+                <a:solidFill>
+                  <a:srgbClr val="000000"/>
+                </a:solidFill>
+              </a:rPr>
+              <a:t>is </a:t>
             </a:r>
             <a:r>
               <a:rPr lang="en-US" sz="5400" b="1" dirty="0" smtClean="0">
@@ -22911,14 +22643,6 @@
               <a:t>?</a:t>
             </a:r>
             <a:endParaRPr lang="en-US" sz="5400" dirty="0" smtClean="0">
-              <a:solidFill>
-                <a:srgbClr val="000000"/>
-              </a:solidFill>
-            </a:endParaRPr>
-          </a:p>
-          <a:p>
-            <a:pPr eaLnBrk="1" hangingPunct="1"/>
-            <a:endParaRPr lang="en-US" sz="7200" dirty="0" smtClean="0">
               <a:solidFill>
                 <a:srgbClr val="000000"/>
               </a:solidFill>
@@ -22955,9 +22679,18 @@
   <p:clrMapOvr>
     <a:masterClrMapping/>
   </p:clrMapOvr>
-  <p:transition xmlns:p14="http://schemas.microsoft.com/office/powerpoint/2010/main" spd="med">
-    <p:fade/>
-  </p:transition>
+  <mc:AlternateContent xmlns:mc="http://schemas.openxmlformats.org/markup-compatibility/2006">
+    <mc:Choice xmlns:p14="http://schemas.microsoft.com/office/powerpoint/2010/main" Requires="p14">
+      <p:transition spd="med" p14:dur="550">
+        <p:fade/>
+      </p:transition>
+    </mc:Choice>
+    <mc:Fallback>
+      <p:transition xmlns:p14="http://schemas.microsoft.com/office/powerpoint/2010/main" spd="med">
+        <p:fade/>
+      </p:transition>
+    </mc:Fallback>
+  </mc:AlternateContent>
   <p:timing>
     <p:tnLst>
       <p:par>
@@ -22970,9 +22703,6 @@
                     <p:cTn id="3" fill="hold">
                       <p:stCondLst>
                         <p:cond delay="indefinite"/>
-                        <p:cond evt="onBegin" delay="0">
-                          <p:tn val="2"/>
-                        </p:cond>
                       </p:stCondLst>
                       <p:childTnLst>
                         <p:par>
@@ -22982,7 +22712,7 @@
                             </p:stCondLst>
                             <p:childTnLst>
                               <p:par>
-                                <p:cTn id="5" presetID="9" presetClass="entr" presetSubtype="0" fill="hold" grpId="0" nodeType="withEffect">
+                                <p:cTn id="5" presetID="9" presetClass="entr" presetSubtype="0" fill="hold" grpId="0" nodeType="clickEffect">
                                   <p:stCondLst>
                                     <p:cond delay="0"/>
                                   </p:stCondLst>
@@ -22997,7 +22727,7 @@
                                         <p:tgtEl>
                                           <p:spTgt spid="28676">
                                             <p:txEl>
-                                              <p:pRg st="0" end="0"/>
+                                              <p:pRg st="3" end="3"/>
                                             </p:txEl>
                                           </p:spTgt>
                                         </p:tgtEl>
@@ -23015,7 +22745,7 @@
                                         <p:tgtEl>
                                           <p:spTgt spid="28676">
                                             <p:txEl>
-                                              <p:pRg st="0" end="0"/>
+                                              <p:pRg st="3" end="3"/>
                                             </p:txEl>
                                           </p:spTgt>
                                         </p:tgtEl>
@@ -23040,7 +22770,7 @@
                                         <p:tgtEl>
                                           <p:spTgt spid="28676">
                                             <p:txEl>
-                                              <p:pRg st="1" end="1"/>
+                                              <p:pRg st="4" end="4"/>
                                             </p:txEl>
                                           </p:spTgt>
                                         </p:tgtEl>
@@ -23055,153 +22785,6 @@
                                     <p:animEffect transition="in" filter="dissolve">
                                       <p:cBhvr>
                                         <p:cTn id="10" dur="500"/>
-                                        <p:tgtEl>
-                                          <p:spTgt spid="28676">
-                                            <p:txEl>
-                                              <p:pRg st="1" end="1"/>
-                                            </p:txEl>
-                                          </p:spTgt>
-                                        </p:tgtEl>
-                                      </p:cBhvr>
-                                    </p:animEffect>
-                                  </p:childTnLst>
-                                </p:cTn>
-                              </p:par>
-                              <p:par>
-                                <p:cTn id="11" presetID="9" presetClass="entr" presetSubtype="0" fill="hold" grpId="0" nodeType="withEffect">
-                                  <p:stCondLst>
-                                    <p:cond delay="0"/>
-                                  </p:stCondLst>
-                                  <p:childTnLst>
-                                    <p:set>
-                                      <p:cBhvr>
-                                        <p:cTn id="12" dur="1" fill="hold">
-                                          <p:stCondLst>
-                                            <p:cond delay="0"/>
-                                          </p:stCondLst>
-                                        </p:cTn>
-                                        <p:tgtEl>
-                                          <p:spTgt spid="28676">
-                                            <p:txEl>
-                                              <p:pRg st="2" end="2"/>
-                                            </p:txEl>
-                                          </p:spTgt>
-                                        </p:tgtEl>
-                                        <p:attrNameLst>
-                                          <p:attrName>style.visibility</p:attrName>
-                                        </p:attrNameLst>
-                                      </p:cBhvr>
-                                      <p:to>
-                                        <p:strVal val="visible"/>
-                                      </p:to>
-                                    </p:set>
-                                    <p:animEffect transition="in" filter="dissolve">
-                                      <p:cBhvr>
-                                        <p:cTn id="13" dur="500"/>
-                                        <p:tgtEl>
-                                          <p:spTgt spid="28676">
-                                            <p:txEl>
-                                              <p:pRg st="2" end="2"/>
-                                            </p:txEl>
-                                          </p:spTgt>
-                                        </p:tgtEl>
-                                      </p:cBhvr>
-                                    </p:animEffect>
-                                  </p:childTnLst>
-                                </p:cTn>
-                              </p:par>
-                            </p:childTnLst>
-                          </p:cTn>
-                        </p:par>
-                      </p:childTnLst>
-                    </p:cTn>
-                  </p:par>
-                  <p:par>
-                    <p:cTn id="14" fill="hold">
-                      <p:stCondLst>
-                        <p:cond delay="indefinite"/>
-                      </p:stCondLst>
-                      <p:childTnLst>
-                        <p:par>
-                          <p:cTn id="15" fill="hold">
-                            <p:stCondLst>
-                              <p:cond delay="0"/>
-                            </p:stCondLst>
-                            <p:childTnLst>
-                              <p:par>
-                                <p:cTn id="16" presetID="9" presetClass="entr" presetSubtype="0" fill="hold" grpId="0" nodeType="clickEffect">
-                                  <p:stCondLst>
-                                    <p:cond delay="0"/>
-                                  </p:stCondLst>
-                                  <p:childTnLst>
-                                    <p:set>
-                                      <p:cBhvr>
-                                        <p:cTn id="17" dur="1" fill="hold">
-                                          <p:stCondLst>
-                                            <p:cond delay="0"/>
-                                          </p:stCondLst>
-                                        </p:cTn>
-                                        <p:tgtEl>
-                                          <p:spTgt spid="28676">
-                                            <p:txEl>
-                                              <p:pRg st="3" end="3"/>
-                                            </p:txEl>
-                                          </p:spTgt>
-                                        </p:tgtEl>
-                                        <p:attrNameLst>
-                                          <p:attrName>style.visibility</p:attrName>
-                                        </p:attrNameLst>
-                                      </p:cBhvr>
-                                      <p:to>
-                                        <p:strVal val="visible"/>
-                                      </p:to>
-                                    </p:set>
-                                    <p:animEffect transition="in" filter="dissolve">
-                                      <p:cBhvr>
-                                        <p:cTn id="18" dur="500"/>
-                                        <p:tgtEl>
-                                          <p:spTgt spid="28676">
-                                            <p:txEl>
-                                              <p:pRg st="3" end="3"/>
-                                            </p:txEl>
-                                          </p:spTgt>
-                                        </p:tgtEl>
-                                      </p:cBhvr>
-                                    </p:animEffect>
-                                  </p:childTnLst>
-                                </p:cTn>
-                              </p:par>
-                              <p:par>
-                                <p:cTn id="19" presetID="9" presetClass="entr" presetSubtype="0" fill="hold" grpId="0" nodeType="withEffect">
-                                  <p:stCondLst>
-                                    <p:cond delay="0"/>
-                                  </p:stCondLst>
-                                  <p:childTnLst>
-                                    <p:set>
-                                      <p:cBhvr>
-                                        <p:cTn id="20" dur="1" fill="hold">
-                                          <p:stCondLst>
-                                            <p:cond delay="0"/>
-                                          </p:stCondLst>
-                                        </p:cTn>
-                                        <p:tgtEl>
-                                          <p:spTgt spid="28676">
-                                            <p:txEl>
-                                              <p:pRg st="4" end="4"/>
-                                            </p:txEl>
-                                          </p:spTgt>
-                                        </p:tgtEl>
-                                        <p:attrNameLst>
-                                          <p:attrName>style.visibility</p:attrName>
-                                        </p:attrNameLst>
-                                      </p:cBhvr>
-                                      <p:to>
-                                        <p:strVal val="visible"/>
-                                      </p:to>
-                                    </p:set>
-                                    <p:animEffect transition="in" filter="dissolve">
-                                      <p:cBhvr>
-                                        <p:cTn id="21" dur="500"/>
                                         <p:tgtEl>
                                           <p:spTgt spid="28676">
                                             <p:txEl>
@@ -23353,15 +22936,7 @@
             <a:pPr eaLnBrk="1" hangingPunct="1"/>
             <a:r>
               <a:rPr lang="en-US" sz="5400" dirty="0" smtClean="0"/>
-              <a:t>That </a:t>
-            </a:r>
-            <a:r>
-              <a:rPr lang="en-US" sz="5400" smtClean="0"/>
-              <a:t>is, convince </a:t>
-            </a:r>
-            <a:r>
-              <a:rPr lang="en-US" sz="5400" dirty="0" smtClean="0"/>
-              <a:t>EPA that</a:t>
+              <a:t>That is, convince EPA that</a:t>
             </a:r>
             <a:r>
               <a:rPr lang="en-US" sz="5400" dirty="0" smtClean="0">
@@ -23381,7 +22956,15 @@
             </a:r>
             <a:r>
               <a:rPr lang="en-US" sz="5400" dirty="0" smtClean="0"/>
-              <a:t> estimate</a:t>
+              <a:t> </a:t>
+            </a:r>
+            <a:r>
+              <a:rPr lang="en-US" sz="5400" dirty="0" smtClean="0">
+                <a:solidFill>
+                  <a:srgbClr val="660066"/>
+                </a:solidFill>
+              </a:rPr>
+              <a:t>estimate</a:t>
             </a:r>
             <a:r>
               <a:rPr lang="en-US" sz="5400" dirty="0" smtClean="0">
@@ -23446,14 +23029,18 @@
             <a:r>
               <a:rPr lang="en-US" sz="5400" dirty="0" smtClean="0">
                 <a:solidFill>
-                  <a:srgbClr val="7030A0"/>
+                  <a:srgbClr val="FF4519"/>
                 </a:solidFill>
               </a:rPr>
               <a:t>actual</a:t>
             </a:r>
             <a:r>
               <a:rPr lang="en-US" sz="5400" dirty="0" smtClean="0"/>
-              <a:t> fraction?</a:t>
+              <a:t> </a:t>
+            </a:r>
+            <a:r>
+              <a:rPr lang="en-US" sz="5400" dirty="0" smtClean="0"/>
+              <a:t>average?</a:t>
             </a:r>
             <a:endParaRPr lang="en-US" sz="7200" dirty="0" smtClean="0"/>
           </a:p>
@@ -23613,9 +23200,9 @@
               <a:t> </a:t>
             </a:r>
             <a:r>
-              <a:rPr lang="en-US" sz="4000" dirty="0" err="1" smtClean="0">
+              <a:rPr lang="en-US" sz="4000" dirty="0" smtClean="0">
                 <a:solidFill>
-                  <a:srgbClr val="008000"/>
+                  <a:srgbClr val="FF4519"/>
                 </a:solidFill>
               </a:rPr>
               <a:t>c</a:t>
@@ -23630,8 +23217,21 @@
             </a:r>
             <a:r>
               <a:rPr lang="en-US" sz="4000" dirty="0" smtClean="0"/>
-              <a:t>::= average CMD over all stations</a:t>
-            </a:r>
+              <a:t>::= </a:t>
+            </a:r>
+            <a:r>
+              <a:rPr lang="en-US" sz="4000" dirty="0" smtClean="0"/>
+              <a:t>actual average </a:t>
+            </a:r>
+            <a:r>
+              <a:rPr lang="en-US" sz="4000" dirty="0" smtClean="0"/>
+              <a:t>CMD </a:t>
+            </a:r>
+            <a:r>
+              <a:rPr lang="en-US" sz="4000" dirty="0" smtClean="0"/>
+              <a:t>in river</a:t>
+            </a:r>
+            <a:endParaRPr lang="en-US" sz="4000" dirty="0" smtClean="0"/>
           </a:p>
           <a:p>
             <a:pPr marL="0" indent="0" eaLnBrk="1" hangingPunct="1"/>
@@ -23703,7 +23303,7 @@
             <a:r>
               <a:rPr lang="en-US" sz="4400" dirty="0" smtClean="0">
                 <a:solidFill>
-                  <a:srgbClr val="008000"/>
+                  <a:srgbClr val="FF4519"/>
                 </a:solidFill>
               </a:rPr>
               <a:t>c</a:t>
@@ -23817,12 +23417,11 @@
             <a:r>
               <a:rPr lang="en-US" sz="4400" dirty="0" smtClean="0">
                 <a:solidFill>
-                  <a:srgbClr val="008000"/>
+                  <a:srgbClr val="FF4519"/>
                 </a:solidFill>
               </a:rPr>
               <a:t>c</a:t>
             </a:r>
-            <a:endParaRPr lang="en-US" sz="4400" dirty="0" smtClean="0"/>
           </a:p>
           <a:p>
             <a:pPr marL="0" indent="0" eaLnBrk="1" hangingPunct="1"/>
@@ -24109,33 +23708,15 @@
                                   </p:childTnLst>
                                 </p:cTn>
                               </p:par>
-                            </p:childTnLst>
-                          </p:cTn>
-                        </p:par>
-                      </p:childTnLst>
-                    </p:cTn>
-                  </p:par>
-                  <p:par>
-                    <p:cTn id="18" fill="hold">
-                      <p:stCondLst>
-                        <p:cond delay="indefinite"/>
-                      </p:stCondLst>
-                      <p:childTnLst>
-                        <p:par>
-                          <p:cTn id="19" fill="hold">
-                            <p:stCondLst>
-                              <p:cond delay="0"/>
-                            </p:stCondLst>
-                            <p:childTnLst>
                               <p:par>
-                                <p:cTn id="20" presetID="9" presetClass="entr" presetSubtype="0" fill="hold" nodeType="clickEffect">
+                                <p:cTn id="18" presetID="9" presetClass="entr" presetSubtype="0" fill="hold" nodeType="withEffect">
                                   <p:stCondLst>
                                     <p:cond delay="0"/>
                                   </p:stCondLst>
                                   <p:childTnLst>
                                     <p:set>
                                       <p:cBhvr>
-                                        <p:cTn id="21" dur="1" fill="hold">
+                                        <p:cTn id="19" dur="1" fill="hold">
                                           <p:stCondLst>
                                             <p:cond delay="0"/>
                                           </p:stCondLst>
@@ -24157,7 +23738,7 @@
                                     </p:set>
                                     <p:animEffect transition="in" filter="dissolve">
                                       <p:cBhvr>
-                                        <p:cTn id="22" dur="500"/>
+                                        <p:cTn id="20" dur="500"/>
                                         <p:tgtEl>
                                           <p:spTgt spid="179203">
                                             <p:txEl>
@@ -24177,26 +23758,26 @@
                     </p:cTn>
                   </p:par>
                   <p:par>
-                    <p:cTn id="23" fill="hold">
+                    <p:cTn id="21" fill="hold">
                       <p:stCondLst>
                         <p:cond delay="indefinite"/>
                       </p:stCondLst>
                       <p:childTnLst>
                         <p:par>
-                          <p:cTn id="24" fill="hold">
+                          <p:cTn id="22" fill="hold">
                             <p:stCondLst>
                               <p:cond delay="0"/>
                             </p:stCondLst>
                             <p:childTnLst>
                               <p:par>
-                                <p:cTn id="25" presetID="9" presetClass="entr" presetSubtype="0" fill="hold" nodeType="clickEffect">
+                                <p:cTn id="23" presetID="9" presetClass="entr" presetSubtype="0" fill="hold" nodeType="clickEffect">
                                   <p:stCondLst>
                                     <p:cond delay="0"/>
                                   </p:stCondLst>
                                   <p:childTnLst>
                                     <p:set>
                                       <p:cBhvr>
-                                        <p:cTn id="26" dur="1" fill="hold">
+                                        <p:cTn id="24" dur="1" fill="hold">
                                           <p:stCondLst>
                                             <p:cond delay="0"/>
                                           </p:stCondLst>
@@ -24218,7 +23799,7 @@
                                     </p:set>
                                     <p:animEffect transition="in" filter="dissolve">
                                       <p:cBhvr>
-                                        <p:cTn id="27" dur="500"/>
+                                        <p:cTn id="25" dur="500"/>
                                         <p:tgtEl>
                                           <p:spTgt spid="179203">
                                             <p:txEl>
@@ -24285,7 +23866,13 @@
           <p:cNvGraphicFramePr>
             <a:graphicFrameLocks noChangeAspect="1"/>
           </p:cNvGraphicFramePr>
-          <p:nvPr/>
+          <p:nvPr>
+            <p:extLst>
+              <p:ext uri="{D42A27DB-BD31-4B8C-83A1-F6EECF244321}">
+                <p14:modId xmlns:p14="http://schemas.microsoft.com/office/powerpoint/2010/main" val="2951106406"/>
+              </p:ext>
+            </p:extLst>
+          </p:nvPr>
         </p:nvGraphicFramePr>
         <p:xfrm>
           <a:off x="1295400" y="1219200"/>
@@ -24295,7 +23882,7 @@
           <a:graphicData uri="http://schemas.openxmlformats.org/presentationml/2006/ole">
             <mc:AlternateContent xmlns:mc="http://schemas.openxmlformats.org/markup-compatibility/2006">
               <mc:Choice xmlns:v="urn:schemas-microsoft-com:vml" Requires="v">
-                <p:oleObj spid="_x0000_s426043" name="Equation" r:id="rId4" imgW="1854200" imgH="596900" progId="Equation.DSMT4">
+                <p:oleObj spid="_x0000_s426080" name="Equation" r:id="rId4" imgW="1854200" imgH="596900" progId="Equation.DSMT4">
                   <p:embed/>
                 </p:oleObj>
               </mc:Choice>
@@ -24349,6 +23936,69 @@
           </a:graphicData>
         </a:graphic>
       </p:graphicFrame>
+      <p:graphicFrame>
+        <p:nvGraphicFramePr>
+          <p:cNvPr id="425990" name="Object 6"/>
+          <p:cNvGraphicFramePr>
+            <a:graphicFrameLocks noChangeAspect="1"/>
+          </p:cNvGraphicFramePr>
+          <p:nvPr>
+            <p:extLst>
+              <p:ext uri="{D42A27DB-BD31-4B8C-83A1-F6EECF244321}">
+                <p14:modId xmlns:p14="http://schemas.microsoft.com/office/powerpoint/2010/main" val="3821384280"/>
+              </p:ext>
+            </p:extLst>
+          </p:nvPr>
+        </p:nvGraphicFramePr>
+        <p:xfrm>
+          <a:off x="1185863" y="1177925"/>
+          <a:ext cx="6632575" cy="1946275"/>
+        </p:xfrm>
+        <a:graphic>
+          <a:graphicData uri="http://schemas.openxmlformats.org/presentationml/2006/ole">
+            <mc:AlternateContent xmlns:mc="http://schemas.openxmlformats.org/markup-compatibility/2006">
+              <mc:Choice xmlns:v="urn:schemas-microsoft-com:vml" Requires="v">
+                <p:oleObj spid="_x0000_s426081" name="Equation" r:id="rId6" imgW="2032000" imgH="596900" progId="Equation.DSMT4">
+                  <p:embed/>
+                </p:oleObj>
+              </mc:Choice>
+              <mc:Fallback>
+                <p:oleObj name="Equation" r:id="rId6" imgW="2032000" imgH="596900" progId="Equation.DSMT4">
+                  <p:embed/>
+                  <p:pic>
+                    <p:nvPicPr>
+                      <p:cNvPr id="0" name="Picture 6"/>
+                      <p:cNvPicPr>
+                        <a:picLocks noChangeAspect="1" noChangeArrowheads="1"/>
+                      </p:cNvPicPr>
+                      <p:nvPr/>
+                    </p:nvPicPr>
+                    <p:blipFill>
+                      <a:blip r:embed="rId7"/>
+                      <a:srcRect/>
+                      <a:stretch>
+                        <a:fillRect/>
+                      </a:stretch>
+                    </p:blipFill>
+                    <p:spPr bwMode="auto">
+                      <a:xfrm>
+                        <a:off x="1185863" y="1177925"/>
+                        <a:ext cx="6632575" cy="1946275"/>
+                      </a:xfrm>
+                      <a:prstGeom prst="rect">
+                        <a:avLst/>
+                      </a:prstGeom>
+                      <a:solidFill>
+                        <a:schemeClr val="hlink"/>
+                      </a:solidFill>
+                    </p:spPr>
+                  </p:pic>
+                </p:oleObj>
+              </mc:Fallback>
+            </mc:AlternateContent>
+          </a:graphicData>
+        </a:graphic>
+      </p:graphicFrame>
       <p:sp>
         <p:nvSpPr>
           <p:cNvPr id="111618" name="Rectangle 2"/>
@@ -24402,12 +24052,12 @@
           <a:graphicData uri="http://schemas.openxmlformats.org/presentationml/2006/ole">
             <mc:AlternateContent xmlns:mc="http://schemas.openxmlformats.org/markup-compatibility/2006">
               <mc:Choice xmlns:v="urn:schemas-microsoft-com:vml" Requires="v">
-                <p:oleObj spid="_x0000_s426044" name="Equation" r:id="rId6" imgW="1879600" imgH="215900" progId="Equation.DSMT4">
+                <p:oleObj spid="_x0000_s426082" name="Equation" r:id="rId8" imgW="1879600" imgH="215900" progId="Equation.DSMT4">
                   <p:embed/>
                 </p:oleObj>
               </mc:Choice>
               <mc:Fallback>
-                <p:oleObj name="Equation" r:id="rId6" imgW="1879600" imgH="215900" progId="Equation.DSMT4">
+                <p:oleObj name="Equation" r:id="rId8" imgW="1879600" imgH="215900" progId="Equation.DSMT4">
                   <p:embed/>
                   <p:pic>
                     <p:nvPicPr>
@@ -24418,7 +24068,7 @@
                       <p:nvPr/>
                     </p:nvPicPr>
                     <p:blipFill>
-                      <a:blip r:embed="rId7">
+                      <a:blip r:embed="rId9">
                         <a:extLst>
                           <a:ext uri="{28A0092B-C50C-407E-A947-70E740481C1C}">
                             <a14:useLocalDpi xmlns:a14="http://schemas.microsoft.com/office/drawing/2010/main" val="0"/>
@@ -24546,69 +24196,6 @@
           </a:p>
         </p:txBody>
       </p:sp>
-      <p:graphicFrame>
-        <p:nvGraphicFramePr>
-          <p:cNvPr id="425990" name="Object 6"/>
-          <p:cNvGraphicFramePr>
-            <a:graphicFrameLocks noChangeAspect="1"/>
-          </p:cNvGraphicFramePr>
-          <p:nvPr/>
-        </p:nvGraphicFramePr>
-        <p:xfrm>
-          <a:off x="1144588" y="1177925"/>
-          <a:ext cx="6715125" cy="1946275"/>
-        </p:xfrm>
-        <a:graphic>
-          <a:graphicData uri="http://schemas.openxmlformats.org/presentationml/2006/ole">
-            <mc:AlternateContent xmlns:mc="http://schemas.openxmlformats.org/markup-compatibility/2006">
-              <mc:Choice xmlns:v="urn:schemas-microsoft-com:vml" Requires="v">
-                <p:oleObj spid="_x0000_s426045" name="Equation" r:id="rId8" imgW="2057400" imgH="596900" progId="Equation.DSMT4">
-                  <p:embed/>
-                </p:oleObj>
-              </mc:Choice>
-              <mc:Fallback>
-                <p:oleObj name="Equation" r:id="rId8" imgW="2057400" imgH="596900" progId="Equation.DSMT4">
-                  <p:embed/>
-                  <p:pic>
-                    <p:nvPicPr>
-                      <p:cNvPr id="0" name="Picture 6"/>
-                      <p:cNvPicPr>
-                        <a:picLocks noChangeAspect="1" noChangeArrowheads="1"/>
-                      </p:cNvPicPr>
-                      <p:nvPr/>
-                    </p:nvPicPr>
-                    <p:blipFill>
-                      <a:blip r:embed="rId9">
-                        <a:extLst>
-                          <a:ext uri="{28A0092B-C50C-407E-A947-70E740481C1C}">
-                            <a14:useLocalDpi xmlns:a14="http://schemas.microsoft.com/office/drawing/2010/main" val="0"/>
-                          </a:ext>
-                        </a:extLst>
-                      </a:blip>
-                      <a:srcRect/>
-                      <a:stretch>
-                        <a:fillRect/>
-                      </a:stretch>
-                    </p:blipFill>
-                    <p:spPr bwMode="auto">
-                      <a:xfrm>
-                        <a:off x="1144588" y="1177925"/>
-                        <a:ext cx="6715125" cy="1946275"/>
-                      </a:xfrm>
-                      <a:prstGeom prst="rect">
-                        <a:avLst/>
-                      </a:prstGeom>
-                      <a:solidFill>
-                        <a:schemeClr val="hlink"/>
-                      </a:solidFill>
-                    </p:spPr>
-                  </p:pic>
-                </p:oleObj>
-              </mc:Fallback>
-            </mc:AlternateContent>
-          </a:graphicData>
-        </a:graphic>
-      </p:graphicFrame>
     </p:spTree>
   </p:cSld>
   <p:clrMapOvr>
@@ -24651,7 +24238,7 @@
                                           </p:stCondLst>
                                         </p:cTn>
                                         <p:tgtEl>
-                                          <p:spTgt spid="128002"/>
+                                          <p:spTgt spid="13"/>
                                         </p:tgtEl>
                                         <p:attrNameLst>
                                           <p:attrName>style.visibility</p:attrName>
@@ -24665,7 +24252,7 @@
                                       <p:cBhvr>
                                         <p:cTn id="7" dur="500"/>
                                         <p:tgtEl>
-                                          <p:spTgt spid="128002"/>
+                                          <p:spTgt spid="13"/>
                                         </p:tgtEl>
                                       </p:cBhvr>
                                     </p:animEffect>
@@ -24691,7 +24278,7 @@
                             </p:stCondLst>
                             <p:childTnLst>
                               <p:par>
-                                <p:cTn id="10" presetID="22" presetClass="entr" presetSubtype="8" fill="hold" nodeType="clickEffect">
+                                <p:cTn id="10" presetID="9" presetClass="entr" presetSubtype="0" fill="hold" nodeType="clickEffect">
                                   <p:stCondLst>
                                     <p:cond delay="0"/>
                                   </p:stCondLst>
@@ -24704,7 +24291,7 @@
                                           </p:stCondLst>
                                         </p:cTn>
                                         <p:tgtEl>
-                                          <p:spTgt spid="13"/>
+                                          <p:spTgt spid="425990"/>
                                         </p:tgtEl>
                                         <p:attrNameLst>
                                           <p:attrName>style.visibility</p:attrName>
@@ -24714,11 +24301,11 @@
                                         <p:strVal val="visible"/>
                                       </p:to>
                                     </p:set>
-                                    <p:animEffect transition="in" filter="wipe(left)">
+                                    <p:animEffect transition="in" filter="dissolve">
                                       <p:cBhvr>
                                         <p:cTn id="12" dur="500"/>
                                         <p:tgtEl>
-                                          <p:spTgt spid="13"/>
+                                          <p:spTgt spid="425990"/>
                                         </p:tgtEl>
                                       </p:cBhvr>
                                     </p:animEffect>
@@ -24744,7 +24331,7 @@
                             </p:stCondLst>
                             <p:childTnLst>
                               <p:par>
-                                <p:cTn id="15" presetID="10" presetClass="entr" presetSubtype="0" fill="hold" nodeType="clickEffect">
+                                <p:cTn id="15" presetID="15" presetClass="entr" presetSubtype="0" fill="hold" grpId="0" nodeType="clickEffect">
                                   <p:stCondLst>
                                     <p:cond delay="0"/>
                                   </p:stCondLst>
@@ -24752,59 +24339,6 @@
                                     <p:set>
                                       <p:cBhvr>
                                         <p:cTn id="16" dur="1" fill="hold">
-                                          <p:stCondLst>
-                                            <p:cond delay="0"/>
-                                          </p:stCondLst>
-                                        </p:cTn>
-                                        <p:tgtEl>
-                                          <p:spTgt spid="425990"/>
-                                        </p:tgtEl>
-                                        <p:attrNameLst>
-                                          <p:attrName>style.visibility</p:attrName>
-                                        </p:attrNameLst>
-                                      </p:cBhvr>
-                                      <p:to>
-                                        <p:strVal val="visible"/>
-                                      </p:to>
-                                    </p:set>
-                                    <p:animEffect transition="in" filter="fade">
-                                      <p:cBhvr>
-                                        <p:cTn id="17" dur="500"/>
-                                        <p:tgtEl>
-                                          <p:spTgt spid="425990"/>
-                                        </p:tgtEl>
-                                      </p:cBhvr>
-                                    </p:animEffect>
-                                  </p:childTnLst>
-                                </p:cTn>
-                              </p:par>
-                            </p:childTnLst>
-                          </p:cTn>
-                        </p:par>
-                      </p:childTnLst>
-                    </p:cTn>
-                  </p:par>
-                  <p:par>
-                    <p:cTn id="18" fill="hold">
-                      <p:stCondLst>
-                        <p:cond delay="indefinite"/>
-                      </p:stCondLst>
-                      <p:childTnLst>
-                        <p:par>
-                          <p:cTn id="19" fill="hold">
-                            <p:stCondLst>
-                              <p:cond delay="0"/>
-                            </p:stCondLst>
-                            <p:childTnLst>
-                              <p:par>
-                                <p:cTn id="20" presetID="15" presetClass="entr" presetSubtype="0" fill="hold" grpId="0" nodeType="clickEffect">
-                                  <p:stCondLst>
-                                    <p:cond delay="0"/>
-                                  </p:stCondLst>
-                                  <p:childTnLst>
-                                    <p:set>
-                                      <p:cBhvr>
-                                        <p:cTn id="21" dur="1" fill="hold">
                                           <p:stCondLst>
                                             <p:cond delay="0"/>
                                           </p:stCondLst>
@@ -24822,7 +24356,7 @@
                                     </p:set>
                                     <p:anim calcmode="lin" valueType="num">
                                       <p:cBhvr>
-                                        <p:cTn id="22" dur="1000" fill="hold"/>
+                                        <p:cTn id="17" dur="1000" fill="hold"/>
                                         <p:tgtEl>
                                           <p:spTgt spid="10"/>
                                         </p:tgtEl>
@@ -24845,7 +24379,7 @@
                                     </p:anim>
                                     <p:anim calcmode="lin" valueType="num">
                                       <p:cBhvr>
-                                        <p:cTn id="23" dur="1000" fill="hold"/>
+                                        <p:cTn id="18" dur="1000" fill="hold"/>
                                         <p:tgtEl>
                                           <p:spTgt spid="10"/>
                                         </p:tgtEl>
@@ -24868,7 +24402,7 @@
                                     </p:anim>
                                     <p:anim calcmode="lin" valueType="num">
                                       <p:cBhvr>
-                                        <p:cTn id="24" dur="1000" fill="hold"/>
+                                        <p:cTn id="19" dur="1000" fill="hold"/>
                                         <p:tgtEl>
                                           <p:spTgt spid="10"/>
                                         </p:tgtEl>
@@ -24891,7 +24425,7 @@
                                     </p:anim>
                                     <p:anim calcmode="lin" valueType="num">
                                       <p:cBhvr>
-                                        <p:cTn id="25" dur="1000" fill="hold"/>
+                                        <p:cTn id="20" dur="1000" fill="hold"/>
                                         <p:tgtEl>
                                           <p:spTgt spid="10"/>
                                         </p:tgtEl>
@@ -24966,9 +24500,184 @@
           <a:chExt cx="0" cy="0"/>
         </a:xfrm>
       </p:grpSpPr>
+      <p:sp>
+        <p:nvSpPr>
+          <p:cNvPr id="111618" name="Rectangle 2"/>
+          <p:cNvSpPr>
+            <a:spLocks noGrp="1" noChangeArrowheads="1"/>
+          </p:cNvSpPr>
+          <p:nvPr>
+            <p:ph type="title"/>
+          </p:nvPr>
+        </p:nvSpPr>
+        <p:spPr>
+          <a:xfrm>
+            <a:off x="1295400" y="116046"/>
+            <a:ext cx="7672388" cy="882650"/>
+          </a:xfrm>
+        </p:spPr>
+        <p:txBody>
+          <a:bodyPr/>
+          <a:lstStyle/>
+          <a:p>
+            <a:r>
+              <a:rPr lang="en-US" dirty="0" err="1">
+                <a:latin typeface="Comic Sans MS"/>
+                <a:cs typeface="Comic Sans MS"/>
+              </a:rPr>
+              <a:t>Pairwise</a:t>
+            </a:r>
+            <a:r>
+              <a:rPr lang="en-US" dirty="0">
+                <a:latin typeface="Comic Sans MS"/>
+                <a:cs typeface="Comic Sans MS"/>
+              </a:rPr>
+              <a:t> Independent Sampling</a:t>
+            </a:r>
+          </a:p>
+        </p:txBody>
+      </p:sp>
+      <p:sp>
+        <p:nvSpPr>
+          <p:cNvPr id="8" name="Slide Number Placeholder 3"/>
+          <p:cNvSpPr>
+            <a:spLocks noGrp="1"/>
+          </p:cNvSpPr>
+          <p:nvPr>
+            <p:ph type="sldNum" sz="quarter" idx="10"/>
+          </p:nvPr>
+        </p:nvSpPr>
+        <p:spPr>
+          <a:xfrm>
+            <a:off x="7696200" y="6629400"/>
+            <a:ext cx="1447800" cy="228600"/>
+          </a:xfrm>
+        </p:spPr>
+        <p:txBody>
+          <a:bodyPr/>
+          <a:lstStyle/>
+          <a:p>
+            <a:pPr>
+              <a:defRPr/>
+            </a:pPr>
+            <a:r>
+              <a:rPr lang="en-US" dirty="0" err="1"/>
+              <a:t>lec</a:t>
+            </a:r>
+            <a:r>
+              <a:rPr lang="en-US" dirty="0" smtClean="0"/>
+              <a:t> 15M.</a:t>
+            </a:r>
+            <a:fld id="{AB032E80-4924-4C32-A61E-EE294C645BF5}" type="slidenum">
+              <a:rPr lang="en-US" smtClean="0"/>
+              <a:pPr>
+                <a:defRPr/>
+              </a:pPr>
+              <a:t>9</a:t>
+            </a:fld>
+            <a:endParaRPr lang="en-US" dirty="0"/>
+          </a:p>
+        </p:txBody>
+      </p:sp>
+      <p:sp>
+        <p:nvSpPr>
+          <p:cNvPr id="9" name="TextBox 8"/>
+          <p:cNvSpPr txBox="1"/>
+          <p:nvPr/>
+        </p:nvSpPr>
+        <p:spPr>
+          <a:xfrm>
+            <a:off x="5849549" y="3581400"/>
+            <a:ext cx="1618051" cy="830997"/>
+          </a:xfrm>
+          <a:prstGeom prst="rect">
+            <a:avLst/>
+          </a:prstGeom>
+          <a:noFill/>
+        </p:spPr>
+        <p:txBody>
+          <a:bodyPr wrap="none" rtlCol="0">
+            <a:spAutoFit/>
+          </a:bodyPr>
+          <a:lstStyle/>
+          <a:p>
+            <a:r>
+              <a:rPr lang="en-US" sz="4800" dirty="0" smtClean="0">
+                <a:latin typeface="+mj-lt"/>
+              </a:rPr>
+              <a:t> = </a:t>
+            </a:r>
+            <a:r>
+              <a:rPr lang="en-US" sz="4800" dirty="0" smtClean="0">
+                <a:solidFill>
+                  <a:srgbClr val="FF4519"/>
+                </a:solidFill>
+                <a:latin typeface="+mj-lt"/>
+              </a:rPr>
+              <a:t>50</a:t>
+            </a:r>
+          </a:p>
+        </p:txBody>
+      </p:sp>
+      <p:sp>
+        <p:nvSpPr>
+          <p:cNvPr id="10" name="TextBox 9"/>
+          <p:cNvSpPr txBox="1"/>
+          <p:nvPr/>
+        </p:nvSpPr>
+        <p:spPr>
+          <a:xfrm>
+            <a:off x="1327574" y="5106650"/>
+            <a:ext cx="6368626" cy="1446550"/>
+          </a:xfrm>
+          <a:prstGeom prst="rect">
+            <a:avLst/>
+          </a:prstGeom>
+          <a:noFill/>
+        </p:spPr>
+        <p:txBody>
+          <a:bodyPr wrap="none" rtlCol="0">
+            <a:spAutoFit/>
+          </a:bodyPr>
+          <a:lstStyle/>
+          <a:p>
+            <a:pPr algn="l"/>
+            <a:r>
+              <a:rPr lang="en-US" sz="4400" dirty="0" smtClean="0">
+                <a:latin typeface="+mj-lt"/>
+              </a:rPr>
+              <a:t>where </a:t>
+            </a:r>
+            <a:r>
+              <a:rPr lang="en-US" sz="4400" dirty="0" smtClean="0">
+                <a:solidFill>
+                  <a:srgbClr val="FF0000"/>
+                </a:solidFill>
+                <a:latin typeface="+mj-lt"/>
+              </a:rPr>
+              <a:t>L</a:t>
+            </a:r>
+            <a:r>
+              <a:rPr lang="en-US" sz="4400" dirty="0" smtClean="0">
+                <a:latin typeface="+mj-lt"/>
+              </a:rPr>
+              <a:t> is max possible</a:t>
+            </a:r>
+          </a:p>
+          <a:p>
+            <a:pPr algn="l"/>
+            <a:r>
+              <a:rPr lang="en-US" sz="4400" dirty="0" smtClean="0">
+                <a:latin typeface="+mj-lt"/>
+              </a:rPr>
+              <a:t>difference of samples</a:t>
+            </a:r>
+          </a:p>
+        </p:txBody>
+      </p:sp>
       <p:graphicFrame>
         <p:nvGraphicFramePr>
-          <p:cNvPr id="438281" name="Object 9"/>
+          <p:cNvPr id="11" name="Object 9"/>
           <p:cNvGraphicFramePr>
             <a:graphicFrameLocks noChangeAspect="1"/>
           </p:cNvGraphicFramePr>
@@ -24982,7 +24691,7 @@
           <a:graphicData uri="http://schemas.openxmlformats.org/presentationml/2006/ole">
             <mc:AlternateContent xmlns:mc="http://schemas.openxmlformats.org/markup-compatibility/2006">
               <mc:Choice xmlns:v="urn:schemas-microsoft-com:vml" Requires="v">
-                <p:oleObj spid="_x0000_s438350" name="Equation" r:id="rId4" imgW="2057400" imgH="596900" progId="Equation.DSMT4">
+                <p:oleObj spid="_x0000_s438383" name="Equation" r:id="rId4" imgW="2057400" imgH="596900" progId="Equation.DSMT4">
                   <p:embed/>
                 </p:oleObj>
               </mc:Choice>
@@ -24991,14 +24700,14 @@
                   <p:embed/>
                   <p:pic>
                     <p:nvPicPr>
-                      <p:cNvPr id="0" name="Picture 9"/>
+                      <p:cNvPr id="0" name=""/>
                       <p:cNvPicPr>
                         <a:picLocks noChangeAspect="1" noChangeArrowheads="1"/>
                       </p:cNvPicPr>
                       <p:nvPr/>
                     </p:nvPicPr>
                     <p:blipFill>
-                      <a:blip>
+                      <a:blip r:embed="rId5">
                         <a:extLst>
                           <a:ext uri="{28A0092B-C50C-407E-A947-70E740481C1C}">
                             <a14:useLocalDpi xmlns:a14="http://schemas.microsoft.com/office/drawing/2010/main" val="0"/>
@@ -25036,118 +24745,45 @@
           </a:graphicData>
         </a:graphic>
       </p:graphicFrame>
-      <p:sp>
-        <p:nvSpPr>
-          <p:cNvPr id="111618" name="Rectangle 2"/>
-          <p:cNvSpPr>
-            <a:spLocks noGrp="1" noChangeArrowheads="1"/>
-          </p:cNvSpPr>
-          <p:nvPr>
-            <p:ph type="title"/>
-          </p:nvPr>
-        </p:nvSpPr>
-        <p:spPr>
-          <a:xfrm>
-            <a:off x="1295400" y="116046"/>
-            <a:ext cx="7672388" cy="882650"/>
-          </a:xfrm>
-        </p:spPr>
-        <p:txBody>
-          <a:bodyPr/>
-          <a:lstStyle/>
-          <a:p>
-            <a:r>
-              <a:rPr lang="en-US" dirty="0" err="1">
-                <a:latin typeface="Comic Sans MS"/>
-                <a:cs typeface="Comic Sans MS"/>
-              </a:rPr>
-              <a:t>Pairwise</a:t>
-            </a:r>
-            <a:r>
-              <a:rPr lang="en-US" dirty="0">
-                <a:latin typeface="Comic Sans MS"/>
-                <a:cs typeface="Comic Sans MS"/>
-              </a:rPr>
-              <a:t> Independent Sampling</a:t>
-            </a:r>
-          </a:p>
-        </p:txBody>
-      </p:sp>
-      <p:sp>
-        <p:nvSpPr>
-          <p:cNvPr id="8" name="Slide Number Placeholder 3"/>
-          <p:cNvSpPr>
-            <a:spLocks noGrp="1"/>
-          </p:cNvSpPr>
-          <p:nvPr>
-            <p:ph type="sldNum" sz="quarter" idx="10"/>
-          </p:nvPr>
-        </p:nvSpPr>
-        <p:spPr>
-          <a:xfrm>
-            <a:off x="7696200" y="6629400"/>
-            <a:ext cx="1447800" cy="228600"/>
-          </a:xfrm>
-        </p:spPr>
-        <p:txBody>
-          <a:bodyPr/>
-          <a:lstStyle/>
-          <a:p>
-            <a:pPr>
-              <a:defRPr/>
-            </a:pPr>
-            <a:r>
-              <a:rPr lang="en-US" dirty="0" err="1"/>
-              <a:t>lec</a:t>
-            </a:r>
-            <a:r>
-              <a:rPr lang="en-US" dirty="0" smtClean="0"/>
-              <a:t> 15M.</a:t>
-            </a:r>
-            <a:fld id="{AB032E80-4924-4C32-A61E-EE294C645BF5}" type="slidenum">
-              <a:rPr lang="en-US" smtClean="0"/>
-              <a:pPr>
-                <a:defRPr/>
-              </a:pPr>
-              <a:t>9</a:t>
-            </a:fld>
-            <a:endParaRPr lang="en-US" dirty="0"/>
-          </a:p>
-        </p:txBody>
-      </p:sp>
       <p:graphicFrame>
         <p:nvGraphicFramePr>
-          <p:cNvPr id="432133" name="Object 5"/>
+          <p:cNvPr id="12" name="Object 5"/>
           <p:cNvGraphicFramePr>
             <a:graphicFrameLocks noChangeAspect="1"/>
           </p:cNvGraphicFramePr>
-          <p:nvPr/>
+          <p:nvPr>
+            <p:extLst>
+              <p:ext uri="{D42A27DB-BD31-4B8C-83A1-F6EECF244321}">
+                <p14:modId xmlns:p14="http://schemas.microsoft.com/office/powerpoint/2010/main" val="2894888796"/>
+              </p:ext>
+            </p:extLst>
+          </p:nvPr>
         </p:nvGraphicFramePr>
         <p:xfrm>
-          <a:off x="2574925" y="3422650"/>
+          <a:off x="2574925" y="3498850"/>
           <a:ext cx="3470275" cy="1835150"/>
         </p:xfrm>
         <a:graphic>
           <a:graphicData uri="http://schemas.openxmlformats.org/presentationml/2006/ole">
             <mc:AlternateContent xmlns:mc="http://schemas.openxmlformats.org/markup-compatibility/2006">
               <mc:Choice xmlns:v="urn:schemas-microsoft-com:vml" Requires="v">
-                <p:oleObj spid="_x0000_s438351" name="Equation" r:id="rId5" imgW="889000" imgH="469900" progId="Equation.DSMT4">
+                <p:oleObj spid="_x0000_s438384" name="Equation" r:id="rId6" imgW="889000" imgH="469900" progId="Equation.DSMT4">
                   <p:embed/>
                 </p:oleObj>
               </mc:Choice>
               <mc:Fallback>
-                <p:oleObj name="Equation" r:id="rId5" imgW="889000" imgH="469900" progId="Equation.DSMT4">
+                <p:oleObj name="Equation" r:id="rId6" imgW="889000" imgH="469900" progId="Equation.DSMT4">
                   <p:embed/>
                   <p:pic>
                     <p:nvPicPr>
-                      <p:cNvPr id="0" name="Picture 5"/>
+                      <p:cNvPr id="0" name=""/>
                       <p:cNvPicPr>
                         <a:picLocks noChangeAspect="1" noChangeArrowheads="1"/>
                       </p:cNvPicPr>
                       <p:nvPr/>
                     </p:nvPicPr>
                     <p:blipFill>
-                      <a:blip>
+                      <a:blip r:embed="rId7">
                         <a:extLst>
                           <a:ext uri="{28A0092B-C50C-407E-A947-70E740481C1C}">
                             <a14:useLocalDpi xmlns:a14="http://schemas.microsoft.com/office/drawing/2010/main" val="0"/>
@@ -25161,7 +24797,7 @@
                     </p:blipFill>
                     <p:spPr bwMode="auto">
                       <a:xfrm>
-                        <a:off x="2574925" y="3422650"/>
+                        <a:off x="2574925" y="3498850"/>
                         <a:ext cx="3470275" cy="1835150"/>
                       </a:xfrm>
                       <a:prstGeom prst="rect">
@@ -25185,168 +24821,9 @@
           </a:graphicData>
         </a:graphic>
       </p:graphicFrame>
-      <p:sp>
-        <p:nvSpPr>
-          <p:cNvPr id="9" name="TextBox 8"/>
-          <p:cNvSpPr txBox="1"/>
-          <p:nvPr/>
-        </p:nvSpPr>
-        <p:spPr>
-          <a:xfrm>
-            <a:off x="5849549" y="3581400"/>
-            <a:ext cx="1618051" cy="830997"/>
-          </a:xfrm>
-          <a:prstGeom prst="rect">
-            <a:avLst/>
-          </a:prstGeom>
-          <a:noFill/>
-        </p:spPr>
-        <p:txBody>
-          <a:bodyPr wrap="none" rtlCol="0">
-            <a:spAutoFit/>
-          </a:bodyPr>
-          <a:lstStyle/>
-          <a:p>
-            <a:r>
-              <a:rPr lang="en-US" sz="4800" dirty="0" smtClean="0">
-                <a:latin typeface="+mj-lt"/>
-              </a:rPr>
-              <a:t> = </a:t>
-            </a:r>
-            <a:r>
-              <a:rPr lang="en-US" sz="4800" dirty="0" smtClean="0">
-                <a:solidFill>
-                  <a:srgbClr val="FF4519"/>
-                </a:solidFill>
-                <a:latin typeface="+mj-lt"/>
-              </a:rPr>
-              <a:t>50</a:t>
-            </a:r>
-          </a:p>
-        </p:txBody>
-      </p:sp>
       <p:graphicFrame>
         <p:nvGraphicFramePr>
-          <p:cNvPr id="434182" name="Object 6"/>
-          <p:cNvGraphicFramePr>
-            <a:graphicFrameLocks noChangeAspect="1"/>
-          </p:cNvGraphicFramePr>
-          <p:nvPr/>
-        </p:nvGraphicFramePr>
-        <p:xfrm>
-          <a:off x="6400800" y="1177925"/>
-          <a:ext cx="1492250" cy="1946275"/>
-        </p:xfrm>
-        <a:graphic>
-          <a:graphicData uri="http://schemas.openxmlformats.org/presentationml/2006/ole">
-            <mc:AlternateContent xmlns:mc="http://schemas.openxmlformats.org/markup-compatibility/2006">
-              <mc:Choice xmlns:v="urn:schemas-microsoft-com:vml" Requires="v">
-                <p:oleObj spid="_x0000_s438352" name="Equation" r:id="rId6" imgW="457200" imgH="596900" progId="Equation.DSMT4">
-                  <p:embed/>
-                </p:oleObj>
-              </mc:Choice>
-              <mc:Fallback>
-                <p:oleObj name="Equation" r:id="rId6" imgW="457200" imgH="596900" progId="Equation.DSMT4">
-                  <p:embed/>
-                  <p:pic>
-                    <p:nvPicPr>
-                      <p:cNvPr id="0" name="Picture 6"/>
-                      <p:cNvPicPr>
-                        <a:picLocks noChangeAspect="1" noChangeArrowheads="1"/>
-                      </p:cNvPicPr>
-                      <p:nvPr/>
-                    </p:nvPicPr>
-                    <p:blipFill>
-                      <a:blip>
-                        <a:extLst>
-                          <a:ext uri="{28A0092B-C50C-407E-A947-70E740481C1C}">
-                            <a14:useLocalDpi xmlns:a14="http://schemas.microsoft.com/office/drawing/2010/main" val="0"/>
-                          </a:ext>
-                        </a:extLst>
-                      </a:blip>
-                      <a:srcRect/>
-                      <a:stretch>
-                        <a:fillRect/>
-                      </a:stretch>
-                    </p:blipFill>
-                    <p:spPr bwMode="auto">
-                      <a:xfrm>
-                        <a:off x="6400800" y="1177925"/>
-                        <a:ext cx="1492250" cy="1946275"/>
-                      </a:xfrm>
-                      <a:prstGeom prst="rect">
-                        <a:avLst/>
-                      </a:prstGeom>
-                      <a:solidFill>
-                        <a:schemeClr val="hlink"/>
-                      </a:solidFill>
-                    </p:spPr>
-                  </p:pic>
-                </p:oleObj>
-              </mc:Fallback>
-            </mc:AlternateContent>
-          </a:graphicData>
-        </a:graphic>
-      </p:graphicFrame>
-      <p:sp>
-        <p:nvSpPr>
-          <p:cNvPr id="10" name="TextBox 9"/>
-          <p:cNvSpPr txBox="1"/>
-          <p:nvPr/>
-        </p:nvSpPr>
-        <p:spPr>
-          <a:xfrm>
-            <a:off x="1327574" y="5106650"/>
-            <a:ext cx="6368626" cy="1446550"/>
-          </a:xfrm>
-          <a:prstGeom prst="rect">
-            <a:avLst/>
-          </a:prstGeom>
-          <a:noFill/>
-        </p:spPr>
-        <p:txBody>
-          <a:bodyPr wrap="none" rtlCol="0">
-            <a:spAutoFit/>
-          </a:bodyPr>
-          <a:lstStyle/>
-          <a:p>
-            <a:pPr algn="l"/>
-            <a:r>
-              <a:rPr lang="en-US" sz="4400" dirty="0" smtClean="0">
-                <a:latin typeface="+mj-lt"/>
-              </a:rPr>
-              <a:t>where </a:t>
-            </a:r>
-            <a:r>
-              <a:rPr lang="en-US" sz="4400" dirty="0" smtClean="0">
-                <a:solidFill>
-                  <a:srgbClr val="FF0000"/>
-                </a:solidFill>
-                <a:latin typeface="+mj-lt"/>
-              </a:rPr>
-              <a:t>L</a:t>
-            </a:r>
-            <a:r>
-              <a:rPr lang="en-US" sz="4400" dirty="0" smtClean="0">
-                <a:latin typeface="+mj-lt"/>
-              </a:rPr>
-              <a:t> is max possible</a:t>
-            </a:r>
-          </a:p>
-          <a:p>
-            <a:pPr algn="l"/>
-            <a:r>
-              <a:rPr lang="en-US" sz="4400" dirty="0" smtClean="0">
-                <a:latin typeface="+mj-lt"/>
-              </a:rPr>
-              <a:t>difference of samples</a:t>
-            </a:r>
-          </a:p>
-        </p:txBody>
-      </p:sp>
-      <p:graphicFrame>
-        <p:nvGraphicFramePr>
-          <p:cNvPr id="438282" name="Object 10"/>
+          <p:cNvPr id="13" name="Object 10"/>
           <p:cNvGraphicFramePr>
             <a:graphicFrameLocks noChangeAspect="1"/>
           </p:cNvGraphicFramePr>
@@ -25360,23 +24837,23 @@
           <a:graphicData uri="http://schemas.openxmlformats.org/presentationml/2006/ole">
             <mc:AlternateContent xmlns:mc="http://schemas.openxmlformats.org/markup-compatibility/2006">
               <mc:Choice xmlns:v="urn:schemas-microsoft-com:vml" Requires="v">
-                <p:oleObj spid="_x0000_s438353" name="Equation" r:id="rId7" imgW="1879600" imgH="215900" progId="Equation.DSMT4">
+                <p:oleObj spid="_x0000_s438385" name="Equation" r:id="rId8" imgW="1879600" imgH="215900" progId="Equation.DSMT4">
                   <p:embed/>
                 </p:oleObj>
               </mc:Choice>
               <mc:Fallback>
-                <p:oleObj name="Equation" r:id="rId7" imgW="1879600" imgH="215900" progId="Equation.DSMT4">
+                <p:oleObj name="Equation" r:id="rId8" imgW="1879600" imgH="215900" progId="Equation.DSMT4">
                   <p:embed/>
                   <p:pic>
                     <p:nvPicPr>
-                      <p:cNvPr id="0" name="Picture 10"/>
+                      <p:cNvPr id="0" name=""/>
                       <p:cNvPicPr>
                         <a:picLocks noChangeAspect="1" noChangeArrowheads="1"/>
                       </p:cNvPicPr>
                       <p:nvPr/>
                     </p:nvPicPr>
                     <p:blipFill>
-                      <a:blip>
+                      <a:blip r:embed="rId9">
                         <a:extLst>
                           <a:ext uri="{28A0092B-C50C-407E-A947-70E740481C1C}">
                             <a14:useLocalDpi xmlns:a14="http://schemas.microsoft.com/office/drawing/2010/main" val="0"/>
@@ -25419,7 +24896,18 @@
   <p:clrMapOvr>
     <a:masterClrMapping/>
   </p:clrMapOvr>
-  <p:transition xmlns:p14="http://schemas.microsoft.com/office/powerpoint/2010/main" spd="slow"/>
+  <mc:AlternateContent xmlns:mc="http://schemas.openxmlformats.org/markup-compatibility/2006">
+    <mc:Choice xmlns:p14="http://schemas.microsoft.com/office/powerpoint/2010/main" Requires="p14">
+      <p:transition spd="med" p14:dur="700">
+        <p:fade/>
+      </p:transition>
+    </mc:Choice>
+    <mc:Fallback>
+      <p:transition xmlns:p14="http://schemas.microsoft.com/office/powerpoint/2010/main" spd="med">
+        <p:fade/>
+      </p:transition>
+    </mc:Fallback>
+  </mc:AlternateContent>
   <p:timing>
     <p:tnLst>
       <p:par>
@@ -25444,7 +24932,7 @@
                             </p:stCondLst>
                             <p:childTnLst>
                               <p:par>
-                                <p:cTn id="5" presetID="10" presetClass="entr" presetSubtype="0" fill="hold" nodeType="afterEffect">
+                                <p:cTn id="5" presetID="2" presetClass="entr" presetSubtype="8" fill="hold" nodeType="afterEffect">
                                   <p:stCondLst>
                                     <p:cond delay="0"/>
                                   </p:stCondLst>
@@ -25457,96 +24945,7 @@
                                           </p:stCondLst>
                                         </p:cTn>
                                         <p:tgtEl>
-                                          <p:spTgt spid="432133"/>
-                                        </p:tgtEl>
-                                        <p:attrNameLst>
-                                          <p:attrName>style.visibility</p:attrName>
-                                        </p:attrNameLst>
-                                      </p:cBhvr>
-                                      <p:to>
-                                        <p:strVal val="visible"/>
-                                      </p:to>
-                                    </p:set>
-                                    <p:animEffect transition="in" filter="fade">
-                                      <p:cBhvr>
-                                        <p:cTn id="7" dur="1000"/>
-                                        <p:tgtEl>
-                                          <p:spTgt spid="432133"/>
-                                        </p:tgtEl>
-                                      </p:cBhvr>
-                                    </p:animEffect>
-                                  </p:childTnLst>
-                                </p:cTn>
-                              </p:par>
-                            </p:childTnLst>
-                          </p:cTn>
-                        </p:par>
-                        <p:par>
-                          <p:cTn id="8" fill="hold">
-                            <p:stCondLst>
-                              <p:cond delay="1000"/>
-                            </p:stCondLst>
-                            <p:childTnLst>
-                              <p:par>
-                                <p:cTn id="9" presetID="1" presetClass="entr" presetSubtype="0" fill="hold" grpId="0" nodeType="afterEffect">
-                                  <p:stCondLst>
-                                    <p:cond delay="0"/>
-                                  </p:stCondLst>
-                                  <p:childTnLst>
-                                    <p:set>
-                                      <p:cBhvr>
-                                        <p:cTn id="10" dur="1" fill="hold">
-                                          <p:stCondLst>
-                                            <p:cond delay="0"/>
-                                          </p:stCondLst>
-                                        </p:cTn>
-                                        <p:tgtEl>
-                                          <p:spTgt spid="10"/>
-                                        </p:tgtEl>
-                                        <p:attrNameLst>
-                                          <p:attrName>style.visibility</p:attrName>
-                                        </p:attrNameLst>
-                                      </p:cBhvr>
-                                      <p:to>
-                                        <p:strVal val="visible"/>
-                                      </p:to>
-                                    </p:set>
-                                  </p:childTnLst>
-                                </p:cTn>
-                              </p:par>
-                            </p:childTnLst>
-                          </p:cTn>
-                        </p:par>
-                      </p:childTnLst>
-                    </p:cTn>
-                  </p:par>
-                  <p:par>
-                    <p:cTn id="11" fill="hold">
-                      <p:stCondLst>
-                        <p:cond delay="indefinite"/>
-                      </p:stCondLst>
-                      <p:childTnLst>
-                        <p:par>
-                          <p:cTn id="12" fill="hold">
-                            <p:stCondLst>
-                              <p:cond delay="0"/>
-                            </p:stCondLst>
-                            <p:childTnLst>
-                              <p:par>
-                                <p:cTn id="13" presetID="2" presetClass="entr" presetSubtype="2" fill="hold" grpId="0" nodeType="clickEffect">
-                                  <p:stCondLst>
-                                    <p:cond delay="0"/>
-                                  </p:stCondLst>
-                                  <p:childTnLst>
-                                    <p:set>
-                                      <p:cBhvr>
-                                        <p:cTn id="14" dur="1" fill="hold">
-                                          <p:stCondLst>
-                                            <p:cond delay="0"/>
-                                          </p:stCondLst>
-                                        </p:cTn>
-                                        <p:tgtEl>
-                                          <p:spTgt spid="9"/>
+                                          <p:spTgt spid="12"/>
                                         </p:tgtEl>
                                         <p:attrNameLst>
                                           <p:attrName>style.visibility</p:attrName>
@@ -25558,9 +24957,9 @@
                                     </p:set>
                                     <p:anim calcmode="lin" valueType="num">
                                       <p:cBhvr additive="base">
-                                        <p:cTn id="15" dur="500" fill="hold"/>
+                                        <p:cTn id="7" dur="500" fill="hold"/>
                                         <p:tgtEl>
-                                          <p:spTgt spid="9"/>
+                                          <p:spTgt spid="12"/>
                                         </p:tgtEl>
                                         <p:attrNameLst>
                                           <p:attrName>ppt_x</p:attrName>
@@ -25569,7 +24968,7 @@
                                       <p:tavLst>
                                         <p:tav tm="0">
                                           <p:val>
-                                            <p:strVal val="1+#ppt_w/2"/>
+                                            <p:strVal val="0-#ppt_w/2"/>
                                           </p:val>
                                         </p:tav>
                                         <p:tav tm="100000">
@@ -25581,9 +24980,9 @@
                                     </p:anim>
                                     <p:anim calcmode="lin" valueType="num">
                                       <p:cBhvr additive="base">
-                                        <p:cTn id="16" dur="500" fill="hold"/>
+                                        <p:cTn id="8" dur="500" fill="hold"/>
                                         <p:tgtEl>
-                                          <p:spTgt spid="9"/>
+                                          <p:spTgt spid="12"/>
                                         </p:tgtEl>
                                         <p:attrNameLst>
                                           <p:attrName>ppt_y</p:attrName>
@@ -25612,32 +25011,32 @@
                     </p:cTn>
                   </p:par>
                   <p:par>
-                    <p:cTn id="17" fill="hold">
+                    <p:cTn id="9" fill="hold">
                       <p:stCondLst>
                         <p:cond delay="indefinite"/>
                       </p:stCondLst>
                       <p:childTnLst>
                         <p:par>
-                          <p:cTn id="18" fill="hold">
+                          <p:cTn id="10" fill="hold">
                             <p:stCondLst>
                               <p:cond delay="0"/>
                             </p:stCondLst>
                             <p:childTnLst>
                               <p:par>
-                                <p:cTn id="19" presetID="10" presetClass="entr" presetSubtype="0" fill="hold" nodeType="clickEffect">
+                                <p:cTn id="11" presetID="9" presetClass="entr" presetSubtype="0" fill="hold" grpId="0" nodeType="clickEffect">
                                   <p:stCondLst>
                                     <p:cond delay="0"/>
                                   </p:stCondLst>
                                   <p:childTnLst>
                                     <p:set>
                                       <p:cBhvr>
-                                        <p:cTn id="20" dur="1" fill="hold">
+                                        <p:cTn id="12" dur="1" fill="hold">
                                           <p:stCondLst>
                                             <p:cond delay="0"/>
                                           </p:stCondLst>
                                         </p:cTn>
                                         <p:tgtEl>
-                                          <p:spTgt spid="434182"/>
+                                          <p:spTgt spid="10"/>
                                         </p:tgtEl>
                                         <p:attrNameLst>
                                           <p:attrName>style.visibility</p:attrName>
@@ -25647,14 +25046,105 @@
                                         <p:strVal val="visible"/>
                                       </p:to>
                                     </p:set>
-                                    <p:animEffect transition="in" filter="fade">
+                                    <p:animEffect transition="in" filter="dissolve">
                                       <p:cBhvr>
-                                        <p:cTn id="21" dur="1000"/>
+                                        <p:cTn id="13" dur="500"/>
                                         <p:tgtEl>
-                                          <p:spTgt spid="434182"/>
+                                          <p:spTgt spid="10"/>
                                         </p:tgtEl>
                                       </p:cBhvr>
                                     </p:animEffect>
+                                  </p:childTnLst>
+                                </p:cTn>
+                              </p:par>
+                            </p:childTnLst>
+                          </p:cTn>
+                        </p:par>
+                      </p:childTnLst>
+                    </p:cTn>
+                  </p:par>
+                  <p:par>
+                    <p:cTn id="14" fill="hold">
+                      <p:stCondLst>
+                        <p:cond delay="indefinite"/>
+                      </p:stCondLst>
+                      <p:childTnLst>
+                        <p:par>
+                          <p:cTn id="15" fill="hold">
+                            <p:stCondLst>
+                              <p:cond delay="0"/>
+                            </p:stCondLst>
+                            <p:childTnLst>
+                              <p:par>
+                                <p:cTn id="16" presetID="2" presetClass="entr" presetSubtype="2" fill="hold" grpId="0" nodeType="clickEffect">
+                                  <p:stCondLst>
+                                    <p:cond delay="0"/>
+                                  </p:stCondLst>
+                                  <p:childTnLst>
+                                    <p:set>
+                                      <p:cBhvr>
+                                        <p:cTn id="17" dur="1" fill="hold">
+                                          <p:stCondLst>
+                                            <p:cond delay="0"/>
+                                          </p:stCondLst>
+                                        </p:cTn>
+                                        <p:tgtEl>
+                                          <p:spTgt spid="9"/>
+                                        </p:tgtEl>
+                                        <p:attrNameLst>
+                                          <p:attrName>style.visibility</p:attrName>
+                                        </p:attrNameLst>
+                                      </p:cBhvr>
+                                      <p:to>
+                                        <p:strVal val="visible"/>
+                                      </p:to>
+                                    </p:set>
+                                    <p:anim calcmode="lin" valueType="num">
+                                      <p:cBhvr additive="base">
+                                        <p:cTn id="18" dur="500" fill="hold"/>
+                                        <p:tgtEl>
+                                          <p:spTgt spid="9"/>
+                                        </p:tgtEl>
+                                        <p:attrNameLst>
+                                          <p:attrName>ppt_x</p:attrName>
+                                        </p:attrNameLst>
+                                      </p:cBhvr>
+                                      <p:tavLst>
+                                        <p:tav tm="0">
+                                          <p:val>
+                                            <p:strVal val="1+#ppt_w/2"/>
+                                          </p:val>
+                                        </p:tav>
+                                        <p:tav tm="100000">
+                                          <p:val>
+                                            <p:strVal val="#ppt_x"/>
+                                          </p:val>
+                                        </p:tav>
+                                      </p:tavLst>
+                                    </p:anim>
+                                    <p:anim calcmode="lin" valueType="num">
+                                      <p:cBhvr additive="base">
+                                        <p:cTn id="19" dur="500" fill="hold"/>
+                                        <p:tgtEl>
+                                          <p:spTgt spid="9"/>
+                                        </p:tgtEl>
+                                        <p:attrNameLst>
+                                          <p:attrName>ppt_y</p:attrName>
+                                        </p:attrNameLst>
+                                      </p:cBhvr>
+                                      <p:tavLst>
+                                        <p:tav tm="0">
+                                          <p:val>
+                                            <p:strVal val="#ppt_y"/>
+                                          </p:val>
+                                        </p:tav>
+                                        <p:tav tm="100000">
+                                          <p:val>
+                                            <p:strVal val="#ppt_y"/>
+                                          </p:val>
+                                        </p:tav>
+                                      </p:tavLst>
+                                    </p:anim>
                                   </p:childTnLst>
                                 </p:cTn>
                               </p:par>

--- a/fall11/slidesF11/slides15m.pptx
+++ b/fall11/slidesF11/slides15m.pptx
@@ -5705,7 +5705,7 @@
           <a:graphicData uri="http://schemas.openxmlformats.org/presentationml/2006/ole">
             <mc:AlternateContent xmlns:mc="http://schemas.openxmlformats.org/markup-compatibility/2006">
               <mc:Choice xmlns:v="urn:schemas-microsoft-com:vml" Requires="v">
-                <p:oleObj spid="_x0000_s493587" name="Equation" r:id="rId4" imgW="2032000" imgH="596900" progId="Equation.DSMT4">
+                <p:oleObj spid="_x0000_s493594" name="Equation" r:id="rId4" imgW="2032000" imgH="596900" progId="Equation.DSMT4">
                   <p:embed/>
                 </p:oleObj>
               </mc:Choice>
@@ -5848,7 +5848,7 @@
           <a:graphicData uri="http://schemas.openxmlformats.org/presentationml/2006/ole">
             <mc:AlternateContent xmlns:mc="http://schemas.openxmlformats.org/markup-compatibility/2006">
               <mc:Choice xmlns:v="urn:schemas-microsoft-com:vml" Requires="v">
-                <p:oleObj spid="_x0000_s493588" name="Equation" r:id="rId6" imgW="1168400" imgH="596900" progId="Equation.DSMT4">
+                <p:oleObj spid="_x0000_s493595" name="Equation" r:id="rId6" imgW="1168400" imgH="596900" progId="Equation.DSMT4">
                   <p:embed/>
                 </p:oleObj>
               </mc:Choice>
@@ -5917,7 +5917,7 @@
           <a:graphicData uri="http://schemas.openxmlformats.org/presentationml/2006/ole">
             <mc:AlternateContent xmlns:mc="http://schemas.openxmlformats.org/markup-compatibility/2006">
               <mc:Choice xmlns:v="urn:schemas-microsoft-com:vml" Requires="v">
-                <p:oleObj spid="_x0000_s493589" name="Equation" r:id="rId8" imgW="1663700" imgH="355600" progId="Equation.DSMT4">
+                <p:oleObj spid="_x0000_s493596" name="Equation" r:id="rId8" imgW="1663700" imgH="355600" progId="Equation.DSMT4">
                   <p:embed/>
                 </p:oleObj>
               </mc:Choice>
@@ -7140,13 +7140,8 @@
             </a:r>
             <a:r>
               <a:rPr lang="en-US" sz="5400" dirty="0" smtClean="0"/>
-              <a:t>average </a:t>
-            </a:r>
-            <a:r>
-              <a:rPr lang="en-US" sz="5400" dirty="0" smtClean="0"/>
-              <a:t>in the river.</a:t>
-            </a:r>
-            <a:endParaRPr lang="en-US" sz="5400" dirty="0" smtClean="0"/>
+              <a:t>average in the river.</a:t>
+            </a:r>
           </a:p>
           <a:p>
             <a:pPr eaLnBrk="1" hangingPunct="1"/>
@@ -8172,13 +8167,7 @@
               <a:rPr lang="en-US" sz="4800" dirty="0" smtClean="0">
                 <a:latin typeface="Comic Sans MS" pitchFamily="66" charset="0"/>
               </a:rPr>
-              <a:t>, </a:t>
-            </a:r>
-            <a:r>
-              <a:rPr lang="en-US" sz="4800" dirty="0" smtClean="0">
-                <a:latin typeface="Comic Sans MS" pitchFamily="66" charset="0"/>
-              </a:rPr>
-              <a:t>in the river.</a:t>
+              <a:t>, in the river.</a:t>
             </a:r>
             <a:endParaRPr lang="en-US" sz="4800" dirty="0">
               <a:latin typeface="Comic Sans MS" pitchFamily="66" charset="0"/>
@@ -8384,13 +8373,7 @@
               <a:rPr lang="en-US" sz="4800" dirty="0" smtClean="0">
                 <a:latin typeface="Comic Sans MS" pitchFamily="66" charset="0"/>
               </a:rPr>
-              <a:t>the </a:t>
-            </a:r>
-            <a:r>
-              <a:rPr lang="en-US" sz="4800" dirty="0" smtClean="0">
-                <a:latin typeface="Comic Sans MS" pitchFamily="66" charset="0"/>
-              </a:rPr>
-              <a:t>actual </a:t>
+              <a:t>the actual </a:t>
             </a:r>
             <a:r>
               <a:rPr lang="en-US" sz="5400" kern="0" dirty="0" err="1" smtClean="0">
@@ -8408,16 +8391,7 @@
                 </a:solidFill>
                 <a:latin typeface="Comic Sans MS"/>
               </a:rPr>
-              <a:t> </a:t>
-            </a:r>
-            <a:r>
-              <a:rPr lang="en-US" sz="5400" kern="0" dirty="0" smtClean="0">
-                <a:solidFill>
-                  <a:srgbClr val="000000"/>
-                </a:solidFill>
-                <a:latin typeface="Comic Sans MS"/>
-              </a:rPr>
-              <a:t>CMD</a:t>
+              <a:t> CMD</a:t>
             </a:r>
           </a:p>
           <a:p>
@@ -8457,16 +8431,7 @@
                 </a:solidFill>
                 <a:latin typeface="Comic Sans MS"/>
               </a:rPr>
-              <a:t> </a:t>
-            </a:r>
-            <a:r>
-              <a:rPr lang="en-US" sz="5400" kern="0" dirty="0" smtClean="0">
-                <a:solidFill>
-                  <a:srgbClr val="006600"/>
-                </a:solidFill>
-                <a:latin typeface="Comic Sans MS"/>
-              </a:rPr>
-              <a:t>200</a:t>
+              <a:t> 200</a:t>
             </a:r>
             <a:endParaRPr lang="en-US" sz="4800" dirty="0">
               <a:latin typeface="Comic Sans MS" pitchFamily="66" charset="0"/>
@@ -9869,7 +9834,7 @@
           <a:graphicData uri="http://schemas.openxmlformats.org/presentationml/2006/ole">
             <mc:AlternateContent xmlns:mc="http://schemas.openxmlformats.org/markup-compatibility/2006">
               <mc:Choice xmlns:v="urn:schemas-microsoft-com:vml" Requires="v">
-                <p:oleObj spid="_x0000_s1040" name="Equation" r:id="rId5" imgW="762000" imgH="381000" progId="Equation.DSMT4">
+                <p:oleObj spid="_x0000_s1043" name="Equation" r:id="rId5" imgW="762000" imgH="381000" progId="Equation.DSMT4">
                   <p:embed/>
                 </p:oleObj>
               </mc:Choice>
@@ -10661,7 +10626,7 @@
           <a:graphicData uri="http://schemas.openxmlformats.org/presentationml/2006/ole">
             <mc:AlternateContent xmlns:mc="http://schemas.openxmlformats.org/markup-compatibility/2006">
               <mc:Choice xmlns:v="urn:schemas-microsoft-com:vml" Requires="v">
-                <p:oleObj spid="_x0000_s489515" name="Equation" r:id="rId5" imgW="1816100" imgH="330200" progId="Equation.DSMT4">
+                <p:oleObj spid="_x0000_s489520" name="Equation" r:id="rId5" imgW="1816100" imgH="330200" progId="Equation.DSMT4">
                   <p:embed/>
                 </p:oleObj>
               </mc:Choice>
@@ -10731,7 +10696,7 @@
           <a:graphicData uri="http://schemas.openxmlformats.org/presentationml/2006/ole">
             <mc:AlternateContent xmlns:mc="http://schemas.openxmlformats.org/markup-compatibility/2006">
               <mc:Choice xmlns:v="urn:schemas-microsoft-com:vml" Requires="v">
-                <p:oleObj spid="_x0000_s489516" name="Equation" r:id="rId7" imgW="1714500" imgH="596900" progId="Equation.DSMT4">
+                <p:oleObj spid="_x0000_s489521" name="Equation" r:id="rId7" imgW="1714500" imgH="596900" progId="Equation.DSMT4">
                   <p:embed/>
                 </p:oleObj>
               </mc:Choice>
@@ -11283,7 +11248,7 @@
           <a:graphicData uri="http://schemas.openxmlformats.org/presentationml/2006/ole">
             <mc:AlternateContent xmlns:mc="http://schemas.openxmlformats.org/markup-compatibility/2006">
               <mc:Choice xmlns:v="urn:schemas-microsoft-com:vml" Requires="v">
-                <p:oleObj spid="_x0000_s490513" name="Equation" r:id="rId5" imgW="1790700" imgH="482600" progId="Equation.DSMT4">
+                <p:oleObj spid="_x0000_s490516" name="Equation" r:id="rId5" imgW="1790700" imgH="482600" progId="Equation.DSMT4">
                   <p:embed/>
                 </p:oleObj>
               </mc:Choice>
@@ -17418,7 +17383,7 @@
           <a:graphicData uri="http://schemas.openxmlformats.org/presentationml/2006/ole">
             <mc:AlternateContent xmlns:mc="http://schemas.openxmlformats.org/markup-compatibility/2006">
               <mc:Choice xmlns:v="urn:schemas-microsoft-com:vml" Requires="v">
-                <p:oleObj spid="_x0000_s491537" name="Equation" r:id="rId5" imgW="1816100" imgH="482600" progId="Equation.DSMT4">
+                <p:oleObj spid="_x0000_s491540" name="Equation" r:id="rId5" imgW="1816100" imgH="482600" progId="Equation.DSMT4">
                   <p:embed/>
                 </p:oleObj>
               </mc:Choice>
@@ -19909,7 +19874,7 @@
           <a:graphicData uri="http://schemas.openxmlformats.org/presentationml/2006/ole">
             <mc:AlternateContent xmlns:mc="http://schemas.openxmlformats.org/markup-compatibility/2006">
               <mc:Choice xmlns:v="urn:schemas-microsoft-com:vml" Requires="v">
-                <p:oleObj spid="_x0000_s492587" name="Equation" r:id="rId5" imgW="2273300" imgH="482600" progId="Equation.DSMT4">
+                <p:oleObj spid="_x0000_s492594" name="Equation" r:id="rId5" imgW="2273300" imgH="482600" progId="Equation.DSMT4">
                   <p:embed/>
                 </p:oleObj>
               </mc:Choice>
@@ -19966,7 +19931,7 @@
           <a:graphicData uri="http://schemas.openxmlformats.org/presentationml/2006/ole">
             <mc:AlternateContent xmlns:mc="http://schemas.openxmlformats.org/markup-compatibility/2006">
               <mc:Choice xmlns:v="urn:schemas-microsoft-com:vml" Requires="v">
-                <p:oleObj spid="_x0000_s492588" name="Equation" r:id="rId7" imgW="571500" imgH="241300" progId="Equation.DSMT4">
+                <p:oleObj spid="_x0000_s492595" name="Equation" r:id="rId7" imgW="571500" imgH="241300" progId="Equation.DSMT4">
                   <p:embed/>
                 </p:oleObj>
               </mc:Choice>
@@ -20048,7 +20013,7 @@
           <a:graphicData uri="http://schemas.openxmlformats.org/presentationml/2006/ole">
             <mc:AlternateContent xmlns:mc="http://schemas.openxmlformats.org/markup-compatibility/2006">
               <mc:Choice xmlns:v="urn:schemas-microsoft-com:vml" Requires="v">
-                <p:oleObj spid="_x0000_s492589" name="Equation" r:id="rId9" imgW="2476500" imgH="482600" progId="Equation.DSMT4">
+                <p:oleObj spid="_x0000_s492596" name="Equation" r:id="rId9" imgW="2476500" imgH="482600" progId="Equation.DSMT4">
                   <p:embed/>
                 </p:oleObj>
               </mc:Choice>
@@ -21530,8 +21495,12 @@
               </a:lnSpc>
             </a:pPr>
             <a:r>
-              <a:rPr lang="en-US" sz="10600"/>
-              <a:t>2,3,4, 1</a:t>
+              <a:rPr lang="en-US" sz="10600" dirty="0" smtClean="0"/>
+              <a:t>1－</a:t>
+            </a:r>
+            <a:r>
+              <a:rPr lang="en-US" sz="10600" dirty="0"/>
+              <a:t>4</a:t>
             </a:r>
             <a:endParaRPr lang="en-US" sz="10600" dirty="0" smtClean="0"/>
           </a:p>
@@ -22610,15 +22579,7 @@
                   <a:srgbClr val="000000"/>
                 </a:solidFill>
               </a:rPr>
-              <a:t> </a:t>
-            </a:r>
-            <a:r>
-              <a:rPr lang="en-US" sz="5400" dirty="0" smtClean="0">
-                <a:solidFill>
-                  <a:srgbClr val="000000"/>
-                </a:solidFill>
-              </a:rPr>
-              <a:t>is </a:t>
+              <a:t> is </a:t>
             </a:r>
             <a:r>
               <a:rPr lang="en-US" sz="5400" b="1" dirty="0" smtClean="0">
@@ -22679,13 +22640,13 @@
   <p:clrMapOvr>
     <a:masterClrMapping/>
   </p:clrMapOvr>
-  <mc:AlternateContent xmlns:mc="http://schemas.openxmlformats.org/markup-compatibility/2006">
-    <mc:Choice xmlns:p14="http://schemas.microsoft.com/office/powerpoint/2010/main" Requires="p14">
+  <mc:AlternateContent xmlns:mc="http://schemas.openxmlformats.org/markup-compatibility/2006" xmlns:p14="http://schemas.microsoft.com/office/powerpoint/2010/main">
+    <mc:Choice Requires="p14">
       <p:transition spd="med" p14:dur="550">
         <p:fade/>
       </p:transition>
     </mc:Choice>
-    <mc:Fallback>
+    <mc:Fallback xmlns="">
       <p:transition xmlns:p14="http://schemas.microsoft.com/office/powerpoint/2010/main" spd="med">
         <p:fade/>
       </p:transition>
@@ -23036,11 +22997,7 @@
             </a:r>
             <a:r>
               <a:rPr lang="en-US" sz="5400" dirty="0" smtClean="0"/>
-              <a:t> </a:t>
-            </a:r>
-            <a:r>
-              <a:rPr lang="en-US" sz="5400" dirty="0" smtClean="0"/>
-              <a:t>average?</a:t>
+              <a:t> average?</a:t>
             </a:r>
             <a:endParaRPr lang="en-US" sz="7200" dirty="0" smtClean="0"/>
           </a:p>
@@ -23217,21 +23174,8 @@
             </a:r>
             <a:r>
               <a:rPr lang="en-US" sz="4000" dirty="0" smtClean="0"/>
-              <a:t>::= </a:t>
-            </a:r>
-            <a:r>
-              <a:rPr lang="en-US" sz="4000" dirty="0" smtClean="0"/>
-              <a:t>actual average </a:t>
-            </a:r>
-            <a:r>
-              <a:rPr lang="en-US" sz="4000" dirty="0" smtClean="0"/>
-              <a:t>CMD </a:t>
-            </a:r>
-            <a:r>
-              <a:rPr lang="en-US" sz="4000" dirty="0" smtClean="0"/>
-              <a:t>in river</a:t>
-            </a:r>
-            <a:endParaRPr lang="en-US" sz="4000" dirty="0" smtClean="0"/>
+              <a:t>::= actual average CMD in river</a:t>
+            </a:r>
           </a:p>
           <a:p>
             <a:pPr marL="0" indent="0" eaLnBrk="1" hangingPunct="1"/>
@@ -23882,7 +23826,7 @@
           <a:graphicData uri="http://schemas.openxmlformats.org/presentationml/2006/ole">
             <mc:AlternateContent xmlns:mc="http://schemas.openxmlformats.org/markup-compatibility/2006">
               <mc:Choice xmlns:v="urn:schemas-microsoft-com:vml" Requires="v">
-                <p:oleObj spid="_x0000_s426080" name="Equation" r:id="rId4" imgW="1854200" imgH="596900" progId="Equation.DSMT4">
+                <p:oleObj spid="_x0000_s426087" name="Equation" r:id="rId4" imgW="1854200" imgH="596900" progId="Equation.DSMT4">
                   <p:embed/>
                 </p:oleObj>
               </mc:Choice>
@@ -23958,7 +23902,7 @@
           <a:graphicData uri="http://schemas.openxmlformats.org/presentationml/2006/ole">
             <mc:AlternateContent xmlns:mc="http://schemas.openxmlformats.org/markup-compatibility/2006">
               <mc:Choice xmlns:v="urn:schemas-microsoft-com:vml" Requires="v">
-                <p:oleObj spid="_x0000_s426081" name="Equation" r:id="rId6" imgW="2032000" imgH="596900" progId="Equation.DSMT4">
+                <p:oleObj spid="_x0000_s426088" name="Equation" r:id="rId6" imgW="2032000" imgH="596900" progId="Equation.DSMT4">
                   <p:embed/>
                 </p:oleObj>
               </mc:Choice>
@@ -24052,7 +23996,7 @@
           <a:graphicData uri="http://schemas.openxmlformats.org/presentationml/2006/ole">
             <mc:AlternateContent xmlns:mc="http://schemas.openxmlformats.org/markup-compatibility/2006">
               <mc:Choice xmlns:v="urn:schemas-microsoft-com:vml" Requires="v">
-                <p:oleObj spid="_x0000_s426082" name="Equation" r:id="rId8" imgW="1879600" imgH="215900" progId="Equation.DSMT4">
+                <p:oleObj spid="_x0000_s426089" name="Equation" r:id="rId8" imgW="1879600" imgH="215900" progId="Equation.DSMT4">
                   <p:embed/>
                 </p:oleObj>
               </mc:Choice>
@@ -24691,7 +24635,7 @@
           <a:graphicData uri="http://schemas.openxmlformats.org/presentationml/2006/ole">
             <mc:AlternateContent xmlns:mc="http://schemas.openxmlformats.org/markup-compatibility/2006">
               <mc:Choice xmlns:v="urn:schemas-microsoft-com:vml" Requires="v">
-                <p:oleObj spid="_x0000_s438383" name="Equation" r:id="rId4" imgW="2057400" imgH="596900" progId="Equation.DSMT4">
+                <p:oleObj spid="_x0000_s438390" name="Equation" r:id="rId4" imgW="2057400" imgH="596900" progId="Equation.DSMT4">
                   <p:embed/>
                 </p:oleObj>
               </mc:Choice>
@@ -24767,7 +24711,7 @@
           <a:graphicData uri="http://schemas.openxmlformats.org/presentationml/2006/ole">
             <mc:AlternateContent xmlns:mc="http://schemas.openxmlformats.org/markup-compatibility/2006">
               <mc:Choice xmlns:v="urn:schemas-microsoft-com:vml" Requires="v">
-                <p:oleObj spid="_x0000_s438384" name="Equation" r:id="rId6" imgW="889000" imgH="469900" progId="Equation.DSMT4">
+                <p:oleObj spid="_x0000_s438391" name="Equation" r:id="rId6" imgW="889000" imgH="469900" progId="Equation.DSMT4">
                   <p:embed/>
                 </p:oleObj>
               </mc:Choice>
@@ -24837,7 +24781,7 @@
           <a:graphicData uri="http://schemas.openxmlformats.org/presentationml/2006/ole">
             <mc:AlternateContent xmlns:mc="http://schemas.openxmlformats.org/markup-compatibility/2006">
               <mc:Choice xmlns:v="urn:schemas-microsoft-com:vml" Requires="v">
-                <p:oleObj spid="_x0000_s438385" name="Equation" r:id="rId8" imgW="1879600" imgH="215900" progId="Equation.DSMT4">
+                <p:oleObj spid="_x0000_s438392" name="Equation" r:id="rId8" imgW="1879600" imgH="215900" progId="Equation.DSMT4">
                   <p:embed/>
                 </p:oleObj>
               </mc:Choice>
@@ -24896,13 +24840,13 @@
   <p:clrMapOvr>
     <a:masterClrMapping/>
   </p:clrMapOvr>
-  <mc:AlternateContent xmlns:mc="http://schemas.openxmlformats.org/markup-compatibility/2006">
-    <mc:Choice xmlns:p14="http://schemas.microsoft.com/office/powerpoint/2010/main" Requires="p14">
+  <mc:AlternateContent xmlns:mc="http://schemas.openxmlformats.org/markup-compatibility/2006" xmlns:p14="http://schemas.microsoft.com/office/powerpoint/2010/main">
+    <mc:Choice Requires="p14">
       <p:transition spd="med" p14:dur="700">
         <p:fade/>
       </p:transition>
     </mc:Choice>
-    <mc:Fallback>
+    <mc:Fallback xmlns="">
       <p:transition xmlns:p14="http://schemas.microsoft.com/office/powerpoint/2010/main" spd="med">
         <p:fade/>
       </p:transition>
